--- a/InformeViolaciones/Template.pptx
+++ b/InformeViolaciones/Template.pptx
@@ -1,27 +1,122 @@
 
 <file path=ppt/presentation.xml><?xml version="1.0" encoding="utf-8"?>
-<p:presentation xmlns:a="http://schemas.openxmlformats.org/drawingml/2006/main" xmlns:p="http://schemas.openxmlformats.org/presentationml/2006/main" xmlns:r="http://schemas.openxmlformats.org/officeDocument/2006/relationships" xmlns:p14="http://schemas.microsoft.com/office/powerpoint/2010/main" xmlns:p15="http://schemas.microsoft.com/office/powerpoint/2012/main" xmlns:mc="http://schemas.openxmlformats.org/markup-compatibility/2006">
+<p:presentation xmlns:a="http://schemas.openxmlformats.org/drawingml/2006/main" xmlns:r="http://schemas.openxmlformats.org/officeDocument/2006/relationships" xmlns:p="http://schemas.openxmlformats.org/presentationml/2006/main">
   <p:sldMasterIdLst>
-    <p:sldMasterId id="2147483648" r:id="rId2"/>
-    <p:sldMasterId id="2147483650" r:id="rId3"/>
-    <p:sldMasterId id="2147483652" r:id="rId4"/>
-    <p:sldMasterId id="2147483654" r:id="rId5"/>
-    <p:sldMasterId id="2147483656" r:id="rId6"/>
-    <p:sldMasterId id="2147483658" r:id="rId7"/>
-    <p:sldMasterId id="2147483660" r:id="rId8"/>
-    <p:sldMasterId id="2147483662" r:id="rId9"/>
-    <p:sldMasterId id="2147483664" r:id="rId10"/>
+    <p:sldMasterId id="2147483648" r:id="rId1"/>
+    <p:sldMasterId id="2147483650" r:id="rId2"/>
+    <p:sldMasterId id="2147483652" r:id="rId3"/>
+    <p:sldMasterId id="2147483654" r:id="rId4"/>
+    <p:sldMasterId id="2147483656" r:id="rId5"/>
+    <p:sldMasterId id="2147483658" r:id="rId6"/>
+    <p:sldMasterId id="2147483660" r:id="rId7"/>
+    <p:sldMasterId id="2147483662" r:id="rId8"/>
+    <p:sldMasterId id="2147483664" r:id="rId9"/>
   </p:sldMasterIdLst>
   <p:sldIdLst>
-    <p:sldId id="256" r:id="rId11"/>
+    <p:sldId id="256" r:id="rId10"/>
   </p:sldIdLst>
   <p:sldSz cx="12192000" cy="6858000"/>
   <p:notesSz cx="7772400" cy="10058400"/>
+  <p:defaultTextStyle>
+    <a:defPPr>
+      <a:defRPr lang="es-MX"/>
+    </a:defPPr>
+    <a:lvl1pPr marL="0" algn="l" defTabSz="914400" rtl="0" eaLnBrk="1" latinLnBrk="0" hangingPunct="1">
+      <a:defRPr sz="1800" kern="1200">
+        <a:solidFill>
+          <a:schemeClr val="tx1"/>
+        </a:solidFill>
+        <a:latin typeface="+mn-lt"/>
+        <a:ea typeface="+mn-ea"/>
+        <a:cs typeface="+mn-cs"/>
+      </a:defRPr>
+    </a:lvl1pPr>
+    <a:lvl2pPr marL="457200" algn="l" defTabSz="914400" rtl="0" eaLnBrk="1" latinLnBrk="0" hangingPunct="1">
+      <a:defRPr sz="1800" kern="1200">
+        <a:solidFill>
+          <a:schemeClr val="tx1"/>
+        </a:solidFill>
+        <a:latin typeface="+mn-lt"/>
+        <a:ea typeface="+mn-ea"/>
+        <a:cs typeface="+mn-cs"/>
+      </a:defRPr>
+    </a:lvl2pPr>
+    <a:lvl3pPr marL="914400" algn="l" defTabSz="914400" rtl="0" eaLnBrk="1" latinLnBrk="0" hangingPunct="1">
+      <a:defRPr sz="1800" kern="1200">
+        <a:solidFill>
+          <a:schemeClr val="tx1"/>
+        </a:solidFill>
+        <a:latin typeface="+mn-lt"/>
+        <a:ea typeface="+mn-ea"/>
+        <a:cs typeface="+mn-cs"/>
+      </a:defRPr>
+    </a:lvl3pPr>
+    <a:lvl4pPr marL="1371600" algn="l" defTabSz="914400" rtl="0" eaLnBrk="1" latinLnBrk="0" hangingPunct="1">
+      <a:defRPr sz="1800" kern="1200">
+        <a:solidFill>
+          <a:schemeClr val="tx1"/>
+        </a:solidFill>
+        <a:latin typeface="+mn-lt"/>
+        <a:ea typeface="+mn-ea"/>
+        <a:cs typeface="+mn-cs"/>
+      </a:defRPr>
+    </a:lvl4pPr>
+    <a:lvl5pPr marL="1828800" algn="l" defTabSz="914400" rtl="0" eaLnBrk="1" latinLnBrk="0" hangingPunct="1">
+      <a:defRPr sz="1800" kern="1200">
+        <a:solidFill>
+          <a:schemeClr val="tx1"/>
+        </a:solidFill>
+        <a:latin typeface="+mn-lt"/>
+        <a:ea typeface="+mn-ea"/>
+        <a:cs typeface="+mn-cs"/>
+      </a:defRPr>
+    </a:lvl5pPr>
+    <a:lvl6pPr marL="2286000" algn="l" defTabSz="914400" rtl="0" eaLnBrk="1" latinLnBrk="0" hangingPunct="1">
+      <a:defRPr sz="1800" kern="1200">
+        <a:solidFill>
+          <a:schemeClr val="tx1"/>
+        </a:solidFill>
+        <a:latin typeface="+mn-lt"/>
+        <a:ea typeface="+mn-ea"/>
+        <a:cs typeface="+mn-cs"/>
+      </a:defRPr>
+    </a:lvl6pPr>
+    <a:lvl7pPr marL="2743200" algn="l" defTabSz="914400" rtl="0" eaLnBrk="1" latinLnBrk="0" hangingPunct="1">
+      <a:defRPr sz="1800" kern="1200">
+        <a:solidFill>
+          <a:schemeClr val="tx1"/>
+        </a:solidFill>
+        <a:latin typeface="+mn-lt"/>
+        <a:ea typeface="+mn-ea"/>
+        <a:cs typeface="+mn-cs"/>
+      </a:defRPr>
+    </a:lvl7pPr>
+    <a:lvl8pPr marL="3200400" algn="l" defTabSz="914400" rtl="0" eaLnBrk="1" latinLnBrk="0" hangingPunct="1">
+      <a:defRPr sz="1800" kern="1200">
+        <a:solidFill>
+          <a:schemeClr val="tx1"/>
+        </a:solidFill>
+        <a:latin typeface="+mn-lt"/>
+        <a:ea typeface="+mn-ea"/>
+        <a:cs typeface="+mn-cs"/>
+      </a:defRPr>
+    </a:lvl8pPr>
+    <a:lvl9pPr marL="3657600" algn="l" defTabSz="914400" rtl="0" eaLnBrk="1" latinLnBrk="0" hangingPunct="1">
+      <a:defRPr sz="1800" kern="1200">
+        <a:solidFill>
+          <a:schemeClr val="tx1"/>
+        </a:solidFill>
+        <a:latin typeface="+mn-lt"/>
+        <a:ea typeface="+mn-ea"/>
+        <a:cs typeface="+mn-cs"/>
+      </a:defRPr>
+    </a:lvl9pPr>
+  </p:defaultTextStyle>
 </p:presentation>
 </file>
 
 <file path=ppt/slideLayouts/slideLayout1.xml><?xml version="1.0" encoding="utf-8"?>
-<p:sldLayout xmlns:a="http://schemas.openxmlformats.org/drawingml/2006/main" xmlns:p="http://schemas.openxmlformats.org/presentationml/2006/main" xmlns:r="http://schemas.openxmlformats.org/officeDocument/2006/relationships" xmlns:p14="http://schemas.microsoft.com/office/powerpoint/2010/main" xmlns:p15="http://schemas.microsoft.com/office/powerpoint/2012/main" xmlns:mc="http://schemas.openxmlformats.org/markup-compatibility/2006" type="blank" preserve="1">
+<p:sldLayout xmlns:a="http://schemas.openxmlformats.org/drawingml/2006/main" xmlns:r="http://schemas.openxmlformats.org/officeDocument/2006/relationships" xmlns:p="http://schemas.openxmlformats.org/presentationml/2006/main" type="blank" preserve="1">
   <p:cSld name="1_Solo el título">
     <p:spTree>
       <p:nvGrpSpPr>
@@ -39,11 +134,14 @@
       </p:grpSpPr>
     </p:spTree>
   </p:cSld>
+  <p:clrMapOvr>
+    <a:masterClrMapping/>
+  </p:clrMapOvr>
 </p:sldLayout>
 </file>
 
 <file path=ppt/slideLayouts/slideLayout2.xml><?xml version="1.0" encoding="utf-8"?>
-<p:sldLayout xmlns:a="http://schemas.openxmlformats.org/drawingml/2006/main" xmlns:p="http://schemas.openxmlformats.org/presentationml/2006/main" xmlns:r="http://schemas.openxmlformats.org/officeDocument/2006/relationships" xmlns:p14="http://schemas.microsoft.com/office/powerpoint/2010/main" xmlns:p15="http://schemas.microsoft.com/office/powerpoint/2012/main" xmlns:mc="http://schemas.openxmlformats.org/markup-compatibility/2006" type="blank" preserve="1">
+<p:sldLayout xmlns:a="http://schemas.openxmlformats.org/drawingml/2006/main" xmlns:r="http://schemas.openxmlformats.org/officeDocument/2006/relationships" xmlns:p="http://schemas.openxmlformats.org/presentationml/2006/main" type="blank" preserve="1">
   <p:cSld name="SECTION_HEADER">
     <p:spTree>
       <p:nvGrpSpPr>
@@ -72,6 +170,7 @@
         <p:spPr/>
         <p:txBody>
           <a:bodyPr/>
+          <a:lstStyle/>
           <a:p>
             <a:r>
               <a:t>Footer</a:t>
@@ -92,10 +191,12 @@
         <p:spPr/>
         <p:txBody>
           <a:bodyPr/>
+          <a:lstStyle/>
           <a:p>
             <a:fld id="{074C55AD-452F-4F9C-A287-6B5B7F1D53FB}" type="slidenum">
-              <a:t>&lt;#&gt;</a:t>
+              <a:t>‹Nº›</a:t>
             </a:fld>
+            <a:endParaRPr/>
           </a:p>
         </p:txBody>
       </p:sp>
@@ -112,21 +213,22 @@
         <p:spPr/>
         <p:txBody>
           <a:bodyPr/>
-          <a:p>
-            <a:r>
-              <a:rPr lang="es-MX"/>
-              <a:t/>
-            </a:r>
+          <a:lstStyle/>
+          <a:p>
+            <a:endParaRPr/>
           </a:p>
         </p:txBody>
       </p:sp>
     </p:spTree>
   </p:cSld>
+  <p:clrMapOvr>
+    <a:masterClrMapping/>
+  </p:clrMapOvr>
 </p:sldLayout>
 </file>
 
 <file path=ppt/slideLayouts/slideLayout3.xml><?xml version="1.0" encoding="utf-8"?>
-<p:sldLayout xmlns:a="http://schemas.openxmlformats.org/drawingml/2006/main" xmlns:p="http://schemas.openxmlformats.org/presentationml/2006/main" xmlns:r="http://schemas.openxmlformats.org/officeDocument/2006/relationships" xmlns:p14="http://schemas.microsoft.com/office/powerpoint/2010/main" xmlns:p15="http://schemas.microsoft.com/office/powerpoint/2012/main" xmlns:mc="http://schemas.openxmlformats.org/markup-compatibility/2006" type="twoObj" preserve="1">
+<p:sldLayout xmlns:a="http://schemas.openxmlformats.org/drawingml/2006/main" xmlns:r="http://schemas.openxmlformats.org/officeDocument/2006/relationships" xmlns:p="http://schemas.openxmlformats.org/presentationml/2006/main" type="twoObj" preserve="1">
   <p:cSld name="TWO_OBJECTS">
     <p:spTree>
       <p:nvGrpSpPr>
@@ -166,14 +268,15 @@
           </a:ln>
         </p:spPr>
         <p:txBody>
-          <a:bodyPr lIns="0" rIns="0" tIns="0" bIns="0" anchor="ctr">
+          <a:bodyPr lIns="0" tIns="0" rIns="0" bIns="0" anchor="ctr">
             <a:noAutofit/>
           </a:bodyPr>
+          <a:lstStyle/>
           <a:p>
             <a:pPr indent="0" algn="ctr">
               <a:buNone/>
             </a:pPr>
-            <a:endParaRPr b="0" lang="es-MX" sz="4400" strike="noStrike" u="none">
+            <a:endParaRPr lang="es-MX" sz="4400" b="0" u="none" strike="noStrike">
               <a:solidFill>
                 <a:srgbClr val="000000"/>
               </a:solidFill>
@@ -207,9 +310,10 @@
           </a:ln>
         </p:spPr>
         <p:txBody>
-          <a:bodyPr lIns="0" rIns="0" tIns="0" bIns="0" anchor="t">
+          <a:bodyPr lIns="0" tIns="0" rIns="0" bIns="0" anchor="t">
             <a:normAutofit/>
           </a:bodyPr>
+          <a:lstStyle/>
           <a:p>
             <a:pPr indent="0">
               <a:spcBef>
@@ -217,7 +321,7 @@
               </a:spcBef>
               <a:buNone/>
             </a:pPr>
-            <a:endParaRPr b="0" lang="es-MX" sz="3200" strike="noStrike" u="none">
+            <a:endParaRPr lang="es-MX" sz="3200" b="0" u="none" strike="noStrike">
               <a:solidFill>
                 <a:srgbClr val="000000"/>
               </a:solidFill>
@@ -251,9 +355,10 @@
           </a:ln>
         </p:spPr>
         <p:txBody>
-          <a:bodyPr lIns="0" rIns="0" tIns="0" bIns="0" anchor="t">
+          <a:bodyPr lIns="0" tIns="0" rIns="0" bIns="0" anchor="t">
             <a:normAutofit/>
           </a:bodyPr>
+          <a:lstStyle/>
           <a:p>
             <a:pPr indent="0">
               <a:spcBef>
@@ -261,7 +366,7 @@
               </a:spcBef>
               <a:buNone/>
             </a:pPr>
-            <a:endParaRPr b="0" lang="es-MX" sz="3200" strike="noStrike" u="none">
+            <a:endParaRPr lang="es-MX" sz="3200" b="0" u="none" strike="noStrike">
               <a:solidFill>
                 <a:srgbClr val="000000"/>
               </a:solidFill>
@@ -284,6 +389,7 @@
         <p:spPr/>
         <p:txBody>
           <a:bodyPr/>
+          <a:lstStyle/>
           <a:p>
             <a:r>
               <a:t>Footer</a:t>
@@ -304,10 +410,12 @@
         <p:spPr/>
         <p:txBody>
           <a:bodyPr/>
+          <a:lstStyle/>
           <a:p>
             <a:fld id="{A20D17DD-4654-4D5D-9C4F-F4631431FA8C}" type="slidenum">
-              <a:t>&lt;#&gt;</a:t>
+              <a:t>‹Nº›</a:t>
             </a:fld>
+            <a:endParaRPr/>
           </a:p>
         </p:txBody>
       </p:sp>
@@ -324,21 +432,22 @@
         <p:spPr/>
         <p:txBody>
           <a:bodyPr/>
-          <a:p>
-            <a:r>
-              <a:rPr lang="es-MX"/>
-              <a:t/>
-            </a:r>
+          <a:lstStyle/>
+          <a:p>
+            <a:endParaRPr/>
           </a:p>
         </p:txBody>
       </p:sp>
     </p:spTree>
   </p:cSld>
+  <p:clrMapOvr>
+    <a:masterClrMapping/>
+  </p:clrMapOvr>
 </p:sldLayout>
 </file>
 
 <file path=ppt/slideLayouts/slideLayout4.xml><?xml version="1.0" encoding="utf-8"?>
-<p:sldLayout xmlns:a="http://schemas.openxmlformats.org/drawingml/2006/main" xmlns:p="http://schemas.openxmlformats.org/presentationml/2006/main" xmlns:r="http://schemas.openxmlformats.org/officeDocument/2006/relationships" xmlns:p14="http://schemas.microsoft.com/office/powerpoint/2010/main" xmlns:p15="http://schemas.microsoft.com/office/powerpoint/2012/main" xmlns:mc="http://schemas.openxmlformats.org/markup-compatibility/2006" type="blank" preserve="1">
+<p:sldLayout xmlns:a="http://schemas.openxmlformats.org/drawingml/2006/main" xmlns:r="http://schemas.openxmlformats.org/officeDocument/2006/relationships" xmlns:p="http://schemas.openxmlformats.org/presentationml/2006/main" type="blank" preserve="1">
   <p:cSld name="TWO_OBJECTS_WITH_TEXT">
     <p:spTree>
       <p:nvGrpSpPr>
@@ -367,6 +476,7 @@
         <p:spPr/>
         <p:txBody>
           <a:bodyPr/>
+          <a:lstStyle/>
           <a:p>
             <a:r>
               <a:t>Footer</a:t>
@@ -387,10 +497,12 @@
         <p:spPr/>
         <p:txBody>
           <a:bodyPr/>
+          <a:lstStyle/>
           <a:p>
             <a:fld id="{0A954499-AB1D-48E2-802D-9AF30841838B}" type="slidenum">
-              <a:t>&lt;#&gt;</a:t>
+              <a:t>‹Nº›</a:t>
             </a:fld>
+            <a:endParaRPr/>
           </a:p>
         </p:txBody>
       </p:sp>
@@ -407,21 +519,22 @@
         <p:spPr/>
         <p:txBody>
           <a:bodyPr/>
-          <a:p>
-            <a:r>
-              <a:rPr lang="es-MX"/>
-              <a:t/>
-            </a:r>
+          <a:lstStyle/>
+          <a:p>
+            <a:endParaRPr/>
           </a:p>
         </p:txBody>
       </p:sp>
     </p:spTree>
   </p:cSld>
+  <p:clrMapOvr>
+    <a:masterClrMapping/>
+  </p:clrMapOvr>
 </p:sldLayout>
 </file>
 
 <file path=ppt/slideLayouts/slideLayout5.xml><?xml version="1.0" encoding="utf-8"?>
-<p:sldLayout xmlns:a="http://schemas.openxmlformats.org/drawingml/2006/main" xmlns:p="http://schemas.openxmlformats.org/presentationml/2006/main" xmlns:r="http://schemas.openxmlformats.org/officeDocument/2006/relationships" xmlns:p14="http://schemas.microsoft.com/office/powerpoint/2010/main" xmlns:p15="http://schemas.microsoft.com/office/powerpoint/2012/main" xmlns:mc="http://schemas.openxmlformats.org/markup-compatibility/2006" type="titleOnly" preserve="1">
+<p:sldLayout xmlns:a="http://schemas.openxmlformats.org/drawingml/2006/main" xmlns:r="http://schemas.openxmlformats.org/officeDocument/2006/relationships" xmlns:p="http://schemas.openxmlformats.org/presentationml/2006/main" type="titleOnly" preserve="1">
   <p:cSld name="TITLE_ONLY">
     <p:spTree>
       <p:nvGrpSpPr>
@@ -461,14 +574,15 @@
           </a:ln>
         </p:spPr>
         <p:txBody>
-          <a:bodyPr lIns="0" rIns="0" tIns="0" bIns="0" anchor="ctr">
+          <a:bodyPr lIns="0" tIns="0" rIns="0" bIns="0" anchor="ctr">
             <a:noAutofit/>
           </a:bodyPr>
+          <a:lstStyle/>
           <a:p>
             <a:pPr indent="0" algn="ctr">
               <a:buNone/>
             </a:pPr>
-            <a:endParaRPr b="0" lang="es-MX" sz="4400" strike="noStrike" u="none">
+            <a:endParaRPr lang="es-MX" sz="4400" b="0" u="none" strike="noStrike">
               <a:solidFill>
                 <a:srgbClr val="000000"/>
               </a:solidFill>
@@ -491,6 +605,7 @@
         <p:spPr/>
         <p:txBody>
           <a:bodyPr/>
+          <a:lstStyle/>
           <a:p>
             <a:r>
               <a:t>Footer</a:t>
@@ -511,10 +626,12 @@
         <p:spPr/>
         <p:txBody>
           <a:bodyPr/>
+          <a:lstStyle/>
           <a:p>
             <a:fld id="{3705FD07-603E-4095-8685-AA9CE500DC8D}" type="slidenum">
-              <a:t>&lt;#&gt;</a:t>
+              <a:t>‹Nº›</a:t>
             </a:fld>
+            <a:endParaRPr/>
           </a:p>
         </p:txBody>
       </p:sp>
@@ -531,21 +648,22 @@
         <p:spPr/>
         <p:txBody>
           <a:bodyPr/>
-          <a:p>
-            <a:r>
-              <a:rPr lang="es-MX"/>
-              <a:t/>
-            </a:r>
+          <a:lstStyle/>
+          <a:p>
+            <a:endParaRPr/>
           </a:p>
         </p:txBody>
       </p:sp>
     </p:spTree>
   </p:cSld>
+  <p:clrMapOvr>
+    <a:masterClrMapping/>
+  </p:clrMapOvr>
 </p:sldLayout>
 </file>
 
 <file path=ppt/slideLayouts/slideLayout6.xml><?xml version="1.0" encoding="utf-8"?>
-<p:sldLayout xmlns:a="http://schemas.openxmlformats.org/drawingml/2006/main" xmlns:p="http://schemas.openxmlformats.org/presentationml/2006/main" xmlns:r="http://schemas.openxmlformats.org/officeDocument/2006/relationships" xmlns:p14="http://schemas.microsoft.com/office/powerpoint/2010/main" xmlns:p15="http://schemas.microsoft.com/office/powerpoint/2012/main" xmlns:mc="http://schemas.openxmlformats.org/markup-compatibility/2006" type="blank" preserve="1">
+<p:sldLayout xmlns:a="http://schemas.openxmlformats.org/drawingml/2006/main" xmlns:r="http://schemas.openxmlformats.org/officeDocument/2006/relationships" xmlns:p="http://schemas.openxmlformats.org/presentationml/2006/main" type="blank" preserve="1">
   <p:cSld name="OBJECT_WITH_CAPTION_TEXT">
     <p:spTree>
       <p:nvGrpSpPr>
@@ -574,6 +692,7 @@
         <p:spPr/>
         <p:txBody>
           <a:bodyPr/>
+          <a:lstStyle/>
           <a:p>
             <a:r>
               <a:t>Footer</a:t>
@@ -594,10 +713,12 @@
         <p:spPr/>
         <p:txBody>
           <a:bodyPr/>
+          <a:lstStyle/>
           <a:p>
             <a:fld id="{FFAEF599-73DF-42AB-8BC8-41590AAFA836}" type="slidenum">
-              <a:t>&lt;#&gt;</a:t>
+              <a:t>‹Nº›</a:t>
             </a:fld>
+            <a:endParaRPr/>
           </a:p>
         </p:txBody>
       </p:sp>
@@ -614,21 +735,22 @@
         <p:spPr/>
         <p:txBody>
           <a:bodyPr/>
-          <a:p>
-            <a:r>
-              <a:rPr lang="es-MX"/>
-              <a:t/>
-            </a:r>
+          <a:lstStyle/>
+          <a:p>
+            <a:endParaRPr/>
           </a:p>
         </p:txBody>
       </p:sp>
     </p:spTree>
   </p:cSld>
+  <p:clrMapOvr>
+    <a:masterClrMapping/>
+  </p:clrMapOvr>
 </p:sldLayout>
 </file>
 
 <file path=ppt/slideLayouts/slideLayout7.xml><?xml version="1.0" encoding="utf-8"?>
-<p:sldLayout xmlns:a="http://schemas.openxmlformats.org/drawingml/2006/main" xmlns:p="http://schemas.openxmlformats.org/presentationml/2006/main" xmlns:r="http://schemas.openxmlformats.org/officeDocument/2006/relationships" xmlns:p14="http://schemas.microsoft.com/office/powerpoint/2010/main" xmlns:p15="http://schemas.microsoft.com/office/powerpoint/2012/main" xmlns:mc="http://schemas.openxmlformats.org/markup-compatibility/2006" type="blank" preserve="1">
+<p:sldLayout xmlns:a="http://schemas.openxmlformats.org/drawingml/2006/main" xmlns:r="http://schemas.openxmlformats.org/officeDocument/2006/relationships" xmlns:p="http://schemas.openxmlformats.org/presentationml/2006/main" type="blank" preserve="1">
   <p:cSld name="PICTURE_WITH_CAPTION_TEXT">
     <p:spTree>
       <p:nvGrpSpPr>
@@ -657,6 +779,7 @@
         <p:spPr/>
         <p:txBody>
           <a:bodyPr/>
+          <a:lstStyle/>
           <a:p>
             <a:r>
               <a:t>Footer</a:t>
@@ -677,10 +800,12 @@
         <p:spPr/>
         <p:txBody>
           <a:bodyPr/>
+          <a:lstStyle/>
           <a:p>
             <a:fld id="{7E383139-B4A3-4F15-A189-D8E98097567A}" type="slidenum">
-              <a:t>&lt;#&gt;</a:t>
+              <a:t>‹Nº›</a:t>
             </a:fld>
+            <a:endParaRPr/>
           </a:p>
         </p:txBody>
       </p:sp>
@@ -697,21 +822,22 @@
         <p:spPr/>
         <p:txBody>
           <a:bodyPr/>
-          <a:p>
-            <a:r>
-              <a:rPr lang="es-MX"/>
-              <a:t/>
-            </a:r>
+          <a:lstStyle/>
+          <a:p>
+            <a:endParaRPr/>
           </a:p>
         </p:txBody>
       </p:sp>
     </p:spTree>
   </p:cSld>
+  <p:clrMapOvr>
+    <a:masterClrMapping/>
+  </p:clrMapOvr>
 </p:sldLayout>
 </file>
 
 <file path=ppt/slideLayouts/slideLayout8.xml><?xml version="1.0" encoding="utf-8"?>
-<p:sldLayout xmlns:a="http://schemas.openxmlformats.org/drawingml/2006/main" xmlns:p="http://schemas.openxmlformats.org/presentationml/2006/main" xmlns:r="http://schemas.openxmlformats.org/officeDocument/2006/relationships" xmlns:p14="http://schemas.microsoft.com/office/powerpoint/2010/main" xmlns:p15="http://schemas.microsoft.com/office/powerpoint/2012/main" xmlns:mc="http://schemas.openxmlformats.org/markup-compatibility/2006" type="vertTx" preserve="1">
+<p:sldLayout xmlns:a="http://schemas.openxmlformats.org/drawingml/2006/main" xmlns:r="http://schemas.openxmlformats.org/officeDocument/2006/relationships" xmlns:p="http://schemas.openxmlformats.org/presentationml/2006/main" type="vertTx" preserve="1">
   <p:cSld name="VERTICAL_TEXT">
     <p:spTree>
       <p:nvGrpSpPr>
@@ -740,6 +866,7 @@
         <p:spPr/>
         <p:txBody>
           <a:bodyPr/>
+          <a:lstStyle/>
           <a:p>
             <a:r>
               <a:t>Footer</a:t>
@@ -760,10 +887,12 @@
         <p:spPr/>
         <p:txBody>
           <a:bodyPr/>
+          <a:lstStyle/>
           <a:p>
             <a:fld id="{9005CFE1-A8AB-4E61-A3C0-81AFD80DABDB}" type="slidenum">
-              <a:t>&lt;#&gt;</a:t>
+              <a:t>‹Nº›</a:t>
             </a:fld>
+            <a:endParaRPr/>
           </a:p>
         </p:txBody>
       </p:sp>
@@ -780,21 +909,22 @@
         <p:spPr/>
         <p:txBody>
           <a:bodyPr/>
-          <a:p>
-            <a:r>
-              <a:rPr lang="es-MX"/>
-              <a:t/>
-            </a:r>
+          <a:lstStyle/>
+          <a:p>
+            <a:endParaRPr/>
           </a:p>
         </p:txBody>
       </p:sp>
     </p:spTree>
   </p:cSld>
+  <p:clrMapOvr>
+    <a:masterClrMapping/>
+  </p:clrMapOvr>
 </p:sldLayout>
 </file>
 
 <file path=ppt/slideLayouts/slideLayout9.xml><?xml version="1.0" encoding="utf-8"?>
-<p:sldLayout xmlns:a="http://schemas.openxmlformats.org/drawingml/2006/main" xmlns:p="http://schemas.openxmlformats.org/presentationml/2006/main" xmlns:r="http://schemas.openxmlformats.org/officeDocument/2006/relationships" xmlns:p14="http://schemas.microsoft.com/office/powerpoint/2010/main" xmlns:p15="http://schemas.microsoft.com/office/powerpoint/2012/main" xmlns:mc="http://schemas.openxmlformats.org/markup-compatibility/2006" type="vertTitleAndTx" preserve="1">
+<p:sldLayout xmlns:a="http://schemas.openxmlformats.org/drawingml/2006/main" xmlns:r="http://schemas.openxmlformats.org/officeDocument/2006/relationships" xmlns:p="http://schemas.openxmlformats.org/presentationml/2006/main" type="vertTitleAndTx" preserve="1">
   <p:cSld name="VERTICAL_TITLE_AND_VERTICAL_TEXT">
     <p:spTree>
       <p:nvGrpSpPr>
@@ -823,6 +953,7 @@
         <p:spPr/>
         <p:txBody>
           <a:bodyPr/>
+          <a:lstStyle/>
           <a:p>
             <a:r>
               <a:t>Footer</a:t>
@@ -843,10 +974,12 @@
         <p:spPr/>
         <p:txBody>
           <a:bodyPr/>
+          <a:lstStyle/>
           <a:p>
             <a:fld id="{B55C00F2-99EB-4DBC-82F7-690C73773296}" type="slidenum">
-              <a:t>&lt;#&gt;</a:t>
+              <a:t>‹Nº›</a:t>
             </a:fld>
+            <a:endParaRPr/>
           </a:p>
         </p:txBody>
       </p:sp>
@@ -863,446 +996,29 @@
         <p:spPr/>
         <p:txBody>
           <a:bodyPr/>
-          <a:p>
-            <a:r>
-              <a:rPr lang="es-MX"/>
-              <a:t/>
-            </a:r>
+          <a:lstStyle/>
+          <a:p>
+            <a:endParaRPr/>
           </a:p>
         </p:txBody>
       </p:sp>
     </p:spTree>
   </p:cSld>
+  <p:clrMapOvr>
+    <a:masterClrMapping/>
+  </p:clrMapOvr>
 </p:sldLayout>
 </file>
 
 <file path=ppt/slideMasters/slideMaster1.xml><?xml version="1.0" encoding="utf-8"?>
-<p:sldMaster xmlns:a="http://schemas.openxmlformats.org/drawingml/2006/main" xmlns:p="http://schemas.openxmlformats.org/presentationml/2006/main" xmlns:r="http://schemas.openxmlformats.org/officeDocument/2006/relationships" xmlns:p14="http://schemas.microsoft.com/office/powerpoint/2010/main" xmlns:p15="http://schemas.microsoft.com/office/powerpoint/2012/main" xmlns:mc="http://schemas.openxmlformats.org/markup-compatibility/2006">
+<p:sldMaster xmlns:a="http://schemas.openxmlformats.org/drawingml/2006/main" xmlns:r="http://schemas.openxmlformats.org/officeDocument/2006/relationships" xmlns:p="http://schemas.openxmlformats.org/presentationml/2006/main">
   <p:cSld>
     <p:bg>
       <p:bgPr>
         <a:solidFill>
           <a:schemeClr val="lt1"/>
         </a:solidFill>
-      </p:bgPr>
-    </p:bg>
-    <p:spTree>
-      <p:nvGrpSpPr>
-        <p:cNvPr id="1" name=""/>
-        <p:cNvGrpSpPr/>
-        <p:nvPr/>
-      </p:nvGrpSpPr>
-      <p:grpSpPr>
-        <a:xfrm>
-          <a:off x="0" y="0"/>
-          <a:ext cx="0" cy="0"/>
-          <a:chOff x="0" y="0"/>
-          <a:chExt cx="0" cy="0"/>
-        </a:xfrm>
-      </p:grpSpPr>
-      <p:sp>
-        <p:nvSpPr>
-          <p:cNvPr id="0" name="Google Shape;248;p1"/>
-          <p:cNvSpPr/>
-          <p:nvPr/>
-        </p:nvSpPr>
-        <p:spPr>
-          <a:xfrm>
-            <a:off x="0" y="6174000"/>
-            <a:ext cx="12191040" cy="719280"/>
-          </a:xfrm>
-          <a:prstGeom prst="rect">
-            <a:avLst/>
-          </a:prstGeom>
-          <a:solidFill>
-            <a:srgbClr val="004c8d"/>
-          </a:solidFill>
-          <a:ln w="0">
-            <a:noFill/>
-          </a:ln>
-        </p:spPr>
-        <p:style>
-          <a:lnRef idx="0"/>
-          <a:fillRef idx="0"/>
-          <a:effectRef idx="0"/>
-          <a:fontRef idx="minor"/>
-        </p:style>
-        <p:txBody>
-          <a:bodyPr lIns="90000" rIns="90000" tIns="45000" bIns="45000" anchor="ctr">
-            <a:noAutofit/>
-          </a:bodyPr>
-          <a:p>
-            <a:pPr algn="ctr">
-              <a:lnSpc>
-                <a:spcPct val="100000"/>
-              </a:lnSpc>
-              <a:tabLst>
-                <a:tab algn="l" pos="0"/>
-              </a:tabLst>
-            </a:pPr>
-            <a:endParaRPr b="0" lang="es-MX" sz="1800" strike="noStrike" u="none">
-              <a:solidFill>
-                <a:schemeClr val="lt1"/>
-              </a:solidFill>
-              <a:uFillTx/>
-              <a:latin typeface="Calibri"/>
-              <a:ea typeface="Calibri"/>
-            </a:endParaRPr>
-          </a:p>
-        </p:txBody>
-      </p:sp>
-      <p:sp>
-        <p:nvSpPr>
-          <p:cNvPr id="1" name="Google Shape;249;p1"/>
-          <p:cNvSpPr/>
-          <p:nvPr/>
-        </p:nvSpPr>
-        <p:spPr>
-          <a:xfrm>
-            <a:off x="10953720" y="6260040"/>
-            <a:ext cx="1096200" cy="546840"/>
-          </a:xfrm>
-          <a:prstGeom prst="rect">
-            <a:avLst/>
-          </a:prstGeom>
-          <a:noFill/>
-          <a:ln w="0">
-            <a:noFill/>
-          </a:ln>
-        </p:spPr>
-        <p:style>
-          <a:lnRef idx="0"/>
-          <a:fillRef idx="0"/>
-          <a:effectRef idx="0"/>
-          <a:fontRef idx="minor"/>
-        </p:style>
-        <p:txBody>
-          <a:bodyPr lIns="90000" rIns="90000" tIns="45000" bIns="45000" anchor="t">
-            <a:noAutofit/>
-          </a:bodyPr>
-          <a:p>
-            <a:pPr>
-              <a:lnSpc>
-                <a:spcPct val="100000"/>
-              </a:lnSpc>
-            </a:pPr>
-            <a:endParaRPr b="0" lang="es-MX" sz="1800" strike="noStrike" u="none">
-              <a:solidFill>
-                <a:srgbClr val="000000"/>
-              </a:solidFill>
-              <a:uFillTx/>
-              <a:latin typeface="Arial"/>
-            </a:endParaRPr>
-          </a:p>
-        </p:txBody>
-      </p:sp>
-      <p:sp>
-        <p:nvSpPr>
-          <p:cNvPr id="2" name="PlaceHolder 1"/>
-          <p:cNvSpPr>
-            <a:spLocks noGrp="1"/>
-          </p:cNvSpPr>
-          <p:nvPr>
-            <p:ph type="title"/>
-          </p:nvPr>
-        </p:nvSpPr>
-        <p:spPr>
-          <a:xfrm>
-            <a:off x="609480" y="273600"/>
-            <a:ext cx="10972440" cy="1144800"/>
-          </a:xfrm>
-          <a:prstGeom prst="rect">
-            <a:avLst/>
-          </a:prstGeom>
-          <a:noFill/>
-          <a:ln w="0">
-            <a:noFill/>
-          </a:ln>
-        </p:spPr>
-        <p:txBody>
-          <a:bodyPr lIns="0" rIns="0" tIns="0" bIns="0" anchor="ctr">
-            <a:noAutofit/>
-          </a:bodyPr>
-          <a:p>
-            <a:pPr indent="0" algn="ctr">
-              <a:buNone/>
-            </a:pPr>
-            <a:r>
-              <a:rPr b="0" lang="es-MX" sz="4400" strike="noStrike" u="none">
-                <a:solidFill>
-                  <a:srgbClr val="000000"/>
-                </a:solidFill>
-                <a:uFillTx/>
-                <a:latin typeface="Arial"/>
-              </a:rPr>
-              <a:t>Click to edit the title text format</a:t>
-            </a:r>
-            <a:endParaRPr b="0" lang="es-MX" sz="4400" strike="noStrike" u="none">
-              <a:solidFill>
-                <a:srgbClr val="000000"/>
-              </a:solidFill>
-              <a:uFillTx/>
-              <a:latin typeface="Arial"/>
-            </a:endParaRPr>
-          </a:p>
-        </p:txBody>
-      </p:sp>
-      <p:sp>
-        <p:nvSpPr>
-          <p:cNvPr id="3" name="PlaceHolder 2"/>
-          <p:cNvSpPr>
-            <a:spLocks noGrp="1"/>
-          </p:cNvSpPr>
-          <p:nvPr>
-            <p:ph type="body"/>
-          </p:nvPr>
-        </p:nvSpPr>
-        <p:spPr>
-          <a:xfrm>
-            <a:off x="609480" y="1604520"/>
-            <a:ext cx="10972440" cy="3977280"/>
-          </a:xfrm>
-          <a:prstGeom prst="rect">
-            <a:avLst/>
-          </a:prstGeom>
-          <a:noFill/>
-          <a:ln w="0">
-            <a:noFill/>
-          </a:ln>
-        </p:spPr>
-        <p:txBody>
-          <a:bodyPr lIns="0" rIns="0" tIns="0" bIns="0" anchor="t">
-            <a:normAutofit/>
-          </a:bodyPr>
-          <a:p>
-            <a:pPr marL="432000" indent="-324000">
-              <a:spcBef>
-                <a:spcPts val="1417"/>
-              </a:spcBef>
-              <a:buClr>
-                <a:srgbClr val="000000"/>
-              </a:buClr>
-              <a:buSzPct val="45000"/>
-              <a:buFont typeface="Wingdings" charset="2"/>
-              <a:buChar char=""/>
-            </a:pPr>
-            <a:r>
-              <a:rPr b="0" lang="es-MX" sz="3200" strike="noStrike" u="none">
-                <a:solidFill>
-                  <a:srgbClr val="000000"/>
-                </a:solidFill>
-                <a:uFillTx/>
-                <a:latin typeface="Arial"/>
-              </a:rPr>
-              <a:t>Click to edit the outline text format</a:t>
-            </a:r>
-            <a:endParaRPr b="0" lang="es-MX" sz="3200" strike="noStrike" u="none">
-              <a:solidFill>
-                <a:srgbClr val="000000"/>
-              </a:solidFill>
-              <a:uFillTx/>
-              <a:latin typeface="Arial"/>
-            </a:endParaRPr>
-          </a:p>
-          <a:p>
-            <a:pPr lvl="1" marL="864000" indent="-324000">
-              <a:spcBef>
-                <a:spcPts val="1134"/>
-              </a:spcBef>
-              <a:buClr>
-                <a:srgbClr val="000000"/>
-              </a:buClr>
-              <a:buSzPct val="75000"/>
-              <a:buFont typeface="Symbol" charset="2"/>
-              <a:buChar char=""/>
-            </a:pPr>
-            <a:r>
-              <a:rPr b="0" lang="es-MX" sz="2800" strike="noStrike" u="none">
-                <a:solidFill>
-                  <a:srgbClr val="000000"/>
-                </a:solidFill>
-                <a:uFillTx/>
-                <a:latin typeface="Arial"/>
-              </a:rPr>
-              <a:t>Second Outline Level</a:t>
-            </a:r>
-            <a:endParaRPr b="0" lang="es-MX" sz="2800" strike="noStrike" u="none">
-              <a:solidFill>
-                <a:srgbClr val="000000"/>
-              </a:solidFill>
-              <a:uFillTx/>
-              <a:latin typeface="Arial"/>
-            </a:endParaRPr>
-          </a:p>
-          <a:p>
-            <a:pPr lvl="2" marL="1296000" indent="-288000">
-              <a:spcBef>
-                <a:spcPts val="850"/>
-              </a:spcBef>
-              <a:buClr>
-                <a:srgbClr val="000000"/>
-              </a:buClr>
-              <a:buSzPct val="45000"/>
-              <a:buFont typeface="Wingdings" charset="2"/>
-              <a:buChar char=""/>
-            </a:pPr>
-            <a:r>
-              <a:rPr b="0" lang="es-MX" sz="2400" strike="noStrike" u="none">
-                <a:solidFill>
-                  <a:srgbClr val="000000"/>
-                </a:solidFill>
-                <a:uFillTx/>
-                <a:latin typeface="Arial"/>
-              </a:rPr>
-              <a:t>Third Outline Level</a:t>
-            </a:r>
-            <a:endParaRPr b="0" lang="es-MX" sz="2400" strike="noStrike" u="none">
-              <a:solidFill>
-                <a:srgbClr val="000000"/>
-              </a:solidFill>
-              <a:uFillTx/>
-              <a:latin typeface="Arial"/>
-            </a:endParaRPr>
-          </a:p>
-          <a:p>
-            <a:pPr lvl="3" marL="1728000" indent="-216000">
-              <a:spcBef>
-                <a:spcPts val="567"/>
-              </a:spcBef>
-              <a:buClr>
-                <a:srgbClr val="000000"/>
-              </a:buClr>
-              <a:buSzPct val="75000"/>
-              <a:buFont typeface="Symbol" charset="2"/>
-              <a:buChar char=""/>
-            </a:pPr>
-            <a:r>
-              <a:rPr b="0" lang="es-MX" sz="2000" strike="noStrike" u="none">
-                <a:solidFill>
-                  <a:srgbClr val="000000"/>
-                </a:solidFill>
-                <a:uFillTx/>
-                <a:latin typeface="Arial"/>
-              </a:rPr>
-              <a:t>Fourth Outline Level</a:t>
-            </a:r>
-            <a:endParaRPr b="0" lang="es-MX" sz="2000" strike="noStrike" u="none">
-              <a:solidFill>
-                <a:srgbClr val="000000"/>
-              </a:solidFill>
-              <a:uFillTx/>
-              <a:latin typeface="Arial"/>
-            </a:endParaRPr>
-          </a:p>
-          <a:p>
-            <a:pPr lvl="4" marL="2160000" indent="-216000">
-              <a:spcBef>
-                <a:spcPts val="283"/>
-              </a:spcBef>
-              <a:buClr>
-                <a:srgbClr val="000000"/>
-              </a:buClr>
-              <a:buSzPct val="45000"/>
-              <a:buFont typeface="Wingdings" charset="2"/>
-              <a:buChar char=""/>
-            </a:pPr>
-            <a:r>
-              <a:rPr b="0" lang="es-MX" sz="2000" strike="noStrike" u="none">
-                <a:solidFill>
-                  <a:srgbClr val="000000"/>
-                </a:solidFill>
-                <a:uFillTx/>
-                <a:latin typeface="Arial"/>
-              </a:rPr>
-              <a:t>Fifth Outline Level</a:t>
-            </a:r>
-            <a:endParaRPr b="0" lang="es-MX" sz="2000" strike="noStrike" u="none">
-              <a:solidFill>
-                <a:srgbClr val="000000"/>
-              </a:solidFill>
-              <a:uFillTx/>
-              <a:latin typeface="Arial"/>
-            </a:endParaRPr>
-          </a:p>
-          <a:p>
-            <a:pPr lvl="5" marL="2592000" indent="-216000">
-              <a:spcBef>
-                <a:spcPts val="283"/>
-              </a:spcBef>
-              <a:buClr>
-                <a:srgbClr val="000000"/>
-              </a:buClr>
-              <a:buSzPct val="45000"/>
-              <a:buFont typeface="Wingdings" charset="2"/>
-              <a:buChar char=""/>
-            </a:pPr>
-            <a:r>
-              <a:rPr b="0" lang="es-MX" sz="2000" strike="noStrike" u="none">
-                <a:solidFill>
-                  <a:srgbClr val="000000"/>
-                </a:solidFill>
-                <a:uFillTx/>
-                <a:latin typeface="Arial"/>
-              </a:rPr>
-              <a:t>Sixth Outline Level</a:t>
-            </a:r>
-            <a:endParaRPr b="0" lang="es-MX" sz="2000" strike="noStrike" u="none">
-              <a:solidFill>
-                <a:srgbClr val="000000"/>
-              </a:solidFill>
-              <a:uFillTx/>
-              <a:latin typeface="Arial"/>
-            </a:endParaRPr>
-          </a:p>
-          <a:p>
-            <a:pPr lvl="6" marL="3024000" indent="-216000">
-              <a:spcBef>
-                <a:spcPts val="283"/>
-              </a:spcBef>
-              <a:buClr>
-                <a:srgbClr val="000000"/>
-              </a:buClr>
-              <a:buSzPct val="45000"/>
-              <a:buFont typeface="Wingdings" charset="2"/>
-              <a:buChar char=""/>
-            </a:pPr>
-            <a:r>
-              <a:rPr b="0" lang="es-MX" sz="2000" strike="noStrike" u="none">
-                <a:solidFill>
-                  <a:srgbClr val="000000"/>
-                </a:solidFill>
-                <a:uFillTx/>
-                <a:latin typeface="Arial"/>
-              </a:rPr>
-              <a:t>Seventh Outline Level</a:t>
-            </a:r>
-            <a:endParaRPr b="0" lang="es-MX" sz="2000" strike="noStrike" u="none">
-              <a:solidFill>
-                <a:srgbClr val="000000"/>
-              </a:solidFill>
-              <a:uFillTx/>
-              <a:latin typeface="Arial"/>
-            </a:endParaRPr>
-          </a:p>
-        </p:txBody>
-      </p:sp>
-    </p:spTree>
-  </p:cSld>
-  <p:clrMap bg1="lt1" tx1="dk1" bg2="dk2" tx2="lt2" accent1="accent1" accent2="accent2" accent3="accent3" accent4="accent4" accent5="accent5" accent6="accent6" hlink="hlink" folHlink="folHlink"/>
-  <p:sldLayoutIdLst>
-    <p:sldLayoutId id="2147483649" r:id="rId2"/>
-  </p:sldLayoutIdLst>
-</p:sldMaster>
-</file>
-
-<file path=ppt/slideMasters/slideMaster2.xml><?xml version="1.0" encoding="utf-8"?>
-<p:sldMaster xmlns:a="http://schemas.openxmlformats.org/drawingml/2006/main" xmlns:p="http://schemas.openxmlformats.org/presentationml/2006/main" xmlns:r="http://schemas.openxmlformats.org/officeDocument/2006/relationships" xmlns:p14="http://schemas.microsoft.com/office/powerpoint/2010/main" xmlns:p15="http://schemas.microsoft.com/office/powerpoint/2012/main" xmlns:mc="http://schemas.openxmlformats.org/markup-compatibility/2006">
-  <p:cSld>
-    <p:bg>
-      <p:bgPr>
-        <a:solidFill>
-          <a:schemeClr val="lt1"/>
-        </a:solidFill>
+        <a:effectLst/>
       </p:bgPr>
     </p:bg>
     <p:spTree>
@@ -1334,32 +1050,39 @@
             <a:avLst/>
           </a:prstGeom>
           <a:solidFill>
-            <a:srgbClr val="004c8d"/>
+            <a:srgbClr val="004C8D"/>
           </a:solidFill>
           <a:ln w="0">
             <a:noFill/>
           </a:ln>
         </p:spPr>
         <p:style>
-          <a:lnRef idx="0"/>
-          <a:fillRef idx="0"/>
-          <a:effectRef idx="0"/>
+          <a:lnRef idx="0">
+            <a:scrgbClr r="0" g="0" b="0"/>
+          </a:lnRef>
+          <a:fillRef idx="0">
+            <a:scrgbClr r="0" g="0" b="0"/>
+          </a:fillRef>
+          <a:effectRef idx="0">
+            <a:scrgbClr r="0" g="0" b="0"/>
+          </a:effectRef>
           <a:fontRef idx="minor"/>
         </p:style>
         <p:txBody>
-          <a:bodyPr lIns="90000" rIns="90000" tIns="45000" bIns="45000" anchor="ctr">
+          <a:bodyPr lIns="90000" tIns="45000" rIns="90000" bIns="45000" anchor="ctr">
             <a:noAutofit/>
           </a:bodyPr>
+          <a:lstStyle/>
           <a:p>
             <a:pPr algn="ctr">
               <a:lnSpc>
                 <a:spcPct val="100000"/>
               </a:lnSpc>
               <a:tabLst>
-                <a:tab algn="l" pos="0"/>
+                <a:tab pos="0" algn="l"/>
               </a:tabLst>
             </a:pPr>
-            <a:endParaRPr b="0" lang="es-MX" sz="1800" strike="noStrike" u="none">
+            <a:endParaRPr lang="es-MX" sz="1800" b="0" u="none" strike="noStrike">
               <a:solidFill>
                 <a:schemeClr val="lt1"/>
               </a:solidFill>
@@ -1390,22 +1113,689 @@
           </a:ln>
         </p:spPr>
         <p:style>
-          <a:lnRef idx="0"/>
-          <a:fillRef idx="0"/>
-          <a:effectRef idx="0"/>
+          <a:lnRef idx="0">
+            <a:scrgbClr r="0" g="0" b="0"/>
+          </a:lnRef>
+          <a:fillRef idx="0">
+            <a:scrgbClr r="0" g="0" b="0"/>
+          </a:fillRef>
+          <a:effectRef idx="0">
+            <a:scrgbClr r="0" g="0" b="0"/>
+          </a:effectRef>
           <a:fontRef idx="minor"/>
         </p:style>
         <p:txBody>
-          <a:bodyPr lIns="90000" rIns="90000" tIns="45000" bIns="45000" anchor="t">
+          <a:bodyPr lIns="90000" tIns="45000" rIns="90000" bIns="45000" anchor="t">
             <a:noAutofit/>
           </a:bodyPr>
+          <a:lstStyle/>
           <a:p>
             <a:pPr>
               <a:lnSpc>
                 <a:spcPct val="100000"/>
               </a:lnSpc>
             </a:pPr>
-            <a:endParaRPr b="0" lang="es-MX" sz="1800" strike="noStrike" u="none">
+            <a:endParaRPr lang="es-MX" sz="1800" b="0" u="none" strike="noStrike">
+              <a:solidFill>
+                <a:srgbClr val="000000"/>
+              </a:solidFill>
+              <a:uFillTx/>
+              <a:latin typeface="Arial"/>
+            </a:endParaRPr>
+          </a:p>
+        </p:txBody>
+      </p:sp>
+      <p:sp>
+        <p:nvSpPr>
+          <p:cNvPr id="2" name="PlaceHolder 1"/>
+          <p:cNvSpPr>
+            <a:spLocks noGrp="1"/>
+          </p:cNvSpPr>
+          <p:nvPr>
+            <p:ph type="title"/>
+          </p:nvPr>
+        </p:nvSpPr>
+        <p:spPr>
+          <a:xfrm>
+            <a:off x="609480" y="273600"/>
+            <a:ext cx="10972440" cy="1144800"/>
+          </a:xfrm>
+          <a:prstGeom prst="rect">
+            <a:avLst/>
+          </a:prstGeom>
+          <a:noFill/>
+          <a:ln w="0">
+            <a:noFill/>
+          </a:ln>
+        </p:spPr>
+        <p:txBody>
+          <a:bodyPr lIns="0" tIns="0" rIns="0" bIns="0" anchor="ctr">
+            <a:noAutofit/>
+          </a:bodyPr>
+          <a:lstStyle/>
+          <a:p>
+            <a:pPr indent="0" algn="ctr">
+              <a:buNone/>
+            </a:pPr>
+            <a:r>
+              <a:rPr lang="es-MX" sz="4400" b="0" u="none" strike="noStrike">
+                <a:solidFill>
+                  <a:srgbClr val="000000"/>
+                </a:solidFill>
+                <a:uFillTx/>
+                <a:latin typeface="Arial"/>
+              </a:rPr>
+              <a:t>Click to edit the title text format</a:t>
+            </a:r>
+          </a:p>
+        </p:txBody>
+      </p:sp>
+      <p:sp>
+        <p:nvSpPr>
+          <p:cNvPr id="3" name="PlaceHolder 2"/>
+          <p:cNvSpPr>
+            <a:spLocks noGrp="1"/>
+          </p:cNvSpPr>
+          <p:nvPr>
+            <p:ph type="body"/>
+          </p:nvPr>
+        </p:nvSpPr>
+        <p:spPr>
+          <a:xfrm>
+            <a:off x="609480" y="1604520"/>
+            <a:ext cx="10972440" cy="3977280"/>
+          </a:xfrm>
+          <a:prstGeom prst="rect">
+            <a:avLst/>
+          </a:prstGeom>
+          <a:noFill/>
+          <a:ln w="0">
+            <a:noFill/>
+          </a:ln>
+        </p:spPr>
+        <p:txBody>
+          <a:bodyPr lIns="0" tIns="0" rIns="0" bIns="0" anchor="t">
+            <a:normAutofit/>
+          </a:bodyPr>
+          <a:lstStyle/>
+          <a:p>
+            <a:pPr marL="432000" indent="-324000">
+              <a:spcBef>
+                <a:spcPts val="1417"/>
+              </a:spcBef>
+              <a:buClr>
+                <a:srgbClr val="000000"/>
+              </a:buClr>
+              <a:buSzPct val="45000"/>
+              <a:buFont typeface="Wingdings" charset="2"/>
+              <a:buChar char=""/>
+            </a:pPr>
+            <a:r>
+              <a:rPr lang="es-MX" sz="3200" b="0" u="none" strike="noStrike">
+                <a:solidFill>
+                  <a:srgbClr val="000000"/>
+                </a:solidFill>
+                <a:uFillTx/>
+                <a:latin typeface="Arial"/>
+              </a:rPr>
+              <a:t>Click to edit the outline text format</a:t>
+            </a:r>
+          </a:p>
+          <a:p>
+            <a:pPr marL="864000" lvl="1" indent="-324000">
+              <a:spcBef>
+                <a:spcPts val="1134"/>
+              </a:spcBef>
+              <a:buClr>
+                <a:srgbClr val="000000"/>
+              </a:buClr>
+              <a:buSzPct val="75000"/>
+              <a:buFont typeface="Symbol" charset="2"/>
+              <a:buChar char=""/>
+            </a:pPr>
+            <a:r>
+              <a:rPr lang="es-MX" sz="2800" b="0" u="none" strike="noStrike">
+                <a:solidFill>
+                  <a:srgbClr val="000000"/>
+                </a:solidFill>
+                <a:uFillTx/>
+                <a:latin typeface="Arial"/>
+              </a:rPr>
+              <a:t>Second Outline Level</a:t>
+            </a:r>
+          </a:p>
+          <a:p>
+            <a:pPr marL="1296000" lvl="2" indent="-288000">
+              <a:spcBef>
+                <a:spcPts val="850"/>
+              </a:spcBef>
+              <a:buClr>
+                <a:srgbClr val="000000"/>
+              </a:buClr>
+              <a:buSzPct val="45000"/>
+              <a:buFont typeface="Wingdings" charset="2"/>
+              <a:buChar char=""/>
+            </a:pPr>
+            <a:r>
+              <a:rPr lang="es-MX" sz="2400" b="0" u="none" strike="noStrike">
+                <a:solidFill>
+                  <a:srgbClr val="000000"/>
+                </a:solidFill>
+                <a:uFillTx/>
+                <a:latin typeface="Arial"/>
+              </a:rPr>
+              <a:t>Third Outline Level</a:t>
+            </a:r>
+          </a:p>
+          <a:p>
+            <a:pPr marL="1728000" lvl="3" indent="-216000">
+              <a:spcBef>
+                <a:spcPts val="567"/>
+              </a:spcBef>
+              <a:buClr>
+                <a:srgbClr val="000000"/>
+              </a:buClr>
+              <a:buSzPct val="75000"/>
+              <a:buFont typeface="Symbol" charset="2"/>
+              <a:buChar char=""/>
+            </a:pPr>
+            <a:r>
+              <a:rPr lang="es-MX" sz="2000" b="0" u="none" strike="noStrike">
+                <a:solidFill>
+                  <a:srgbClr val="000000"/>
+                </a:solidFill>
+                <a:uFillTx/>
+                <a:latin typeface="Arial"/>
+              </a:rPr>
+              <a:t>Fourth Outline Level</a:t>
+            </a:r>
+          </a:p>
+          <a:p>
+            <a:pPr marL="2160000" lvl="4" indent="-216000">
+              <a:spcBef>
+                <a:spcPts val="283"/>
+              </a:spcBef>
+              <a:buClr>
+                <a:srgbClr val="000000"/>
+              </a:buClr>
+              <a:buSzPct val="45000"/>
+              <a:buFont typeface="Wingdings" charset="2"/>
+              <a:buChar char=""/>
+            </a:pPr>
+            <a:r>
+              <a:rPr lang="es-MX" sz="2000" b="0" u="none" strike="noStrike">
+                <a:solidFill>
+                  <a:srgbClr val="000000"/>
+                </a:solidFill>
+                <a:uFillTx/>
+                <a:latin typeface="Arial"/>
+              </a:rPr>
+              <a:t>Fifth Outline Level</a:t>
+            </a:r>
+          </a:p>
+          <a:p>
+            <a:pPr marL="2592000" lvl="5" indent="-216000">
+              <a:spcBef>
+                <a:spcPts val="283"/>
+              </a:spcBef>
+              <a:buClr>
+                <a:srgbClr val="000000"/>
+              </a:buClr>
+              <a:buSzPct val="45000"/>
+              <a:buFont typeface="Wingdings" charset="2"/>
+              <a:buChar char=""/>
+            </a:pPr>
+            <a:r>
+              <a:rPr lang="es-MX" sz="2000" b="0" u="none" strike="noStrike">
+                <a:solidFill>
+                  <a:srgbClr val="000000"/>
+                </a:solidFill>
+                <a:uFillTx/>
+                <a:latin typeface="Arial"/>
+              </a:rPr>
+              <a:t>Sixth Outline Level</a:t>
+            </a:r>
+          </a:p>
+          <a:p>
+            <a:pPr marL="3024000" lvl="6" indent="-216000">
+              <a:spcBef>
+                <a:spcPts val="283"/>
+              </a:spcBef>
+              <a:buClr>
+                <a:srgbClr val="000000"/>
+              </a:buClr>
+              <a:buSzPct val="45000"/>
+              <a:buFont typeface="Wingdings" charset="2"/>
+              <a:buChar char=""/>
+            </a:pPr>
+            <a:r>
+              <a:rPr lang="es-MX" sz="2000" b="0" u="none" strike="noStrike">
+                <a:solidFill>
+                  <a:srgbClr val="000000"/>
+                </a:solidFill>
+                <a:uFillTx/>
+                <a:latin typeface="Arial"/>
+              </a:rPr>
+              <a:t>Seventh Outline Level</a:t>
+            </a:r>
+          </a:p>
+        </p:txBody>
+      </p:sp>
+    </p:spTree>
+  </p:cSld>
+  <p:clrMap bg1="lt1" tx1="dk1" bg2="dk2" tx2="lt2" accent1="accent1" accent2="accent2" accent3="accent3" accent4="accent4" accent5="accent5" accent6="accent6" hlink="hlink" folHlink="folHlink"/>
+  <p:sldLayoutIdLst>
+    <p:sldLayoutId id="2147483649" r:id="rId1"/>
+  </p:sldLayoutIdLst>
+  <p:txStyles>
+    <p:titleStyle>
+      <a:lvl1pPr algn="l" defTabSz="914400" rtl="0" eaLnBrk="1" latinLnBrk="0" hangingPunct="1">
+        <a:lnSpc>
+          <a:spcPct val="90000"/>
+        </a:lnSpc>
+        <a:spcBef>
+          <a:spcPct val="0"/>
+        </a:spcBef>
+        <a:buNone/>
+        <a:defRPr sz="4400" kern="1200">
+          <a:solidFill>
+            <a:schemeClr val="tx1"/>
+          </a:solidFill>
+          <a:latin typeface="+mj-lt"/>
+          <a:ea typeface="+mj-ea"/>
+          <a:cs typeface="+mj-cs"/>
+        </a:defRPr>
+      </a:lvl1pPr>
+    </p:titleStyle>
+    <p:bodyStyle>
+      <a:lvl1pPr marL="228600" indent="-228600" algn="l" defTabSz="914400" rtl="0" eaLnBrk="1" latinLnBrk="0" hangingPunct="1">
+        <a:lnSpc>
+          <a:spcPct val="90000"/>
+        </a:lnSpc>
+        <a:spcBef>
+          <a:spcPts val="1000"/>
+        </a:spcBef>
+        <a:buFont typeface="Arial" panose="020B0604020202020204" pitchFamily="34" charset="0"/>
+        <a:buChar char="•"/>
+        <a:defRPr sz="2800" kern="1200">
+          <a:solidFill>
+            <a:schemeClr val="tx1"/>
+          </a:solidFill>
+          <a:latin typeface="+mn-lt"/>
+          <a:ea typeface="+mn-ea"/>
+          <a:cs typeface="+mn-cs"/>
+        </a:defRPr>
+      </a:lvl1pPr>
+      <a:lvl2pPr marL="685800" indent="-228600" algn="l" defTabSz="914400" rtl="0" eaLnBrk="1" latinLnBrk="0" hangingPunct="1">
+        <a:lnSpc>
+          <a:spcPct val="90000"/>
+        </a:lnSpc>
+        <a:spcBef>
+          <a:spcPts val="500"/>
+        </a:spcBef>
+        <a:buFont typeface="Arial" panose="020B0604020202020204" pitchFamily="34" charset="0"/>
+        <a:buChar char="•"/>
+        <a:defRPr sz="2400" kern="1200">
+          <a:solidFill>
+            <a:schemeClr val="tx1"/>
+          </a:solidFill>
+          <a:latin typeface="+mn-lt"/>
+          <a:ea typeface="+mn-ea"/>
+          <a:cs typeface="+mn-cs"/>
+        </a:defRPr>
+      </a:lvl2pPr>
+      <a:lvl3pPr marL="1143000" indent="-228600" algn="l" defTabSz="914400" rtl="0" eaLnBrk="1" latinLnBrk="0" hangingPunct="1">
+        <a:lnSpc>
+          <a:spcPct val="90000"/>
+        </a:lnSpc>
+        <a:spcBef>
+          <a:spcPts val="500"/>
+        </a:spcBef>
+        <a:buFont typeface="Arial" panose="020B0604020202020204" pitchFamily="34" charset="0"/>
+        <a:buChar char="•"/>
+        <a:defRPr sz="2000" kern="1200">
+          <a:solidFill>
+            <a:schemeClr val="tx1"/>
+          </a:solidFill>
+          <a:latin typeface="+mn-lt"/>
+          <a:ea typeface="+mn-ea"/>
+          <a:cs typeface="+mn-cs"/>
+        </a:defRPr>
+      </a:lvl3pPr>
+      <a:lvl4pPr marL="1600200" indent="-228600" algn="l" defTabSz="914400" rtl="0" eaLnBrk="1" latinLnBrk="0" hangingPunct="1">
+        <a:lnSpc>
+          <a:spcPct val="90000"/>
+        </a:lnSpc>
+        <a:spcBef>
+          <a:spcPts val="500"/>
+        </a:spcBef>
+        <a:buFont typeface="Arial" panose="020B0604020202020204" pitchFamily="34" charset="0"/>
+        <a:buChar char="•"/>
+        <a:defRPr sz="1800" kern="1200">
+          <a:solidFill>
+            <a:schemeClr val="tx1"/>
+          </a:solidFill>
+          <a:latin typeface="+mn-lt"/>
+          <a:ea typeface="+mn-ea"/>
+          <a:cs typeface="+mn-cs"/>
+        </a:defRPr>
+      </a:lvl4pPr>
+      <a:lvl5pPr marL="2057400" indent="-228600" algn="l" defTabSz="914400" rtl="0" eaLnBrk="1" latinLnBrk="0" hangingPunct="1">
+        <a:lnSpc>
+          <a:spcPct val="90000"/>
+        </a:lnSpc>
+        <a:spcBef>
+          <a:spcPts val="500"/>
+        </a:spcBef>
+        <a:buFont typeface="Arial" panose="020B0604020202020204" pitchFamily="34" charset="0"/>
+        <a:buChar char="•"/>
+        <a:defRPr sz="1800" kern="1200">
+          <a:solidFill>
+            <a:schemeClr val="tx1"/>
+          </a:solidFill>
+          <a:latin typeface="+mn-lt"/>
+          <a:ea typeface="+mn-ea"/>
+          <a:cs typeface="+mn-cs"/>
+        </a:defRPr>
+      </a:lvl5pPr>
+      <a:lvl6pPr marL="2514600" indent="-228600" algn="l" defTabSz="914400" rtl="0" eaLnBrk="1" latinLnBrk="0" hangingPunct="1">
+        <a:lnSpc>
+          <a:spcPct val="90000"/>
+        </a:lnSpc>
+        <a:spcBef>
+          <a:spcPts val="500"/>
+        </a:spcBef>
+        <a:buFont typeface="Arial" panose="020B0604020202020204" pitchFamily="34" charset="0"/>
+        <a:buChar char="•"/>
+        <a:defRPr sz="1800" kern="1200">
+          <a:solidFill>
+            <a:schemeClr val="tx1"/>
+          </a:solidFill>
+          <a:latin typeface="+mn-lt"/>
+          <a:ea typeface="+mn-ea"/>
+          <a:cs typeface="+mn-cs"/>
+        </a:defRPr>
+      </a:lvl6pPr>
+      <a:lvl7pPr marL="2971800" indent="-228600" algn="l" defTabSz="914400" rtl="0" eaLnBrk="1" latinLnBrk="0" hangingPunct="1">
+        <a:lnSpc>
+          <a:spcPct val="90000"/>
+        </a:lnSpc>
+        <a:spcBef>
+          <a:spcPts val="500"/>
+        </a:spcBef>
+        <a:buFont typeface="Arial" panose="020B0604020202020204" pitchFamily="34" charset="0"/>
+        <a:buChar char="•"/>
+        <a:defRPr sz="1800" kern="1200">
+          <a:solidFill>
+            <a:schemeClr val="tx1"/>
+          </a:solidFill>
+          <a:latin typeface="+mn-lt"/>
+          <a:ea typeface="+mn-ea"/>
+          <a:cs typeface="+mn-cs"/>
+        </a:defRPr>
+      </a:lvl7pPr>
+      <a:lvl8pPr marL="3429000" indent="-228600" algn="l" defTabSz="914400" rtl="0" eaLnBrk="1" latinLnBrk="0" hangingPunct="1">
+        <a:lnSpc>
+          <a:spcPct val="90000"/>
+        </a:lnSpc>
+        <a:spcBef>
+          <a:spcPts val="500"/>
+        </a:spcBef>
+        <a:buFont typeface="Arial" panose="020B0604020202020204" pitchFamily="34" charset="0"/>
+        <a:buChar char="•"/>
+        <a:defRPr sz="1800" kern="1200">
+          <a:solidFill>
+            <a:schemeClr val="tx1"/>
+          </a:solidFill>
+          <a:latin typeface="+mn-lt"/>
+          <a:ea typeface="+mn-ea"/>
+          <a:cs typeface="+mn-cs"/>
+        </a:defRPr>
+      </a:lvl8pPr>
+      <a:lvl9pPr marL="3886200" indent="-228600" algn="l" defTabSz="914400" rtl="0" eaLnBrk="1" latinLnBrk="0" hangingPunct="1">
+        <a:lnSpc>
+          <a:spcPct val="90000"/>
+        </a:lnSpc>
+        <a:spcBef>
+          <a:spcPts val="500"/>
+        </a:spcBef>
+        <a:buFont typeface="Arial" panose="020B0604020202020204" pitchFamily="34" charset="0"/>
+        <a:buChar char="•"/>
+        <a:defRPr sz="1800" kern="1200">
+          <a:solidFill>
+            <a:schemeClr val="tx1"/>
+          </a:solidFill>
+          <a:latin typeface="+mn-lt"/>
+          <a:ea typeface="+mn-ea"/>
+          <a:cs typeface="+mn-cs"/>
+        </a:defRPr>
+      </a:lvl9pPr>
+    </p:bodyStyle>
+    <p:otherStyle>
+      <a:defPPr>
+        <a:defRPr lang="es-MX"/>
+      </a:defPPr>
+      <a:lvl1pPr marL="0" algn="l" defTabSz="914400" rtl="0" eaLnBrk="1" latinLnBrk="0" hangingPunct="1">
+        <a:defRPr sz="1800" kern="1200">
+          <a:solidFill>
+            <a:schemeClr val="tx1"/>
+          </a:solidFill>
+          <a:latin typeface="+mn-lt"/>
+          <a:ea typeface="+mn-ea"/>
+          <a:cs typeface="+mn-cs"/>
+        </a:defRPr>
+      </a:lvl1pPr>
+      <a:lvl2pPr marL="457200" algn="l" defTabSz="914400" rtl="0" eaLnBrk="1" latinLnBrk="0" hangingPunct="1">
+        <a:defRPr sz="1800" kern="1200">
+          <a:solidFill>
+            <a:schemeClr val="tx1"/>
+          </a:solidFill>
+          <a:latin typeface="+mn-lt"/>
+          <a:ea typeface="+mn-ea"/>
+          <a:cs typeface="+mn-cs"/>
+        </a:defRPr>
+      </a:lvl2pPr>
+      <a:lvl3pPr marL="914400" algn="l" defTabSz="914400" rtl="0" eaLnBrk="1" latinLnBrk="0" hangingPunct="1">
+        <a:defRPr sz="1800" kern="1200">
+          <a:solidFill>
+            <a:schemeClr val="tx1"/>
+          </a:solidFill>
+          <a:latin typeface="+mn-lt"/>
+          <a:ea typeface="+mn-ea"/>
+          <a:cs typeface="+mn-cs"/>
+        </a:defRPr>
+      </a:lvl3pPr>
+      <a:lvl4pPr marL="1371600" algn="l" defTabSz="914400" rtl="0" eaLnBrk="1" latinLnBrk="0" hangingPunct="1">
+        <a:defRPr sz="1800" kern="1200">
+          <a:solidFill>
+            <a:schemeClr val="tx1"/>
+          </a:solidFill>
+          <a:latin typeface="+mn-lt"/>
+          <a:ea typeface="+mn-ea"/>
+          <a:cs typeface="+mn-cs"/>
+        </a:defRPr>
+      </a:lvl4pPr>
+      <a:lvl5pPr marL="1828800" algn="l" defTabSz="914400" rtl="0" eaLnBrk="1" latinLnBrk="0" hangingPunct="1">
+        <a:defRPr sz="1800" kern="1200">
+          <a:solidFill>
+            <a:schemeClr val="tx1"/>
+          </a:solidFill>
+          <a:latin typeface="+mn-lt"/>
+          <a:ea typeface="+mn-ea"/>
+          <a:cs typeface="+mn-cs"/>
+        </a:defRPr>
+      </a:lvl5pPr>
+      <a:lvl6pPr marL="2286000" algn="l" defTabSz="914400" rtl="0" eaLnBrk="1" latinLnBrk="0" hangingPunct="1">
+        <a:defRPr sz="1800" kern="1200">
+          <a:solidFill>
+            <a:schemeClr val="tx1"/>
+          </a:solidFill>
+          <a:latin typeface="+mn-lt"/>
+          <a:ea typeface="+mn-ea"/>
+          <a:cs typeface="+mn-cs"/>
+        </a:defRPr>
+      </a:lvl6pPr>
+      <a:lvl7pPr marL="2743200" algn="l" defTabSz="914400" rtl="0" eaLnBrk="1" latinLnBrk="0" hangingPunct="1">
+        <a:defRPr sz="1800" kern="1200">
+          <a:solidFill>
+            <a:schemeClr val="tx1"/>
+          </a:solidFill>
+          <a:latin typeface="+mn-lt"/>
+          <a:ea typeface="+mn-ea"/>
+          <a:cs typeface="+mn-cs"/>
+        </a:defRPr>
+      </a:lvl7pPr>
+      <a:lvl8pPr marL="3200400" algn="l" defTabSz="914400" rtl="0" eaLnBrk="1" latinLnBrk="0" hangingPunct="1">
+        <a:defRPr sz="1800" kern="1200">
+          <a:solidFill>
+            <a:schemeClr val="tx1"/>
+          </a:solidFill>
+          <a:latin typeface="+mn-lt"/>
+          <a:ea typeface="+mn-ea"/>
+          <a:cs typeface="+mn-cs"/>
+        </a:defRPr>
+      </a:lvl8pPr>
+      <a:lvl9pPr marL="3657600" algn="l" defTabSz="914400" rtl="0" eaLnBrk="1" latinLnBrk="0" hangingPunct="1">
+        <a:defRPr sz="1800" kern="1200">
+          <a:solidFill>
+            <a:schemeClr val="tx1"/>
+          </a:solidFill>
+          <a:latin typeface="+mn-lt"/>
+          <a:ea typeface="+mn-ea"/>
+          <a:cs typeface="+mn-cs"/>
+        </a:defRPr>
+      </a:lvl9pPr>
+    </p:otherStyle>
+  </p:txStyles>
+</p:sldMaster>
+</file>
+
+<file path=ppt/slideMasters/slideMaster2.xml><?xml version="1.0" encoding="utf-8"?>
+<p:sldMaster xmlns:a="http://schemas.openxmlformats.org/drawingml/2006/main" xmlns:r="http://schemas.openxmlformats.org/officeDocument/2006/relationships" xmlns:p="http://schemas.openxmlformats.org/presentationml/2006/main">
+  <p:cSld>
+    <p:bg>
+      <p:bgPr>
+        <a:solidFill>
+          <a:schemeClr val="lt1"/>
+        </a:solidFill>
+        <a:effectLst/>
+      </p:bgPr>
+    </p:bg>
+    <p:spTree>
+      <p:nvGrpSpPr>
+        <p:cNvPr id="1" name=""/>
+        <p:cNvGrpSpPr/>
+        <p:nvPr/>
+      </p:nvGrpSpPr>
+      <p:grpSpPr>
+        <a:xfrm>
+          <a:off x="0" y="0"/>
+          <a:ext cx="0" cy="0"/>
+          <a:chOff x="0" y="0"/>
+          <a:chExt cx="0" cy="0"/>
+        </a:xfrm>
+      </p:grpSpPr>
+      <p:sp>
+        <p:nvSpPr>
+          <p:cNvPr id="4" name="Google Shape;248;p1"/>
+          <p:cNvSpPr/>
+          <p:nvPr/>
+        </p:nvSpPr>
+        <p:spPr>
+          <a:xfrm>
+            <a:off x="0" y="6174000"/>
+            <a:ext cx="12191040" cy="719280"/>
+          </a:xfrm>
+          <a:prstGeom prst="rect">
+            <a:avLst/>
+          </a:prstGeom>
+          <a:solidFill>
+            <a:srgbClr val="004C8D"/>
+          </a:solidFill>
+          <a:ln w="0">
+            <a:noFill/>
+          </a:ln>
+        </p:spPr>
+        <p:style>
+          <a:lnRef idx="0">
+            <a:scrgbClr r="0" g="0" b="0"/>
+          </a:lnRef>
+          <a:fillRef idx="0">
+            <a:scrgbClr r="0" g="0" b="0"/>
+          </a:fillRef>
+          <a:effectRef idx="0">
+            <a:scrgbClr r="0" g="0" b="0"/>
+          </a:effectRef>
+          <a:fontRef idx="minor"/>
+        </p:style>
+        <p:txBody>
+          <a:bodyPr lIns="90000" tIns="45000" rIns="90000" bIns="45000" anchor="ctr">
+            <a:noAutofit/>
+          </a:bodyPr>
+          <a:lstStyle/>
+          <a:p>
+            <a:pPr algn="ctr">
+              <a:lnSpc>
+                <a:spcPct val="100000"/>
+              </a:lnSpc>
+              <a:tabLst>
+                <a:tab pos="0" algn="l"/>
+              </a:tabLst>
+            </a:pPr>
+            <a:endParaRPr lang="es-MX" sz="1800" b="0" u="none" strike="noStrike">
+              <a:solidFill>
+                <a:schemeClr val="lt1"/>
+              </a:solidFill>
+              <a:uFillTx/>
+              <a:latin typeface="Calibri"/>
+              <a:ea typeface="Calibri"/>
+            </a:endParaRPr>
+          </a:p>
+        </p:txBody>
+      </p:sp>
+      <p:sp>
+        <p:nvSpPr>
+          <p:cNvPr id="5" name="Google Shape;249;p1"/>
+          <p:cNvSpPr/>
+          <p:nvPr/>
+        </p:nvSpPr>
+        <p:spPr>
+          <a:xfrm>
+            <a:off x="10953720" y="6260040"/>
+            <a:ext cx="1096200" cy="546840"/>
+          </a:xfrm>
+          <a:prstGeom prst="rect">
+            <a:avLst/>
+          </a:prstGeom>
+          <a:noFill/>
+          <a:ln w="0">
+            <a:noFill/>
+          </a:ln>
+        </p:spPr>
+        <p:style>
+          <a:lnRef idx="0">
+            <a:scrgbClr r="0" g="0" b="0"/>
+          </a:lnRef>
+          <a:fillRef idx="0">
+            <a:scrgbClr r="0" g="0" b="0"/>
+          </a:fillRef>
+          <a:effectRef idx="0">
+            <a:scrgbClr r="0" g="0" b="0"/>
+          </a:effectRef>
+          <a:fontRef idx="minor"/>
+        </p:style>
+        <p:txBody>
+          <a:bodyPr lIns="90000" tIns="45000" rIns="90000" bIns="45000" anchor="t">
+            <a:noAutofit/>
+          </a:bodyPr>
+          <a:lstStyle/>
+          <a:p>
+            <a:pPr>
+              <a:lnSpc>
+                <a:spcPct val="100000"/>
+              </a:lnSpc>
+            </a:pPr>
+            <a:endParaRPr lang="es-MX" sz="1800" b="0" u="none" strike="noStrike">
               <a:solidFill>
                 <a:srgbClr val="000000"/>
               </a:solidFill>
@@ -1439,7 +1829,7 @@
           </a:ln>
         </p:spPr>
         <p:txBody>
-          <a:bodyPr lIns="91440" rIns="91440" tIns="45720" bIns="45720" anchor="ctr">
+          <a:bodyPr lIns="91440" tIns="45720" rIns="91440" bIns="45720" anchor="ctr">
             <a:noAutofit/>
           </a:bodyPr>
           <a:lstStyle>
@@ -1449,9 +1839,9 @@
               </a:lnSpc>
               <a:buNone/>
               <a:tabLst>
-                <a:tab algn="l" pos="0"/>
+                <a:tab pos="0" algn="l"/>
               </a:tabLst>
-              <a:defRPr b="0" lang="es-MX" sz="1400" strike="noStrike" u="none">
+              <a:defRPr lang="es-MX" sz="1400" b="0" u="none" strike="noStrike">
                 <a:solidFill>
                   <a:srgbClr val="000000"/>
                 </a:solidFill>
@@ -1467,11 +1857,11 @@
               </a:lnSpc>
               <a:buNone/>
               <a:tabLst>
-                <a:tab algn="l" pos="0"/>
+                <a:tab pos="0" algn="l"/>
               </a:tabLst>
             </a:pPr>
             <a:r>
-              <a:rPr b="0" lang="es-MX" sz="1400" strike="noStrike" u="none">
+              <a:rPr lang="es-MX" sz="1400" b="0" u="none" strike="noStrike">
                 <a:solidFill>
                   <a:srgbClr val="000000"/>
                 </a:solidFill>
@@ -1480,13 +1870,6 @@
               </a:rPr>
               <a:t> </a:t>
             </a:r>
-            <a:endParaRPr b="0" lang="es-MX" sz="1400" strike="noStrike" u="none">
-              <a:solidFill>
-                <a:srgbClr val="000000"/>
-              </a:solidFill>
-              <a:uFillTx/>
-              <a:latin typeface="Times New Roman"/>
-            </a:endParaRPr>
           </a:p>
         </p:txBody>
       </p:sp>
@@ -1514,7 +1897,7 @@
           </a:ln>
         </p:spPr>
         <p:txBody>
-          <a:bodyPr lIns="91440" rIns="91440" tIns="45720" bIns="45720" anchor="ctr">
+          <a:bodyPr lIns="91440" tIns="45720" rIns="91440" bIns="45720" anchor="ctr">
             <a:noAutofit/>
           </a:bodyPr>
           <a:lstStyle>
@@ -1524,9 +1907,9 @@
               </a:lnSpc>
               <a:buNone/>
               <a:tabLst>
-                <a:tab algn="l" pos="0"/>
+                <a:tab pos="0" algn="l"/>
               </a:tabLst>
-              <a:defRPr b="0" lang="es-ES" sz="1200" strike="noStrike" u="none">
+              <a:defRPr lang="es-ES" sz="1200" b="0" u="none" strike="noStrike">
                 <a:solidFill>
                   <a:srgbClr val="888888"/>
                 </a:solidFill>
@@ -1543,11 +1926,11 @@
               </a:lnSpc>
               <a:buNone/>
               <a:tabLst>
-                <a:tab algn="l" pos="0"/>
+                <a:tab pos="0" algn="l"/>
               </a:tabLst>
             </a:pPr>
             <a:fld id="{D5E672A7-3325-400F-8708-A0A6AD6D6F59}" type="slidenum">
-              <a:rPr b="0" lang="es-ES" sz="1200" strike="noStrike" u="none">
+              <a:rPr lang="es-ES" sz="1200" b="0" u="none" strike="noStrike">
                 <a:solidFill>
                   <a:srgbClr val="888888"/>
                 </a:solidFill>
@@ -1555,9 +1938,9 @@
                 <a:latin typeface="Calibri"/>
                 <a:ea typeface="Calibri"/>
               </a:rPr>
-              <a:t>1</a:t>
+              <a:t>‹Nº›</a:t>
             </a:fld>
-            <a:endParaRPr b="0" lang="es-MX" sz="1200" strike="noStrike" u="none">
+            <a:endParaRPr lang="es-MX" sz="1200" b="0" u="none" strike="noStrike">
               <a:solidFill>
                 <a:srgbClr val="000000"/>
               </a:solidFill>
@@ -1591,13 +1974,13 @@
           </a:ln>
         </p:spPr>
         <p:txBody>
-          <a:bodyPr lIns="91440" rIns="91440" tIns="45720" bIns="45720" anchor="ctr">
+          <a:bodyPr lIns="91440" tIns="45720" rIns="91440" bIns="45720" anchor="ctr">
             <a:noAutofit/>
           </a:bodyPr>
           <a:lstStyle>
             <a:lvl1pPr indent="0">
               <a:buNone/>
-              <a:defRPr b="0" lang="es-MX" sz="1400" strike="noStrike" u="none">
+              <a:defRPr lang="es-MX" sz="1400" b="0" u="none" strike="noStrike">
                 <a:solidFill>
                   <a:srgbClr val="000000"/>
                 </a:solidFill>
@@ -1611,7 +1994,7 @@
               <a:buNone/>
             </a:pPr>
             <a:r>
-              <a:rPr b="0" lang="es-MX" sz="1400" strike="noStrike" u="none">
+              <a:rPr lang="es-MX" sz="1400" b="0" u="none" strike="noStrike">
                 <a:solidFill>
                   <a:srgbClr val="000000"/>
                 </a:solidFill>
@@ -1620,13 +2003,6 @@
               </a:rPr>
               <a:t> </a:t>
             </a:r>
-            <a:endParaRPr b="0" lang="es-MX" sz="1400" strike="noStrike" u="none">
-              <a:solidFill>
-                <a:srgbClr val="000000"/>
-              </a:solidFill>
-              <a:uFillTx/>
-              <a:latin typeface="Times New Roman"/>
-            </a:endParaRPr>
           </a:p>
         </p:txBody>
       </p:sp>
@@ -1634,19 +2010,300 @@
   </p:cSld>
   <p:clrMap bg1="lt1" tx1="dk1" bg2="dk2" tx2="lt2" accent1="accent1" accent2="accent2" accent3="accent3" accent4="accent4" accent5="accent5" accent6="accent6" hlink="hlink" folHlink="folHlink"/>
   <p:sldLayoutIdLst>
-    <p:sldLayoutId id="2147483651" r:id="rId2"/>
+    <p:sldLayoutId id="2147483651" r:id="rId1"/>
   </p:sldLayoutIdLst>
+  <p:txStyles>
+    <p:titleStyle>
+      <a:lvl1pPr algn="l" defTabSz="914400" rtl="0" eaLnBrk="1" latinLnBrk="0" hangingPunct="1">
+        <a:lnSpc>
+          <a:spcPct val="90000"/>
+        </a:lnSpc>
+        <a:spcBef>
+          <a:spcPct val="0"/>
+        </a:spcBef>
+        <a:buNone/>
+        <a:defRPr sz="4400" kern="1200">
+          <a:solidFill>
+            <a:schemeClr val="tx1"/>
+          </a:solidFill>
+          <a:latin typeface="+mj-lt"/>
+          <a:ea typeface="+mj-ea"/>
+          <a:cs typeface="+mj-cs"/>
+        </a:defRPr>
+      </a:lvl1pPr>
+    </p:titleStyle>
+    <p:bodyStyle>
+      <a:lvl1pPr marL="228600" indent="-228600" algn="l" defTabSz="914400" rtl="0" eaLnBrk="1" latinLnBrk="0" hangingPunct="1">
+        <a:lnSpc>
+          <a:spcPct val="90000"/>
+        </a:lnSpc>
+        <a:spcBef>
+          <a:spcPts val="1000"/>
+        </a:spcBef>
+        <a:buFont typeface="Arial" panose="020B0604020202020204" pitchFamily="34" charset="0"/>
+        <a:buChar char="•"/>
+        <a:defRPr sz="2800" kern="1200">
+          <a:solidFill>
+            <a:schemeClr val="tx1"/>
+          </a:solidFill>
+          <a:latin typeface="+mn-lt"/>
+          <a:ea typeface="+mn-ea"/>
+          <a:cs typeface="+mn-cs"/>
+        </a:defRPr>
+      </a:lvl1pPr>
+      <a:lvl2pPr marL="685800" indent="-228600" algn="l" defTabSz="914400" rtl="0" eaLnBrk="1" latinLnBrk="0" hangingPunct="1">
+        <a:lnSpc>
+          <a:spcPct val="90000"/>
+        </a:lnSpc>
+        <a:spcBef>
+          <a:spcPts val="500"/>
+        </a:spcBef>
+        <a:buFont typeface="Arial" panose="020B0604020202020204" pitchFamily="34" charset="0"/>
+        <a:buChar char="•"/>
+        <a:defRPr sz="2400" kern="1200">
+          <a:solidFill>
+            <a:schemeClr val="tx1"/>
+          </a:solidFill>
+          <a:latin typeface="+mn-lt"/>
+          <a:ea typeface="+mn-ea"/>
+          <a:cs typeface="+mn-cs"/>
+        </a:defRPr>
+      </a:lvl2pPr>
+      <a:lvl3pPr marL="1143000" indent="-228600" algn="l" defTabSz="914400" rtl="0" eaLnBrk="1" latinLnBrk="0" hangingPunct="1">
+        <a:lnSpc>
+          <a:spcPct val="90000"/>
+        </a:lnSpc>
+        <a:spcBef>
+          <a:spcPts val="500"/>
+        </a:spcBef>
+        <a:buFont typeface="Arial" panose="020B0604020202020204" pitchFamily="34" charset="0"/>
+        <a:buChar char="•"/>
+        <a:defRPr sz="2000" kern="1200">
+          <a:solidFill>
+            <a:schemeClr val="tx1"/>
+          </a:solidFill>
+          <a:latin typeface="+mn-lt"/>
+          <a:ea typeface="+mn-ea"/>
+          <a:cs typeface="+mn-cs"/>
+        </a:defRPr>
+      </a:lvl3pPr>
+      <a:lvl4pPr marL="1600200" indent="-228600" algn="l" defTabSz="914400" rtl="0" eaLnBrk="1" latinLnBrk="0" hangingPunct="1">
+        <a:lnSpc>
+          <a:spcPct val="90000"/>
+        </a:lnSpc>
+        <a:spcBef>
+          <a:spcPts val="500"/>
+        </a:spcBef>
+        <a:buFont typeface="Arial" panose="020B0604020202020204" pitchFamily="34" charset="0"/>
+        <a:buChar char="•"/>
+        <a:defRPr sz="1800" kern="1200">
+          <a:solidFill>
+            <a:schemeClr val="tx1"/>
+          </a:solidFill>
+          <a:latin typeface="+mn-lt"/>
+          <a:ea typeface="+mn-ea"/>
+          <a:cs typeface="+mn-cs"/>
+        </a:defRPr>
+      </a:lvl4pPr>
+      <a:lvl5pPr marL="2057400" indent="-228600" algn="l" defTabSz="914400" rtl="0" eaLnBrk="1" latinLnBrk="0" hangingPunct="1">
+        <a:lnSpc>
+          <a:spcPct val="90000"/>
+        </a:lnSpc>
+        <a:spcBef>
+          <a:spcPts val="500"/>
+        </a:spcBef>
+        <a:buFont typeface="Arial" panose="020B0604020202020204" pitchFamily="34" charset="0"/>
+        <a:buChar char="•"/>
+        <a:defRPr sz="1800" kern="1200">
+          <a:solidFill>
+            <a:schemeClr val="tx1"/>
+          </a:solidFill>
+          <a:latin typeface="+mn-lt"/>
+          <a:ea typeface="+mn-ea"/>
+          <a:cs typeface="+mn-cs"/>
+        </a:defRPr>
+      </a:lvl5pPr>
+      <a:lvl6pPr marL="2514600" indent="-228600" algn="l" defTabSz="914400" rtl="0" eaLnBrk="1" latinLnBrk="0" hangingPunct="1">
+        <a:lnSpc>
+          <a:spcPct val="90000"/>
+        </a:lnSpc>
+        <a:spcBef>
+          <a:spcPts val="500"/>
+        </a:spcBef>
+        <a:buFont typeface="Arial" panose="020B0604020202020204" pitchFamily="34" charset="0"/>
+        <a:buChar char="•"/>
+        <a:defRPr sz="1800" kern="1200">
+          <a:solidFill>
+            <a:schemeClr val="tx1"/>
+          </a:solidFill>
+          <a:latin typeface="+mn-lt"/>
+          <a:ea typeface="+mn-ea"/>
+          <a:cs typeface="+mn-cs"/>
+        </a:defRPr>
+      </a:lvl6pPr>
+      <a:lvl7pPr marL="2971800" indent="-228600" algn="l" defTabSz="914400" rtl="0" eaLnBrk="1" latinLnBrk="0" hangingPunct="1">
+        <a:lnSpc>
+          <a:spcPct val="90000"/>
+        </a:lnSpc>
+        <a:spcBef>
+          <a:spcPts val="500"/>
+        </a:spcBef>
+        <a:buFont typeface="Arial" panose="020B0604020202020204" pitchFamily="34" charset="0"/>
+        <a:buChar char="•"/>
+        <a:defRPr sz="1800" kern="1200">
+          <a:solidFill>
+            <a:schemeClr val="tx1"/>
+          </a:solidFill>
+          <a:latin typeface="+mn-lt"/>
+          <a:ea typeface="+mn-ea"/>
+          <a:cs typeface="+mn-cs"/>
+        </a:defRPr>
+      </a:lvl7pPr>
+      <a:lvl8pPr marL="3429000" indent="-228600" algn="l" defTabSz="914400" rtl="0" eaLnBrk="1" latinLnBrk="0" hangingPunct="1">
+        <a:lnSpc>
+          <a:spcPct val="90000"/>
+        </a:lnSpc>
+        <a:spcBef>
+          <a:spcPts val="500"/>
+        </a:spcBef>
+        <a:buFont typeface="Arial" panose="020B0604020202020204" pitchFamily="34" charset="0"/>
+        <a:buChar char="•"/>
+        <a:defRPr sz="1800" kern="1200">
+          <a:solidFill>
+            <a:schemeClr val="tx1"/>
+          </a:solidFill>
+          <a:latin typeface="+mn-lt"/>
+          <a:ea typeface="+mn-ea"/>
+          <a:cs typeface="+mn-cs"/>
+        </a:defRPr>
+      </a:lvl8pPr>
+      <a:lvl9pPr marL="3886200" indent="-228600" algn="l" defTabSz="914400" rtl="0" eaLnBrk="1" latinLnBrk="0" hangingPunct="1">
+        <a:lnSpc>
+          <a:spcPct val="90000"/>
+        </a:lnSpc>
+        <a:spcBef>
+          <a:spcPts val="500"/>
+        </a:spcBef>
+        <a:buFont typeface="Arial" panose="020B0604020202020204" pitchFamily="34" charset="0"/>
+        <a:buChar char="•"/>
+        <a:defRPr sz="1800" kern="1200">
+          <a:solidFill>
+            <a:schemeClr val="tx1"/>
+          </a:solidFill>
+          <a:latin typeface="+mn-lt"/>
+          <a:ea typeface="+mn-ea"/>
+          <a:cs typeface="+mn-cs"/>
+        </a:defRPr>
+      </a:lvl9pPr>
+    </p:bodyStyle>
+    <p:otherStyle>
+      <a:defPPr>
+        <a:defRPr lang="es-MX"/>
+      </a:defPPr>
+      <a:lvl1pPr marL="0" algn="l" defTabSz="914400" rtl="0" eaLnBrk="1" latinLnBrk="0" hangingPunct="1">
+        <a:defRPr sz="1800" kern="1200">
+          <a:solidFill>
+            <a:schemeClr val="tx1"/>
+          </a:solidFill>
+          <a:latin typeface="+mn-lt"/>
+          <a:ea typeface="+mn-ea"/>
+          <a:cs typeface="+mn-cs"/>
+        </a:defRPr>
+      </a:lvl1pPr>
+      <a:lvl2pPr marL="457200" algn="l" defTabSz="914400" rtl="0" eaLnBrk="1" latinLnBrk="0" hangingPunct="1">
+        <a:defRPr sz="1800" kern="1200">
+          <a:solidFill>
+            <a:schemeClr val="tx1"/>
+          </a:solidFill>
+          <a:latin typeface="+mn-lt"/>
+          <a:ea typeface="+mn-ea"/>
+          <a:cs typeface="+mn-cs"/>
+        </a:defRPr>
+      </a:lvl2pPr>
+      <a:lvl3pPr marL="914400" algn="l" defTabSz="914400" rtl="0" eaLnBrk="1" latinLnBrk="0" hangingPunct="1">
+        <a:defRPr sz="1800" kern="1200">
+          <a:solidFill>
+            <a:schemeClr val="tx1"/>
+          </a:solidFill>
+          <a:latin typeface="+mn-lt"/>
+          <a:ea typeface="+mn-ea"/>
+          <a:cs typeface="+mn-cs"/>
+        </a:defRPr>
+      </a:lvl3pPr>
+      <a:lvl4pPr marL="1371600" algn="l" defTabSz="914400" rtl="0" eaLnBrk="1" latinLnBrk="0" hangingPunct="1">
+        <a:defRPr sz="1800" kern="1200">
+          <a:solidFill>
+            <a:schemeClr val="tx1"/>
+          </a:solidFill>
+          <a:latin typeface="+mn-lt"/>
+          <a:ea typeface="+mn-ea"/>
+          <a:cs typeface="+mn-cs"/>
+        </a:defRPr>
+      </a:lvl4pPr>
+      <a:lvl5pPr marL="1828800" algn="l" defTabSz="914400" rtl="0" eaLnBrk="1" latinLnBrk="0" hangingPunct="1">
+        <a:defRPr sz="1800" kern="1200">
+          <a:solidFill>
+            <a:schemeClr val="tx1"/>
+          </a:solidFill>
+          <a:latin typeface="+mn-lt"/>
+          <a:ea typeface="+mn-ea"/>
+          <a:cs typeface="+mn-cs"/>
+        </a:defRPr>
+      </a:lvl5pPr>
+      <a:lvl6pPr marL="2286000" algn="l" defTabSz="914400" rtl="0" eaLnBrk="1" latinLnBrk="0" hangingPunct="1">
+        <a:defRPr sz="1800" kern="1200">
+          <a:solidFill>
+            <a:schemeClr val="tx1"/>
+          </a:solidFill>
+          <a:latin typeface="+mn-lt"/>
+          <a:ea typeface="+mn-ea"/>
+          <a:cs typeface="+mn-cs"/>
+        </a:defRPr>
+      </a:lvl6pPr>
+      <a:lvl7pPr marL="2743200" algn="l" defTabSz="914400" rtl="0" eaLnBrk="1" latinLnBrk="0" hangingPunct="1">
+        <a:defRPr sz="1800" kern="1200">
+          <a:solidFill>
+            <a:schemeClr val="tx1"/>
+          </a:solidFill>
+          <a:latin typeface="+mn-lt"/>
+          <a:ea typeface="+mn-ea"/>
+          <a:cs typeface="+mn-cs"/>
+        </a:defRPr>
+      </a:lvl7pPr>
+      <a:lvl8pPr marL="3200400" algn="l" defTabSz="914400" rtl="0" eaLnBrk="1" latinLnBrk="0" hangingPunct="1">
+        <a:defRPr sz="1800" kern="1200">
+          <a:solidFill>
+            <a:schemeClr val="tx1"/>
+          </a:solidFill>
+          <a:latin typeface="+mn-lt"/>
+          <a:ea typeface="+mn-ea"/>
+          <a:cs typeface="+mn-cs"/>
+        </a:defRPr>
+      </a:lvl8pPr>
+      <a:lvl9pPr marL="3657600" algn="l" defTabSz="914400" rtl="0" eaLnBrk="1" latinLnBrk="0" hangingPunct="1">
+        <a:defRPr sz="1800" kern="1200">
+          <a:solidFill>
+            <a:schemeClr val="tx1"/>
+          </a:solidFill>
+          <a:latin typeface="+mn-lt"/>
+          <a:ea typeface="+mn-ea"/>
+          <a:cs typeface="+mn-cs"/>
+        </a:defRPr>
+      </a:lvl9pPr>
+    </p:otherStyle>
+  </p:txStyles>
 </p:sldMaster>
 </file>
 
 <file path=ppt/slideMasters/slideMaster3.xml><?xml version="1.0" encoding="utf-8"?>
-<p:sldMaster xmlns:a="http://schemas.openxmlformats.org/drawingml/2006/main" xmlns:p="http://schemas.openxmlformats.org/presentationml/2006/main" xmlns:r="http://schemas.openxmlformats.org/officeDocument/2006/relationships" xmlns:p14="http://schemas.microsoft.com/office/powerpoint/2010/main" xmlns:p15="http://schemas.microsoft.com/office/powerpoint/2012/main" xmlns:mc="http://schemas.openxmlformats.org/markup-compatibility/2006">
+<p:sldMaster xmlns:a="http://schemas.openxmlformats.org/drawingml/2006/main" xmlns:r="http://schemas.openxmlformats.org/officeDocument/2006/relationships" xmlns:p="http://schemas.openxmlformats.org/presentationml/2006/main">
   <p:cSld>
     <p:bg>
       <p:bgPr>
         <a:solidFill>
           <a:schemeClr val="lt1"/>
         </a:solidFill>
+        <a:effectLst/>
       </p:bgPr>
     </p:bg>
     <p:spTree>
@@ -1678,32 +2335,39 @@
             <a:avLst/>
           </a:prstGeom>
           <a:solidFill>
-            <a:srgbClr val="004c8d"/>
+            <a:srgbClr val="004C8D"/>
           </a:solidFill>
           <a:ln w="0">
             <a:noFill/>
           </a:ln>
         </p:spPr>
         <p:style>
-          <a:lnRef idx="0"/>
-          <a:fillRef idx="0"/>
-          <a:effectRef idx="0"/>
+          <a:lnRef idx="0">
+            <a:scrgbClr r="0" g="0" b="0"/>
+          </a:lnRef>
+          <a:fillRef idx="0">
+            <a:scrgbClr r="0" g="0" b="0"/>
+          </a:fillRef>
+          <a:effectRef idx="0">
+            <a:scrgbClr r="0" g="0" b="0"/>
+          </a:effectRef>
           <a:fontRef idx="minor"/>
         </p:style>
         <p:txBody>
-          <a:bodyPr lIns="90000" rIns="90000" tIns="45000" bIns="45000" anchor="ctr">
+          <a:bodyPr lIns="90000" tIns="45000" rIns="90000" bIns="45000" anchor="ctr">
             <a:noAutofit/>
           </a:bodyPr>
+          <a:lstStyle/>
           <a:p>
             <a:pPr algn="ctr">
               <a:lnSpc>
                 <a:spcPct val="100000"/>
               </a:lnSpc>
               <a:tabLst>
-                <a:tab algn="l" pos="0"/>
+                <a:tab pos="0" algn="l"/>
               </a:tabLst>
             </a:pPr>
-            <a:endParaRPr b="0" lang="es-MX" sz="1800" strike="noStrike" u="none">
+            <a:endParaRPr lang="es-MX" sz="1800" b="0" u="none" strike="noStrike">
               <a:solidFill>
                 <a:schemeClr val="lt1"/>
               </a:solidFill>
@@ -1734,22 +2398,29 @@
           </a:ln>
         </p:spPr>
         <p:style>
-          <a:lnRef idx="0"/>
-          <a:fillRef idx="0"/>
-          <a:effectRef idx="0"/>
+          <a:lnRef idx="0">
+            <a:scrgbClr r="0" g="0" b="0"/>
+          </a:lnRef>
+          <a:fillRef idx="0">
+            <a:scrgbClr r="0" g="0" b="0"/>
+          </a:fillRef>
+          <a:effectRef idx="0">
+            <a:scrgbClr r="0" g="0" b="0"/>
+          </a:effectRef>
           <a:fontRef idx="minor"/>
         </p:style>
         <p:txBody>
-          <a:bodyPr lIns="90000" rIns="90000" tIns="45000" bIns="45000" anchor="t">
+          <a:bodyPr lIns="90000" tIns="45000" rIns="90000" bIns="45000" anchor="t">
             <a:noAutofit/>
           </a:bodyPr>
+          <a:lstStyle/>
           <a:p>
             <a:pPr>
               <a:lnSpc>
                 <a:spcPct val="100000"/>
               </a:lnSpc>
             </a:pPr>
-            <a:endParaRPr b="0" lang="es-MX" sz="1800" strike="noStrike" u="none">
+            <a:endParaRPr lang="es-MX" sz="1800" b="0" u="none" strike="noStrike">
               <a:solidFill>
                 <a:srgbClr val="000000"/>
               </a:solidFill>
@@ -1783,15 +2454,16 @@
           </a:ln>
         </p:spPr>
         <p:txBody>
-          <a:bodyPr lIns="0" rIns="0" tIns="0" bIns="0" anchor="ctr">
+          <a:bodyPr lIns="0" tIns="0" rIns="0" bIns="0" anchor="ctr">
             <a:noAutofit/>
           </a:bodyPr>
+          <a:lstStyle/>
           <a:p>
             <a:pPr indent="0">
               <a:buNone/>
             </a:pPr>
             <a:r>
-              <a:rPr b="0" lang="es-MX" sz="1800" strike="noStrike" u="none">
+              <a:rPr lang="es-MX" sz="1800" b="0" u="none" strike="noStrike">
                 <a:solidFill>
                   <a:srgbClr val="000000"/>
                 </a:solidFill>
@@ -1800,13 +2472,6 @@
               </a:rPr>
               <a:t>Click to edit the title text format</a:t>
             </a:r>
-            <a:endParaRPr b="0" lang="es-MX" sz="1800" strike="noStrike" u="none">
-              <a:solidFill>
-                <a:srgbClr val="000000"/>
-              </a:solidFill>
-              <a:uFillTx/>
-              <a:latin typeface="Arial"/>
-            </a:endParaRPr>
           </a:p>
         </p:txBody>
       </p:sp>
@@ -1834,9 +2499,10 @@
           </a:ln>
         </p:spPr>
         <p:txBody>
-          <a:bodyPr lIns="0" rIns="0" tIns="0" bIns="0" anchor="t">
+          <a:bodyPr lIns="0" tIns="0" rIns="0" bIns="0" anchor="t">
             <a:normAutofit/>
           </a:bodyPr>
+          <a:lstStyle/>
           <a:p>
             <a:pPr marL="432000" indent="-324000">
               <a:spcBef>
@@ -1850,7 +2516,7 @@
               <a:buChar char=""/>
             </a:pPr>
             <a:r>
-              <a:rPr b="0" lang="es-MX" sz="1800" strike="noStrike" u="none">
+              <a:rPr lang="es-MX" sz="1800" b="0" u="none" strike="noStrike">
                 <a:solidFill>
                   <a:srgbClr val="000000"/>
                 </a:solidFill>
@@ -1859,16 +2525,9 @@
               </a:rPr>
               <a:t>Click to edit the outline text format</a:t>
             </a:r>
-            <a:endParaRPr b="0" lang="es-MX" sz="1800" strike="noStrike" u="none">
-              <a:solidFill>
-                <a:srgbClr val="000000"/>
-              </a:solidFill>
-              <a:uFillTx/>
-              <a:latin typeface="Arial"/>
-            </a:endParaRPr>
-          </a:p>
-          <a:p>
-            <a:pPr lvl="1" marL="864000" indent="-324000">
+          </a:p>
+          <a:p>
+            <a:pPr marL="864000" lvl="1" indent="-324000">
               <a:spcBef>
                 <a:spcPts val="1134"/>
               </a:spcBef>
@@ -1880,7 +2539,7 @@
               <a:buChar char=""/>
             </a:pPr>
             <a:r>
-              <a:rPr b="0" lang="es-MX" sz="1800" strike="noStrike" u="none">
+              <a:rPr lang="es-MX" sz="1800" b="0" u="none" strike="noStrike">
                 <a:solidFill>
                   <a:srgbClr val="000000"/>
                 </a:solidFill>
@@ -1889,16 +2548,9 @@
               </a:rPr>
               <a:t>Second Outline Level</a:t>
             </a:r>
-            <a:endParaRPr b="0" lang="es-MX" sz="1800" strike="noStrike" u="none">
-              <a:solidFill>
-                <a:srgbClr val="000000"/>
-              </a:solidFill>
-              <a:uFillTx/>
-              <a:latin typeface="Arial"/>
-            </a:endParaRPr>
-          </a:p>
-          <a:p>
-            <a:pPr lvl="2" marL="1296000" indent="-288000">
+          </a:p>
+          <a:p>
+            <a:pPr marL="1296000" lvl="2" indent="-288000">
               <a:spcBef>
                 <a:spcPts val="850"/>
               </a:spcBef>
@@ -1910,7 +2562,7 @@
               <a:buChar char=""/>
             </a:pPr>
             <a:r>
-              <a:rPr b="0" lang="es-MX" sz="1800" strike="noStrike" u="none">
+              <a:rPr lang="es-MX" sz="1800" b="0" u="none" strike="noStrike">
                 <a:solidFill>
                   <a:srgbClr val="000000"/>
                 </a:solidFill>
@@ -1919,16 +2571,9 @@
               </a:rPr>
               <a:t>Third Outline Level</a:t>
             </a:r>
-            <a:endParaRPr b="0" lang="es-MX" sz="1800" strike="noStrike" u="none">
-              <a:solidFill>
-                <a:srgbClr val="000000"/>
-              </a:solidFill>
-              <a:uFillTx/>
-              <a:latin typeface="Arial"/>
-            </a:endParaRPr>
-          </a:p>
-          <a:p>
-            <a:pPr lvl="3" marL="1728000" indent="-216000">
+          </a:p>
+          <a:p>
+            <a:pPr marL="1728000" lvl="3" indent="-216000">
               <a:spcBef>
                 <a:spcPts val="567"/>
               </a:spcBef>
@@ -1940,7 +2585,7 @@
               <a:buChar char=""/>
             </a:pPr>
             <a:r>
-              <a:rPr b="0" lang="es-MX" sz="1800" strike="noStrike" u="none">
+              <a:rPr lang="es-MX" sz="1800" b="0" u="none" strike="noStrike">
                 <a:solidFill>
                   <a:srgbClr val="000000"/>
                 </a:solidFill>
@@ -1949,16 +2594,9 @@
               </a:rPr>
               <a:t>Fourth Outline Level</a:t>
             </a:r>
-            <a:endParaRPr b="0" lang="es-MX" sz="1800" strike="noStrike" u="none">
-              <a:solidFill>
-                <a:srgbClr val="000000"/>
-              </a:solidFill>
-              <a:uFillTx/>
-              <a:latin typeface="Arial"/>
-            </a:endParaRPr>
-          </a:p>
-          <a:p>
-            <a:pPr lvl="4" marL="2160000" indent="-216000">
+          </a:p>
+          <a:p>
+            <a:pPr marL="2160000" lvl="4" indent="-216000">
               <a:spcBef>
                 <a:spcPts val="283"/>
               </a:spcBef>
@@ -1970,7 +2608,7 @@
               <a:buChar char=""/>
             </a:pPr>
             <a:r>
-              <a:rPr b="0" lang="es-MX" sz="1800" strike="noStrike" u="none">
+              <a:rPr lang="es-MX" sz="1800" b="0" u="none" strike="noStrike">
                 <a:solidFill>
                   <a:srgbClr val="000000"/>
                 </a:solidFill>
@@ -1979,16 +2617,9 @@
               </a:rPr>
               <a:t>Fifth Outline Level</a:t>
             </a:r>
-            <a:endParaRPr b="0" lang="es-MX" sz="1800" strike="noStrike" u="none">
-              <a:solidFill>
-                <a:srgbClr val="000000"/>
-              </a:solidFill>
-              <a:uFillTx/>
-              <a:latin typeface="Arial"/>
-            </a:endParaRPr>
-          </a:p>
-          <a:p>
-            <a:pPr lvl="5" marL="2592000" indent="-216000">
+          </a:p>
+          <a:p>
+            <a:pPr marL="2592000" lvl="5" indent="-216000">
               <a:spcBef>
                 <a:spcPts val="283"/>
               </a:spcBef>
@@ -2000,7 +2631,7 @@
               <a:buChar char=""/>
             </a:pPr>
             <a:r>
-              <a:rPr b="0" lang="es-MX" sz="1800" strike="noStrike" u="none">
+              <a:rPr lang="es-MX" sz="1800" b="0" u="none" strike="noStrike">
                 <a:solidFill>
                   <a:srgbClr val="000000"/>
                 </a:solidFill>
@@ -2009,16 +2640,9 @@
               </a:rPr>
               <a:t>Sixth Outline Level</a:t>
             </a:r>
-            <a:endParaRPr b="0" lang="es-MX" sz="1800" strike="noStrike" u="none">
-              <a:solidFill>
-                <a:srgbClr val="000000"/>
-              </a:solidFill>
-              <a:uFillTx/>
-              <a:latin typeface="Arial"/>
-            </a:endParaRPr>
-          </a:p>
-          <a:p>
-            <a:pPr lvl="6" marL="3024000" indent="-216000">
+          </a:p>
+          <a:p>
+            <a:pPr marL="3024000" lvl="6" indent="-216000">
               <a:spcBef>
                 <a:spcPts val="283"/>
               </a:spcBef>
@@ -2030,7 +2654,7 @@
               <a:buChar char=""/>
             </a:pPr>
             <a:r>
-              <a:rPr b="0" lang="es-MX" sz="1800" strike="noStrike" u="none">
+              <a:rPr lang="es-MX" sz="1800" b="0" u="none" strike="noStrike">
                 <a:solidFill>
                   <a:srgbClr val="000000"/>
                 </a:solidFill>
@@ -2039,13 +2663,6 @@
               </a:rPr>
               <a:t>Seventh Outline Level</a:t>
             </a:r>
-            <a:endParaRPr b="0" lang="es-MX" sz="1800" strike="noStrike" u="none">
-              <a:solidFill>
-                <a:srgbClr val="000000"/>
-              </a:solidFill>
-              <a:uFillTx/>
-              <a:latin typeface="Arial"/>
-            </a:endParaRPr>
           </a:p>
         </p:txBody>
       </p:sp>
@@ -2073,9 +2690,10 @@
           </a:ln>
         </p:spPr>
         <p:txBody>
-          <a:bodyPr lIns="0" rIns="0" tIns="0" bIns="0" anchor="t">
+          <a:bodyPr lIns="0" tIns="0" rIns="0" bIns="0" anchor="t">
             <a:normAutofit/>
           </a:bodyPr>
+          <a:lstStyle/>
           <a:p>
             <a:pPr marL="432000" indent="-324000">
               <a:spcBef>
@@ -2089,7 +2707,7 @@
               <a:buChar char=""/>
             </a:pPr>
             <a:r>
-              <a:rPr b="0" lang="es-MX" sz="1800" strike="noStrike" u="none">
+              <a:rPr lang="es-MX" sz="1800" b="0" u="none" strike="noStrike">
                 <a:solidFill>
                   <a:srgbClr val="000000"/>
                 </a:solidFill>
@@ -2098,16 +2716,9 @@
               </a:rPr>
               <a:t>Click to edit the outline text format</a:t>
             </a:r>
-            <a:endParaRPr b="0" lang="es-MX" sz="1800" strike="noStrike" u="none">
-              <a:solidFill>
-                <a:srgbClr val="000000"/>
-              </a:solidFill>
-              <a:uFillTx/>
-              <a:latin typeface="Arial"/>
-            </a:endParaRPr>
-          </a:p>
-          <a:p>
-            <a:pPr lvl="1" marL="864000" indent="-324000">
+          </a:p>
+          <a:p>
+            <a:pPr marL="864000" lvl="1" indent="-324000">
               <a:spcBef>
                 <a:spcPts val="1134"/>
               </a:spcBef>
@@ -2119,7 +2730,7 @@
               <a:buChar char=""/>
             </a:pPr>
             <a:r>
-              <a:rPr b="0" lang="es-MX" sz="1800" strike="noStrike" u="none">
+              <a:rPr lang="es-MX" sz="1800" b="0" u="none" strike="noStrike">
                 <a:solidFill>
                   <a:srgbClr val="000000"/>
                 </a:solidFill>
@@ -2128,16 +2739,9 @@
               </a:rPr>
               <a:t>Second Outline Level</a:t>
             </a:r>
-            <a:endParaRPr b="0" lang="es-MX" sz="1800" strike="noStrike" u="none">
-              <a:solidFill>
-                <a:srgbClr val="000000"/>
-              </a:solidFill>
-              <a:uFillTx/>
-              <a:latin typeface="Arial"/>
-            </a:endParaRPr>
-          </a:p>
-          <a:p>
-            <a:pPr lvl="2" marL="1296000" indent="-288000">
+          </a:p>
+          <a:p>
+            <a:pPr marL="1296000" lvl="2" indent="-288000">
               <a:spcBef>
                 <a:spcPts val="850"/>
               </a:spcBef>
@@ -2149,7 +2753,7 @@
               <a:buChar char=""/>
             </a:pPr>
             <a:r>
-              <a:rPr b="0" lang="es-MX" sz="1800" strike="noStrike" u="none">
+              <a:rPr lang="es-MX" sz="1800" b="0" u="none" strike="noStrike">
                 <a:solidFill>
                   <a:srgbClr val="000000"/>
                 </a:solidFill>
@@ -2158,16 +2762,9 @@
               </a:rPr>
               <a:t>Third Outline Level</a:t>
             </a:r>
-            <a:endParaRPr b="0" lang="es-MX" sz="1800" strike="noStrike" u="none">
-              <a:solidFill>
-                <a:srgbClr val="000000"/>
-              </a:solidFill>
-              <a:uFillTx/>
-              <a:latin typeface="Arial"/>
-            </a:endParaRPr>
-          </a:p>
-          <a:p>
-            <a:pPr lvl="3" marL="1728000" indent="-216000">
+          </a:p>
+          <a:p>
+            <a:pPr marL="1728000" lvl="3" indent="-216000">
               <a:spcBef>
                 <a:spcPts val="567"/>
               </a:spcBef>
@@ -2179,7 +2776,7 @@
               <a:buChar char=""/>
             </a:pPr>
             <a:r>
-              <a:rPr b="0" lang="es-MX" sz="1800" strike="noStrike" u="none">
+              <a:rPr lang="es-MX" sz="1800" b="0" u="none" strike="noStrike">
                 <a:solidFill>
                   <a:srgbClr val="000000"/>
                 </a:solidFill>
@@ -2188,16 +2785,9 @@
               </a:rPr>
               <a:t>Fourth Outline Level</a:t>
             </a:r>
-            <a:endParaRPr b="0" lang="es-MX" sz="1800" strike="noStrike" u="none">
-              <a:solidFill>
-                <a:srgbClr val="000000"/>
-              </a:solidFill>
-              <a:uFillTx/>
-              <a:latin typeface="Arial"/>
-            </a:endParaRPr>
-          </a:p>
-          <a:p>
-            <a:pPr lvl="4" marL="2160000" indent="-216000">
+          </a:p>
+          <a:p>
+            <a:pPr marL="2160000" lvl="4" indent="-216000">
               <a:spcBef>
                 <a:spcPts val="283"/>
               </a:spcBef>
@@ -2209,7 +2799,7 @@
               <a:buChar char=""/>
             </a:pPr>
             <a:r>
-              <a:rPr b="0" lang="es-MX" sz="1800" strike="noStrike" u="none">
+              <a:rPr lang="es-MX" sz="1800" b="0" u="none" strike="noStrike">
                 <a:solidFill>
                   <a:srgbClr val="000000"/>
                 </a:solidFill>
@@ -2218,16 +2808,9 @@
               </a:rPr>
               <a:t>Fifth Outline Level</a:t>
             </a:r>
-            <a:endParaRPr b="0" lang="es-MX" sz="1800" strike="noStrike" u="none">
-              <a:solidFill>
-                <a:srgbClr val="000000"/>
-              </a:solidFill>
-              <a:uFillTx/>
-              <a:latin typeface="Arial"/>
-            </a:endParaRPr>
-          </a:p>
-          <a:p>
-            <a:pPr lvl="5" marL="2592000" indent="-216000">
+          </a:p>
+          <a:p>
+            <a:pPr marL="2592000" lvl="5" indent="-216000">
               <a:spcBef>
                 <a:spcPts val="283"/>
               </a:spcBef>
@@ -2239,7 +2822,7 @@
               <a:buChar char=""/>
             </a:pPr>
             <a:r>
-              <a:rPr b="0" lang="es-MX" sz="1800" strike="noStrike" u="none">
+              <a:rPr lang="es-MX" sz="1800" b="0" u="none" strike="noStrike">
                 <a:solidFill>
                   <a:srgbClr val="000000"/>
                 </a:solidFill>
@@ -2248,16 +2831,9 @@
               </a:rPr>
               <a:t>Sixth Outline Level</a:t>
             </a:r>
-            <a:endParaRPr b="0" lang="es-MX" sz="1800" strike="noStrike" u="none">
-              <a:solidFill>
-                <a:srgbClr val="000000"/>
-              </a:solidFill>
-              <a:uFillTx/>
-              <a:latin typeface="Arial"/>
-            </a:endParaRPr>
-          </a:p>
-          <a:p>
-            <a:pPr lvl="6" marL="3024000" indent="-216000">
+          </a:p>
+          <a:p>
+            <a:pPr marL="3024000" lvl="6" indent="-216000">
               <a:spcBef>
                 <a:spcPts val="283"/>
               </a:spcBef>
@@ -2269,7 +2845,7 @@
               <a:buChar char=""/>
             </a:pPr>
             <a:r>
-              <a:rPr b="0" lang="es-MX" sz="1800" strike="noStrike" u="none">
+              <a:rPr lang="es-MX" sz="1800" b="0" u="none" strike="noStrike">
                 <a:solidFill>
                   <a:srgbClr val="000000"/>
                 </a:solidFill>
@@ -2278,13 +2854,6 @@
               </a:rPr>
               <a:t>Seventh Outline Level</a:t>
             </a:r>
-            <a:endParaRPr b="0" lang="es-MX" sz="1800" strike="noStrike" u="none">
-              <a:solidFill>
-                <a:srgbClr val="000000"/>
-              </a:solidFill>
-              <a:uFillTx/>
-              <a:latin typeface="Arial"/>
-            </a:endParaRPr>
           </a:p>
         </p:txBody>
       </p:sp>
@@ -2312,7 +2881,7 @@
           </a:ln>
         </p:spPr>
         <p:txBody>
-          <a:bodyPr lIns="91440" rIns="91440" tIns="45720" bIns="45720" anchor="ctr">
+          <a:bodyPr lIns="91440" tIns="45720" rIns="91440" bIns="45720" anchor="ctr">
             <a:noAutofit/>
           </a:bodyPr>
           <a:lstStyle>
@@ -2322,9 +2891,9 @@
               </a:lnSpc>
               <a:buNone/>
               <a:tabLst>
-                <a:tab algn="l" pos="0"/>
+                <a:tab pos="0" algn="l"/>
               </a:tabLst>
-              <a:defRPr b="0" lang="es-MX" sz="1400" strike="noStrike" u="none">
+              <a:defRPr lang="es-MX" sz="1400" b="0" u="none" strike="noStrike">
                 <a:solidFill>
                   <a:srgbClr val="000000"/>
                 </a:solidFill>
@@ -2340,11 +2909,11 @@
               </a:lnSpc>
               <a:buNone/>
               <a:tabLst>
-                <a:tab algn="l" pos="0"/>
+                <a:tab pos="0" algn="l"/>
               </a:tabLst>
             </a:pPr>
             <a:r>
-              <a:rPr b="0" lang="es-MX" sz="1400" strike="noStrike" u="none">
+              <a:rPr lang="es-MX" sz="1400" b="0" u="none" strike="noStrike">
                 <a:solidFill>
                   <a:srgbClr val="000000"/>
                 </a:solidFill>
@@ -2353,13 +2922,6 @@
               </a:rPr>
               <a:t>&lt;footer&gt;</a:t>
             </a:r>
-            <a:endParaRPr b="0" lang="es-MX" sz="1400" strike="noStrike" u="none">
-              <a:solidFill>
-                <a:srgbClr val="000000"/>
-              </a:solidFill>
-              <a:uFillTx/>
-              <a:latin typeface="Times New Roman"/>
-            </a:endParaRPr>
           </a:p>
         </p:txBody>
       </p:sp>
@@ -2387,7 +2949,7 @@
           </a:ln>
         </p:spPr>
         <p:txBody>
-          <a:bodyPr lIns="91440" rIns="91440" tIns="45720" bIns="45720" anchor="ctr">
+          <a:bodyPr lIns="91440" tIns="45720" rIns="91440" bIns="45720" anchor="ctr">
             <a:noAutofit/>
           </a:bodyPr>
           <a:lstStyle>
@@ -2397,9 +2959,9 @@
               </a:lnSpc>
               <a:buNone/>
               <a:tabLst>
-                <a:tab algn="l" pos="0"/>
+                <a:tab pos="0" algn="l"/>
               </a:tabLst>
-              <a:defRPr b="0" lang="es-ES" sz="1200" strike="noStrike" u="none">
+              <a:defRPr lang="es-ES" sz="1200" b="0" u="none" strike="noStrike">
                 <a:solidFill>
                   <a:srgbClr val="888888"/>
                 </a:solidFill>
@@ -2416,11 +2978,11 @@
               </a:lnSpc>
               <a:buNone/>
               <a:tabLst>
-                <a:tab algn="l" pos="0"/>
+                <a:tab pos="0" algn="l"/>
               </a:tabLst>
             </a:pPr>
             <a:fld id="{8AB1ED51-FCD2-4014-8243-8E9C1B34B337}" type="slidenum">
-              <a:rPr b="0" lang="es-ES" sz="1200" strike="noStrike" u="none">
+              <a:rPr lang="es-ES" sz="1200" b="0" u="none" strike="noStrike">
                 <a:solidFill>
                   <a:srgbClr val="888888"/>
                 </a:solidFill>
@@ -2428,9 +2990,9 @@
                 <a:latin typeface="Calibri"/>
                 <a:ea typeface="Calibri"/>
               </a:rPr>
-              <a:t>&lt;number&gt;</a:t>
+              <a:t>‹Nº›</a:t>
             </a:fld>
-            <a:endParaRPr b="0" lang="es-MX" sz="1200" strike="noStrike" u="none">
+            <a:endParaRPr lang="es-MX" sz="1200" b="0" u="none" strike="noStrike">
               <a:solidFill>
                 <a:srgbClr val="000000"/>
               </a:solidFill>
@@ -2464,13 +3026,13 @@
           </a:ln>
         </p:spPr>
         <p:txBody>
-          <a:bodyPr lIns="91440" rIns="91440" tIns="45720" bIns="45720" anchor="ctr">
+          <a:bodyPr lIns="91440" tIns="45720" rIns="91440" bIns="45720" anchor="ctr">
             <a:noAutofit/>
           </a:bodyPr>
           <a:lstStyle>
             <a:lvl1pPr indent="0">
               <a:buNone/>
-              <a:defRPr b="0" lang="es-MX" sz="1400" strike="noStrike" u="none">
+              <a:defRPr lang="es-MX" sz="1400" b="0" u="none" strike="noStrike">
                 <a:solidFill>
                   <a:srgbClr val="000000"/>
                 </a:solidFill>
@@ -2484,7 +3046,7 @@
               <a:buNone/>
             </a:pPr>
             <a:r>
-              <a:rPr b="0" lang="es-MX" sz="1400" strike="noStrike" u="none">
+              <a:rPr lang="es-MX" sz="1400" b="0" u="none" strike="noStrike">
                 <a:solidFill>
                   <a:srgbClr val="000000"/>
                 </a:solidFill>
@@ -2493,13 +3055,6 @@
               </a:rPr>
               <a:t>&lt;date/time&gt;</a:t>
             </a:r>
-            <a:endParaRPr b="0" lang="es-MX" sz="1400" strike="noStrike" u="none">
-              <a:solidFill>
-                <a:srgbClr val="000000"/>
-              </a:solidFill>
-              <a:uFillTx/>
-              <a:latin typeface="Times New Roman"/>
-            </a:endParaRPr>
           </a:p>
         </p:txBody>
       </p:sp>
@@ -2507,19 +3062,300 @@
   </p:cSld>
   <p:clrMap bg1="lt1" tx1="dk1" bg2="dk2" tx2="lt2" accent1="accent1" accent2="accent2" accent3="accent3" accent4="accent4" accent5="accent5" accent6="accent6" hlink="hlink" folHlink="folHlink"/>
   <p:sldLayoutIdLst>
-    <p:sldLayoutId id="2147483653" r:id="rId2"/>
+    <p:sldLayoutId id="2147483653" r:id="rId1"/>
   </p:sldLayoutIdLst>
+  <p:txStyles>
+    <p:titleStyle>
+      <a:lvl1pPr algn="l" defTabSz="914400" rtl="0" eaLnBrk="1" latinLnBrk="0" hangingPunct="1">
+        <a:lnSpc>
+          <a:spcPct val="90000"/>
+        </a:lnSpc>
+        <a:spcBef>
+          <a:spcPct val="0"/>
+        </a:spcBef>
+        <a:buNone/>
+        <a:defRPr sz="4400" kern="1200">
+          <a:solidFill>
+            <a:schemeClr val="tx1"/>
+          </a:solidFill>
+          <a:latin typeface="+mj-lt"/>
+          <a:ea typeface="+mj-ea"/>
+          <a:cs typeface="+mj-cs"/>
+        </a:defRPr>
+      </a:lvl1pPr>
+    </p:titleStyle>
+    <p:bodyStyle>
+      <a:lvl1pPr marL="228600" indent="-228600" algn="l" defTabSz="914400" rtl="0" eaLnBrk="1" latinLnBrk="0" hangingPunct="1">
+        <a:lnSpc>
+          <a:spcPct val="90000"/>
+        </a:lnSpc>
+        <a:spcBef>
+          <a:spcPts val="1000"/>
+        </a:spcBef>
+        <a:buFont typeface="Arial" panose="020B0604020202020204" pitchFamily="34" charset="0"/>
+        <a:buChar char="•"/>
+        <a:defRPr sz="2800" kern="1200">
+          <a:solidFill>
+            <a:schemeClr val="tx1"/>
+          </a:solidFill>
+          <a:latin typeface="+mn-lt"/>
+          <a:ea typeface="+mn-ea"/>
+          <a:cs typeface="+mn-cs"/>
+        </a:defRPr>
+      </a:lvl1pPr>
+      <a:lvl2pPr marL="685800" indent="-228600" algn="l" defTabSz="914400" rtl="0" eaLnBrk="1" latinLnBrk="0" hangingPunct="1">
+        <a:lnSpc>
+          <a:spcPct val="90000"/>
+        </a:lnSpc>
+        <a:spcBef>
+          <a:spcPts val="500"/>
+        </a:spcBef>
+        <a:buFont typeface="Arial" panose="020B0604020202020204" pitchFamily="34" charset="0"/>
+        <a:buChar char="•"/>
+        <a:defRPr sz="2400" kern="1200">
+          <a:solidFill>
+            <a:schemeClr val="tx1"/>
+          </a:solidFill>
+          <a:latin typeface="+mn-lt"/>
+          <a:ea typeface="+mn-ea"/>
+          <a:cs typeface="+mn-cs"/>
+        </a:defRPr>
+      </a:lvl2pPr>
+      <a:lvl3pPr marL="1143000" indent="-228600" algn="l" defTabSz="914400" rtl="0" eaLnBrk="1" latinLnBrk="0" hangingPunct="1">
+        <a:lnSpc>
+          <a:spcPct val="90000"/>
+        </a:lnSpc>
+        <a:spcBef>
+          <a:spcPts val="500"/>
+        </a:spcBef>
+        <a:buFont typeface="Arial" panose="020B0604020202020204" pitchFamily="34" charset="0"/>
+        <a:buChar char="•"/>
+        <a:defRPr sz="2000" kern="1200">
+          <a:solidFill>
+            <a:schemeClr val="tx1"/>
+          </a:solidFill>
+          <a:latin typeface="+mn-lt"/>
+          <a:ea typeface="+mn-ea"/>
+          <a:cs typeface="+mn-cs"/>
+        </a:defRPr>
+      </a:lvl3pPr>
+      <a:lvl4pPr marL="1600200" indent="-228600" algn="l" defTabSz="914400" rtl="0" eaLnBrk="1" latinLnBrk="0" hangingPunct="1">
+        <a:lnSpc>
+          <a:spcPct val="90000"/>
+        </a:lnSpc>
+        <a:spcBef>
+          <a:spcPts val="500"/>
+        </a:spcBef>
+        <a:buFont typeface="Arial" panose="020B0604020202020204" pitchFamily="34" charset="0"/>
+        <a:buChar char="•"/>
+        <a:defRPr sz="1800" kern="1200">
+          <a:solidFill>
+            <a:schemeClr val="tx1"/>
+          </a:solidFill>
+          <a:latin typeface="+mn-lt"/>
+          <a:ea typeface="+mn-ea"/>
+          <a:cs typeface="+mn-cs"/>
+        </a:defRPr>
+      </a:lvl4pPr>
+      <a:lvl5pPr marL="2057400" indent="-228600" algn="l" defTabSz="914400" rtl="0" eaLnBrk="1" latinLnBrk="0" hangingPunct="1">
+        <a:lnSpc>
+          <a:spcPct val="90000"/>
+        </a:lnSpc>
+        <a:spcBef>
+          <a:spcPts val="500"/>
+        </a:spcBef>
+        <a:buFont typeface="Arial" panose="020B0604020202020204" pitchFamily="34" charset="0"/>
+        <a:buChar char="•"/>
+        <a:defRPr sz="1800" kern="1200">
+          <a:solidFill>
+            <a:schemeClr val="tx1"/>
+          </a:solidFill>
+          <a:latin typeface="+mn-lt"/>
+          <a:ea typeface="+mn-ea"/>
+          <a:cs typeface="+mn-cs"/>
+        </a:defRPr>
+      </a:lvl5pPr>
+      <a:lvl6pPr marL="2514600" indent="-228600" algn="l" defTabSz="914400" rtl="0" eaLnBrk="1" latinLnBrk="0" hangingPunct="1">
+        <a:lnSpc>
+          <a:spcPct val="90000"/>
+        </a:lnSpc>
+        <a:spcBef>
+          <a:spcPts val="500"/>
+        </a:spcBef>
+        <a:buFont typeface="Arial" panose="020B0604020202020204" pitchFamily="34" charset="0"/>
+        <a:buChar char="•"/>
+        <a:defRPr sz="1800" kern="1200">
+          <a:solidFill>
+            <a:schemeClr val="tx1"/>
+          </a:solidFill>
+          <a:latin typeface="+mn-lt"/>
+          <a:ea typeface="+mn-ea"/>
+          <a:cs typeface="+mn-cs"/>
+        </a:defRPr>
+      </a:lvl6pPr>
+      <a:lvl7pPr marL="2971800" indent="-228600" algn="l" defTabSz="914400" rtl="0" eaLnBrk="1" latinLnBrk="0" hangingPunct="1">
+        <a:lnSpc>
+          <a:spcPct val="90000"/>
+        </a:lnSpc>
+        <a:spcBef>
+          <a:spcPts val="500"/>
+        </a:spcBef>
+        <a:buFont typeface="Arial" panose="020B0604020202020204" pitchFamily="34" charset="0"/>
+        <a:buChar char="•"/>
+        <a:defRPr sz="1800" kern="1200">
+          <a:solidFill>
+            <a:schemeClr val="tx1"/>
+          </a:solidFill>
+          <a:latin typeface="+mn-lt"/>
+          <a:ea typeface="+mn-ea"/>
+          <a:cs typeface="+mn-cs"/>
+        </a:defRPr>
+      </a:lvl7pPr>
+      <a:lvl8pPr marL="3429000" indent="-228600" algn="l" defTabSz="914400" rtl="0" eaLnBrk="1" latinLnBrk="0" hangingPunct="1">
+        <a:lnSpc>
+          <a:spcPct val="90000"/>
+        </a:lnSpc>
+        <a:spcBef>
+          <a:spcPts val="500"/>
+        </a:spcBef>
+        <a:buFont typeface="Arial" panose="020B0604020202020204" pitchFamily="34" charset="0"/>
+        <a:buChar char="•"/>
+        <a:defRPr sz="1800" kern="1200">
+          <a:solidFill>
+            <a:schemeClr val="tx1"/>
+          </a:solidFill>
+          <a:latin typeface="+mn-lt"/>
+          <a:ea typeface="+mn-ea"/>
+          <a:cs typeface="+mn-cs"/>
+        </a:defRPr>
+      </a:lvl8pPr>
+      <a:lvl9pPr marL="3886200" indent="-228600" algn="l" defTabSz="914400" rtl="0" eaLnBrk="1" latinLnBrk="0" hangingPunct="1">
+        <a:lnSpc>
+          <a:spcPct val="90000"/>
+        </a:lnSpc>
+        <a:spcBef>
+          <a:spcPts val="500"/>
+        </a:spcBef>
+        <a:buFont typeface="Arial" panose="020B0604020202020204" pitchFamily="34" charset="0"/>
+        <a:buChar char="•"/>
+        <a:defRPr sz="1800" kern="1200">
+          <a:solidFill>
+            <a:schemeClr val="tx1"/>
+          </a:solidFill>
+          <a:latin typeface="+mn-lt"/>
+          <a:ea typeface="+mn-ea"/>
+          <a:cs typeface="+mn-cs"/>
+        </a:defRPr>
+      </a:lvl9pPr>
+    </p:bodyStyle>
+    <p:otherStyle>
+      <a:defPPr>
+        <a:defRPr lang="es-MX"/>
+      </a:defPPr>
+      <a:lvl1pPr marL="0" algn="l" defTabSz="914400" rtl="0" eaLnBrk="1" latinLnBrk="0" hangingPunct="1">
+        <a:defRPr sz="1800" kern="1200">
+          <a:solidFill>
+            <a:schemeClr val="tx1"/>
+          </a:solidFill>
+          <a:latin typeface="+mn-lt"/>
+          <a:ea typeface="+mn-ea"/>
+          <a:cs typeface="+mn-cs"/>
+        </a:defRPr>
+      </a:lvl1pPr>
+      <a:lvl2pPr marL="457200" algn="l" defTabSz="914400" rtl="0" eaLnBrk="1" latinLnBrk="0" hangingPunct="1">
+        <a:defRPr sz="1800" kern="1200">
+          <a:solidFill>
+            <a:schemeClr val="tx1"/>
+          </a:solidFill>
+          <a:latin typeface="+mn-lt"/>
+          <a:ea typeface="+mn-ea"/>
+          <a:cs typeface="+mn-cs"/>
+        </a:defRPr>
+      </a:lvl2pPr>
+      <a:lvl3pPr marL="914400" algn="l" defTabSz="914400" rtl="0" eaLnBrk="1" latinLnBrk="0" hangingPunct="1">
+        <a:defRPr sz="1800" kern="1200">
+          <a:solidFill>
+            <a:schemeClr val="tx1"/>
+          </a:solidFill>
+          <a:latin typeface="+mn-lt"/>
+          <a:ea typeface="+mn-ea"/>
+          <a:cs typeface="+mn-cs"/>
+        </a:defRPr>
+      </a:lvl3pPr>
+      <a:lvl4pPr marL="1371600" algn="l" defTabSz="914400" rtl="0" eaLnBrk="1" latinLnBrk="0" hangingPunct="1">
+        <a:defRPr sz="1800" kern="1200">
+          <a:solidFill>
+            <a:schemeClr val="tx1"/>
+          </a:solidFill>
+          <a:latin typeface="+mn-lt"/>
+          <a:ea typeface="+mn-ea"/>
+          <a:cs typeface="+mn-cs"/>
+        </a:defRPr>
+      </a:lvl4pPr>
+      <a:lvl5pPr marL="1828800" algn="l" defTabSz="914400" rtl="0" eaLnBrk="1" latinLnBrk="0" hangingPunct="1">
+        <a:defRPr sz="1800" kern="1200">
+          <a:solidFill>
+            <a:schemeClr val="tx1"/>
+          </a:solidFill>
+          <a:latin typeface="+mn-lt"/>
+          <a:ea typeface="+mn-ea"/>
+          <a:cs typeface="+mn-cs"/>
+        </a:defRPr>
+      </a:lvl5pPr>
+      <a:lvl6pPr marL="2286000" algn="l" defTabSz="914400" rtl="0" eaLnBrk="1" latinLnBrk="0" hangingPunct="1">
+        <a:defRPr sz="1800" kern="1200">
+          <a:solidFill>
+            <a:schemeClr val="tx1"/>
+          </a:solidFill>
+          <a:latin typeface="+mn-lt"/>
+          <a:ea typeface="+mn-ea"/>
+          <a:cs typeface="+mn-cs"/>
+        </a:defRPr>
+      </a:lvl6pPr>
+      <a:lvl7pPr marL="2743200" algn="l" defTabSz="914400" rtl="0" eaLnBrk="1" latinLnBrk="0" hangingPunct="1">
+        <a:defRPr sz="1800" kern="1200">
+          <a:solidFill>
+            <a:schemeClr val="tx1"/>
+          </a:solidFill>
+          <a:latin typeface="+mn-lt"/>
+          <a:ea typeface="+mn-ea"/>
+          <a:cs typeface="+mn-cs"/>
+        </a:defRPr>
+      </a:lvl7pPr>
+      <a:lvl8pPr marL="3200400" algn="l" defTabSz="914400" rtl="0" eaLnBrk="1" latinLnBrk="0" hangingPunct="1">
+        <a:defRPr sz="1800" kern="1200">
+          <a:solidFill>
+            <a:schemeClr val="tx1"/>
+          </a:solidFill>
+          <a:latin typeface="+mn-lt"/>
+          <a:ea typeface="+mn-ea"/>
+          <a:cs typeface="+mn-cs"/>
+        </a:defRPr>
+      </a:lvl8pPr>
+      <a:lvl9pPr marL="3657600" algn="l" defTabSz="914400" rtl="0" eaLnBrk="1" latinLnBrk="0" hangingPunct="1">
+        <a:defRPr sz="1800" kern="1200">
+          <a:solidFill>
+            <a:schemeClr val="tx1"/>
+          </a:solidFill>
+          <a:latin typeface="+mn-lt"/>
+          <a:ea typeface="+mn-ea"/>
+          <a:cs typeface="+mn-cs"/>
+        </a:defRPr>
+      </a:lvl9pPr>
+    </p:otherStyle>
+  </p:txStyles>
 </p:sldMaster>
 </file>
 
 <file path=ppt/slideMasters/slideMaster4.xml><?xml version="1.0" encoding="utf-8"?>
-<p:sldMaster xmlns:a="http://schemas.openxmlformats.org/drawingml/2006/main" xmlns:p="http://schemas.openxmlformats.org/presentationml/2006/main" xmlns:r="http://schemas.openxmlformats.org/officeDocument/2006/relationships" xmlns:p14="http://schemas.microsoft.com/office/powerpoint/2010/main" xmlns:p15="http://schemas.microsoft.com/office/powerpoint/2012/main" xmlns:mc="http://schemas.openxmlformats.org/markup-compatibility/2006">
+<p:sldMaster xmlns:a="http://schemas.openxmlformats.org/drawingml/2006/main" xmlns:r="http://schemas.openxmlformats.org/officeDocument/2006/relationships" xmlns:p="http://schemas.openxmlformats.org/presentationml/2006/main">
   <p:cSld>
     <p:bg>
       <p:bgPr>
         <a:solidFill>
           <a:schemeClr val="lt1"/>
         </a:solidFill>
+        <a:effectLst/>
       </p:bgPr>
     </p:bg>
     <p:spTree>
@@ -2551,32 +3387,39 @@
             <a:avLst/>
           </a:prstGeom>
           <a:solidFill>
-            <a:srgbClr val="004c8d"/>
+            <a:srgbClr val="004C8D"/>
           </a:solidFill>
           <a:ln w="0">
             <a:noFill/>
           </a:ln>
         </p:spPr>
         <p:style>
-          <a:lnRef idx="0"/>
-          <a:fillRef idx="0"/>
-          <a:effectRef idx="0"/>
+          <a:lnRef idx="0">
+            <a:scrgbClr r="0" g="0" b="0"/>
+          </a:lnRef>
+          <a:fillRef idx="0">
+            <a:scrgbClr r="0" g="0" b="0"/>
+          </a:fillRef>
+          <a:effectRef idx="0">
+            <a:scrgbClr r="0" g="0" b="0"/>
+          </a:effectRef>
           <a:fontRef idx="minor"/>
         </p:style>
         <p:txBody>
-          <a:bodyPr lIns="90000" rIns="90000" tIns="45000" bIns="45000" anchor="ctr">
+          <a:bodyPr lIns="90000" tIns="45000" rIns="90000" bIns="45000" anchor="ctr">
             <a:noAutofit/>
           </a:bodyPr>
+          <a:lstStyle/>
           <a:p>
             <a:pPr algn="ctr">
               <a:lnSpc>
                 <a:spcPct val="100000"/>
               </a:lnSpc>
               <a:tabLst>
-                <a:tab algn="l" pos="0"/>
+                <a:tab pos="0" algn="l"/>
               </a:tabLst>
             </a:pPr>
-            <a:endParaRPr b="0" lang="es-MX" sz="1800" strike="noStrike" u="none">
+            <a:endParaRPr lang="es-MX" sz="1800" b="0" u="none" strike="noStrike">
               <a:solidFill>
                 <a:schemeClr val="lt1"/>
               </a:solidFill>
@@ -2607,22 +3450,29 @@
           </a:ln>
         </p:spPr>
         <p:style>
-          <a:lnRef idx="0"/>
-          <a:fillRef idx="0"/>
-          <a:effectRef idx="0"/>
+          <a:lnRef idx="0">
+            <a:scrgbClr r="0" g="0" b="0"/>
+          </a:lnRef>
+          <a:fillRef idx="0">
+            <a:scrgbClr r="0" g="0" b="0"/>
+          </a:fillRef>
+          <a:effectRef idx="0">
+            <a:scrgbClr r="0" g="0" b="0"/>
+          </a:effectRef>
           <a:fontRef idx="minor"/>
         </p:style>
         <p:txBody>
-          <a:bodyPr lIns="90000" rIns="90000" tIns="45000" bIns="45000" anchor="t">
+          <a:bodyPr lIns="90000" tIns="45000" rIns="90000" bIns="45000" anchor="t">
             <a:noAutofit/>
           </a:bodyPr>
+          <a:lstStyle/>
           <a:p>
             <a:pPr>
               <a:lnSpc>
                 <a:spcPct val="100000"/>
               </a:lnSpc>
             </a:pPr>
-            <a:endParaRPr b="0" lang="es-MX" sz="1800" strike="noStrike" u="none">
+            <a:endParaRPr lang="es-MX" sz="1800" b="0" u="none" strike="noStrike">
               <a:solidFill>
                 <a:srgbClr val="000000"/>
               </a:solidFill>
@@ -2656,7 +3506,7 @@
           </a:ln>
         </p:spPr>
         <p:txBody>
-          <a:bodyPr lIns="91440" rIns="91440" tIns="45720" bIns="45720" anchor="ctr">
+          <a:bodyPr lIns="91440" tIns="45720" rIns="91440" bIns="45720" anchor="ctr">
             <a:noAutofit/>
           </a:bodyPr>
           <a:lstStyle>
@@ -2666,9 +3516,9 @@
               </a:lnSpc>
               <a:buNone/>
               <a:tabLst>
-                <a:tab algn="l" pos="0"/>
+                <a:tab pos="0" algn="l"/>
               </a:tabLst>
-              <a:defRPr b="0" lang="es-MX" sz="1400" strike="noStrike" u="none">
+              <a:defRPr lang="es-MX" sz="1400" b="0" u="none" strike="noStrike">
                 <a:solidFill>
                   <a:srgbClr val="000000"/>
                 </a:solidFill>
@@ -2684,11 +3534,11 @@
               </a:lnSpc>
               <a:buNone/>
               <a:tabLst>
-                <a:tab algn="l" pos="0"/>
+                <a:tab pos="0" algn="l"/>
               </a:tabLst>
             </a:pPr>
             <a:r>
-              <a:rPr b="0" lang="es-MX" sz="1400" strike="noStrike" u="none">
+              <a:rPr lang="es-MX" sz="1400" b="0" u="none" strike="noStrike">
                 <a:solidFill>
                   <a:srgbClr val="000000"/>
                 </a:solidFill>
@@ -2697,13 +3547,6 @@
               </a:rPr>
               <a:t>&lt;footer&gt;</a:t>
             </a:r>
-            <a:endParaRPr b="0" lang="es-MX" sz="1400" strike="noStrike" u="none">
-              <a:solidFill>
-                <a:srgbClr val="000000"/>
-              </a:solidFill>
-              <a:uFillTx/>
-              <a:latin typeface="Times New Roman"/>
-            </a:endParaRPr>
           </a:p>
         </p:txBody>
       </p:sp>
@@ -2731,7 +3574,7 @@
           </a:ln>
         </p:spPr>
         <p:txBody>
-          <a:bodyPr lIns="91440" rIns="91440" tIns="45720" bIns="45720" anchor="ctr">
+          <a:bodyPr lIns="91440" tIns="45720" rIns="91440" bIns="45720" anchor="ctr">
             <a:noAutofit/>
           </a:bodyPr>
           <a:lstStyle>
@@ -2741,9 +3584,9 @@
               </a:lnSpc>
               <a:buNone/>
               <a:tabLst>
-                <a:tab algn="l" pos="0"/>
+                <a:tab pos="0" algn="l"/>
               </a:tabLst>
-              <a:defRPr b="0" lang="es-ES" sz="1200" strike="noStrike" u="none">
+              <a:defRPr lang="es-ES" sz="1200" b="0" u="none" strike="noStrike">
                 <a:solidFill>
                   <a:srgbClr val="888888"/>
                 </a:solidFill>
@@ -2760,11 +3603,11 @@
               </a:lnSpc>
               <a:buNone/>
               <a:tabLst>
-                <a:tab algn="l" pos="0"/>
+                <a:tab pos="0" algn="l"/>
               </a:tabLst>
             </a:pPr>
             <a:fld id="{5ED9A601-5BA1-4765-9E07-38EFCD936A59}" type="slidenum">
-              <a:rPr b="0" lang="es-ES" sz="1200" strike="noStrike" u="none">
+              <a:rPr lang="es-ES" sz="1200" b="0" u="none" strike="noStrike">
                 <a:solidFill>
                   <a:srgbClr val="888888"/>
                 </a:solidFill>
@@ -2772,9 +3615,9 @@
                 <a:latin typeface="Calibri"/>
                 <a:ea typeface="Calibri"/>
               </a:rPr>
-              <a:t>&lt;number&gt;</a:t>
+              <a:t>‹Nº›</a:t>
             </a:fld>
-            <a:endParaRPr b="0" lang="es-MX" sz="1200" strike="noStrike" u="none">
+            <a:endParaRPr lang="es-MX" sz="1200" b="0" u="none" strike="noStrike">
               <a:solidFill>
                 <a:srgbClr val="000000"/>
               </a:solidFill>
@@ -2808,13 +3651,13 @@
           </a:ln>
         </p:spPr>
         <p:txBody>
-          <a:bodyPr lIns="91440" rIns="91440" tIns="45720" bIns="45720" anchor="ctr">
+          <a:bodyPr lIns="91440" tIns="45720" rIns="91440" bIns="45720" anchor="ctr">
             <a:noAutofit/>
           </a:bodyPr>
           <a:lstStyle>
             <a:lvl1pPr indent="0">
               <a:buNone/>
-              <a:defRPr b="0" lang="es-MX" sz="1400" strike="noStrike" u="none">
+              <a:defRPr lang="es-MX" sz="1400" b="0" u="none" strike="noStrike">
                 <a:solidFill>
                   <a:srgbClr val="000000"/>
                 </a:solidFill>
@@ -2828,7 +3671,7 @@
               <a:buNone/>
             </a:pPr>
             <a:r>
-              <a:rPr b="0" lang="es-MX" sz="1400" strike="noStrike" u="none">
+              <a:rPr lang="es-MX" sz="1400" b="0" u="none" strike="noStrike">
                 <a:solidFill>
                   <a:srgbClr val="000000"/>
                 </a:solidFill>
@@ -2837,13 +3680,6 @@
               </a:rPr>
               <a:t>&lt;date/time&gt;</a:t>
             </a:r>
-            <a:endParaRPr b="0" lang="es-MX" sz="1400" strike="noStrike" u="none">
-              <a:solidFill>
-                <a:srgbClr val="000000"/>
-              </a:solidFill>
-              <a:uFillTx/>
-              <a:latin typeface="Times New Roman"/>
-            </a:endParaRPr>
           </a:p>
         </p:txBody>
       </p:sp>
@@ -2851,19 +3687,300 @@
   </p:cSld>
   <p:clrMap bg1="lt1" tx1="dk1" bg2="dk2" tx2="lt2" accent1="accent1" accent2="accent2" accent3="accent3" accent4="accent4" accent5="accent5" accent6="accent6" hlink="hlink" folHlink="folHlink"/>
   <p:sldLayoutIdLst>
-    <p:sldLayoutId id="2147483655" r:id="rId2"/>
+    <p:sldLayoutId id="2147483655" r:id="rId1"/>
   </p:sldLayoutIdLst>
+  <p:txStyles>
+    <p:titleStyle>
+      <a:lvl1pPr algn="l" defTabSz="914400" rtl="0" eaLnBrk="1" latinLnBrk="0" hangingPunct="1">
+        <a:lnSpc>
+          <a:spcPct val="90000"/>
+        </a:lnSpc>
+        <a:spcBef>
+          <a:spcPct val="0"/>
+        </a:spcBef>
+        <a:buNone/>
+        <a:defRPr sz="4400" kern="1200">
+          <a:solidFill>
+            <a:schemeClr val="tx1"/>
+          </a:solidFill>
+          <a:latin typeface="+mj-lt"/>
+          <a:ea typeface="+mj-ea"/>
+          <a:cs typeface="+mj-cs"/>
+        </a:defRPr>
+      </a:lvl1pPr>
+    </p:titleStyle>
+    <p:bodyStyle>
+      <a:lvl1pPr marL="228600" indent="-228600" algn="l" defTabSz="914400" rtl="0" eaLnBrk="1" latinLnBrk="0" hangingPunct="1">
+        <a:lnSpc>
+          <a:spcPct val="90000"/>
+        </a:lnSpc>
+        <a:spcBef>
+          <a:spcPts val="1000"/>
+        </a:spcBef>
+        <a:buFont typeface="Arial" panose="020B0604020202020204" pitchFamily="34" charset="0"/>
+        <a:buChar char="•"/>
+        <a:defRPr sz="2800" kern="1200">
+          <a:solidFill>
+            <a:schemeClr val="tx1"/>
+          </a:solidFill>
+          <a:latin typeface="+mn-lt"/>
+          <a:ea typeface="+mn-ea"/>
+          <a:cs typeface="+mn-cs"/>
+        </a:defRPr>
+      </a:lvl1pPr>
+      <a:lvl2pPr marL="685800" indent="-228600" algn="l" defTabSz="914400" rtl="0" eaLnBrk="1" latinLnBrk="0" hangingPunct="1">
+        <a:lnSpc>
+          <a:spcPct val="90000"/>
+        </a:lnSpc>
+        <a:spcBef>
+          <a:spcPts val="500"/>
+        </a:spcBef>
+        <a:buFont typeface="Arial" panose="020B0604020202020204" pitchFamily="34" charset="0"/>
+        <a:buChar char="•"/>
+        <a:defRPr sz="2400" kern="1200">
+          <a:solidFill>
+            <a:schemeClr val="tx1"/>
+          </a:solidFill>
+          <a:latin typeface="+mn-lt"/>
+          <a:ea typeface="+mn-ea"/>
+          <a:cs typeface="+mn-cs"/>
+        </a:defRPr>
+      </a:lvl2pPr>
+      <a:lvl3pPr marL="1143000" indent="-228600" algn="l" defTabSz="914400" rtl="0" eaLnBrk="1" latinLnBrk="0" hangingPunct="1">
+        <a:lnSpc>
+          <a:spcPct val="90000"/>
+        </a:lnSpc>
+        <a:spcBef>
+          <a:spcPts val="500"/>
+        </a:spcBef>
+        <a:buFont typeface="Arial" panose="020B0604020202020204" pitchFamily="34" charset="0"/>
+        <a:buChar char="•"/>
+        <a:defRPr sz="2000" kern="1200">
+          <a:solidFill>
+            <a:schemeClr val="tx1"/>
+          </a:solidFill>
+          <a:latin typeface="+mn-lt"/>
+          <a:ea typeface="+mn-ea"/>
+          <a:cs typeface="+mn-cs"/>
+        </a:defRPr>
+      </a:lvl3pPr>
+      <a:lvl4pPr marL="1600200" indent="-228600" algn="l" defTabSz="914400" rtl="0" eaLnBrk="1" latinLnBrk="0" hangingPunct="1">
+        <a:lnSpc>
+          <a:spcPct val="90000"/>
+        </a:lnSpc>
+        <a:spcBef>
+          <a:spcPts val="500"/>
+        </a:spcBef>
+        <a:buFont typeface="Arial" panose="020B0604020202020204" pitchFamily="34" charset="0"/>
+        <a:buChar char="•"/>
+        <a:defRPr sz="1800" kern="1200">
+          <a:solidFill>
+            <a:schemeClr val="tx1"/>
+          </a:solidFill>
+          <a:latin typeface="+mn-lt"/>
+          <a:ea typeface="+mn-ea"/>
+          <a:cs typeface="+mn-cs"/>
+        </a:defRPr>
+      </a:lvl4pPr>
+      <a:lvl5pPr marL="2057400" indent="-228600" algn="l" defTabSz="914400" rtl="0" eaLnBrk="1" latinLnBrk="0" hangingPunct="1">
+        <a:lnSpc>
+          <a:spcPct val="90000"/>
+        </a:lnSpc>
+        <a:spcBef>
+          <a:spcPts val="500"/>
+        </a:spcBef>
+        <a:buFont typeface="Arial" panose="020B0604020202020204" pitchFamily="34" charset="0"/>
+        <a:buChar char="•"/>
+        <a:defRPr sz="1800" kern="1200">
+          <a:solidFill>
+            <a:schemeClr val="tx1"/>
+          </a:solidFill>
+          <a:latin typeface="+mn-lt"/>
+          <a:ea typeface="+mn-ea"/>
+          <a:cs typeface="+mn-cs"/>
+        </a:defRPr>
+      </a:lvl5pPr>
+      <a:lvl6pPr marL="2514600" indent="-228600" algn="l" defTabSz="914400" rtl="0" eaLnBrk="1" latinLnBrk="0" hangingPunct="1">
+        <a:lnSpc>
+          <a:spcPct val="90000"/>
+        </a:lnSpc>
+        <a:spcBef>
+          <a:spcPts val="500"/>
+        </a:spcBef>
+        <a:buFont typeface="Arial" panose="020B0604020202020204" pitchFamily="34" charset="0"/>
+        <a:buChar char="•"/>
+        <a:defRPr sz="1800" kern="1200">
+          <a:solidFill>
+            <a:schemeClr val="tx1"/>
+          </a:solidFill>
+          <a:latin typeface="+mn-lt"/>
+          <a:ea typeface="+mn-ea"/>
+          <a:cs typeface="+mn-cs"/>
+        </a:defRPr>
+      </a:lvl6pPr>
+      <a:lvl7pPr marL="2971800" indent="-228600" algn="l" defTabSz="914400" rtl="0" eaLnBrk="1" latinLnBrk="0" hangingPunct="1">
+        <a:lnSpc>
+          <a:spcPct val="90000"/>
+        </a:lnSpc>
+        <a:spcBef>
+          <a:spcPts val="500"/>
+        </a:spcBef>
+        <a:buFont typeface="Arial" panose="020B0604020202020204" pitchFamily="34" charset="0"/>
+        <a:buChar char="•"/>
+        <a:defRPr sz="1800" kern="1200">
+          <a:solidFill>
+            <a:schemeClr val="tx1"/>
+          </a:solidFill>
+          <a:latin typeface="+mn-lt"/>
+          <a:ea typeface="+mn-ea"/>
+          <a:cs typeface="+mn-cs"/>
+        </a:defRPr>
+      </a:lvl7pPr>
+      <a:lvl8pPr marL="3429000" indent="-228600" algn="l" defTabSz="914400" rtl="0" eaLnBrk="1" latinLnBrk="0" hangingPunct="1">
+        <a:lnSpc>
+          <a:spcPct val="90000"/>
+        </a:lnSpc>
+        <a:spcBef>
+          <a:spcPts val="500"/>
+        </a:spcBef>
+        <a:buFont typeface="Arial" panose="020B0604020202020204" pitchFamily="34" charset="0"/>
+        <a:buChar char="•"/>
+        <a:defRPr sz="1800" kern="1200">
+          <a:solidFill>
+            <a:schemeClr val="tx1"/>
+          </a:solidFill>
+          <a:latin typeface="+mn-lt"/>
+          <a:ea typeface="+mn-ea"/>
+          <a:cs typeface="+mn-cs"/>
+        </a:defRPr>
+      </a:lvl8pPr>
+      <a:lvl9pPr marL="3886200" indent="-228600" algn="l" defTabSz="914400" rtl="0" eaLnBrk="1" latinLnBrk="0" hangingPunct="1">
+        <a:lnSpc>
+          <a:spcPct val="90000"/>
+        </a:lnSpc>
+        <a:spcBef>
+          <a:spcPts val="500"/>
+        </a:spcBef>
+        <a:buFont typeface="Arial" panose="020B0604020202020204" pitchFamily="34" charset="0"/>
+        <a:buChar char="•"/>
+        <a:defRPr sz="1800" kern="1200">
+          <a:solidFill>
+            <a:schemeClr val="tx1"/>
+          </a:solidFill>
+          <a:latin typeface="+mn-lt"/>
+          <a:ea typeface="+mn-ea"/>
+          <a:cs typeface="+mn-cs"/>
+        </a:defRPr>
+      </a:lvl9pPr>
+    </p:bodyStyle>
+    <p:otherStyle>
+      <a:defPPr>
+        <a:defRPr lang="es-MX"/>
+      </a:defPPr>
+      <a:lvl1pPr marL="0" algn="l" defTabSz="914400" rtl="0" eaLnBrk="1" latinLnBrk="0" hangingPunct="1">
+        <a:defRPr sz="1800" kern="1200">
+          <a:solidFill>
+            <a:schemeClr val="tx1"/>
+          </a:solidFill>
+          <a:latin typeface="+mn-lt"/>
+          <a:ea typeface="+mn-ea"/>
+          <a:cs typeface="+mn-cs"/>
+        </a:defRPr>
+      </a:lvl1pPr>
+      <a:lvl2pPr marL="457200" algn="l" defTabSz="914400" rtl="0" eaLnBrk="1" latinLnBrk="0" hangingPunct="1">
+        <a:defRPr sz="1800" kern="1200">
+          <a:solidFill>
+            <a:schemeClr val="tx1"/>
+          </a:solidFill>
+          <a:latin typeface="+mn-lt"/>
+          <a:ea typeface="+mn-ea"/>
+          <a:cs typeface="+mn-cs"/>
+        </a:defRPr>
+      </a:lvl2pPr>
+      <a:lvl3pPr marL="914400" algn="l" defTabSz="914400" rtl="0" eaLnBrk="1" latinLnBrk="0" hangingPunct="1">
+        <a:defRPr sz="1800" kern="1200">
+          <a:solidFill>
+            <a:schemeClr val="tx1"/>
+          </a:solidFill>
+          <a:latin typeface="+mn-lt"/>
+          <a:ea typeface="+mn-ea"/>
+          <a:cs typeface="+mn-cs"/>
+        </a:defRPr>
+      </a:lvl3pPr>
+      <a:lvl4pPr marL="1371600" algn="l" defTabSz="914400" rtl="0" eaLnBrk="1" latinLnBrk="0" hangingPunct="1">
+        <a:defRPr sz="1800" kern="1200">
+          <a:solidFill>
+            <a:schemeClr val="tx1"/>
+          </a:solidFill>
+          <a:latin typeface="+mn-lt"/>
+          <a:ea typeface="+mn-ea"/>
+          <a:cs typeface="+mn-cs"/>
+        </a:defRPr>
+      </a:lvl4pPr>
+      <a:lvl5pPr marL="1828800" algn="l" defTabSz="914400" rtl="0" eaLnBrk="1" latinLnBrk="0" hangingPunct="1">
+        <a:defRPr sz="1800" kern="1200">
+          <a:solidFill>
+            <a:schemeClr val="tx1"/>
+          </a:solidFill>
+          <a:latin typeface="+mn-lt"/>
+          <a:ea typeface="+mn-ea"/>
+          <a:cs typeface="+mn-cs"/>
+        </a:defRPr>
+      </a:lvl5pPr>
+      <a:lvl6pPr marL="2286000" algn="l" defTabSz="914400" rtl="0" eaLnBrk="1" latinLnBrk="0" hangingPunct="1">
+        <a:defRPr sz="1800" kern="1200">
+          <a:solidFill>
+            <a:schemeClr val="tx1"/>
+          </a:solidFill>
+          <a:latin typeface="+mn-lt"/>
+          <a:ea typeface="+mn-ea"/>
+          <a:cs typeface="+mn-cs"/>
+        </a:defRPr>
+      </a:lvl6pPr>
+      <a:lvl7pPr marL="2743200" algn="l" defTabSz="914400" rtl="0" eaLnBrk="1" latinLnBrk="0" hangingPunct="1">
+        <a:defRPr sz="1800" kern="1200">
+          <a:solidFill>
+            <a:schemeClr val="tx1"/>
+          </a:solidFill>
+          <a:latin typeface="+mn-lt"/>
+          <a:ea typeface="+mn-ea"/>
+          <a:cs typeface="+mn-cs"/>
+        </a:defRPr>
+      </a:lvl7pPr>
+      <a:lvl8pPr marL="3200400" algn="l" defTabSz="914400" rtl="0" eaLnBrk="1" latinLnBrk="0" hangingPunct="1">
+        <a:defRPr sz="1800" kern="1200">
+          <a:solidFill>
+            <a:schemeClr val="tx1"/>
+          </a:solidFill>
+          <a:latin typeface="+mn-lt"/>
+          <a:ea typeface="+mn-ea"/>
+          <a:cs typeface="+mn-cs"/>
+        </a:defRPr>
+      </a:lvl8pPr>
+      <a:lvl9pPr marL="3657600" algn="l" defTabSz="914400" rtl="0" eaLnBrk="1" latinLnBrk="0" hangingPunct="1">
+        <a:defRPr sz="1800" kern="1200">
+          <a:solidFill>
+            <a:schemeClr val="tx1"/>
+          </a:solidFill>
+          <a:latin typeface="+mn-lt"/>
+          <a:ea typeface="+mn-ea"/>
+          <a:cs typeface="+mn-cs"/>
+        </a:defRPr>
+      </a:lvl9pPr>
+    </p:otherStyle>
+  </p:txStyles>
 </p:sldMaster>
 </file>
 
 <file path=ppt/slideMasters/slideMaster5.xml><?xml version="1.0" encoding="utf-8"?>
-<p:sldMaster xmlns:a="http://schemas.openxmlformats.org/drawingml/2006/main" xmlns:p="http://schemas.openxmlformats.org/presentationml/2006/main" xmlns:r="http://schemas.openxmlformats.org/officeDocument/2006/relationships" xmlns:p14="http://schemas.microsoft.com/office/powerpoint/2010/main" xmlns:p15="http://schemas.microsoft.com/office/powerpoint/2012/main" xmlns:mc="http://schemas.openxmlformats.org/markup-compatibility/2006">
+<p:sldMaster xmlns:a="http://schemas.openxmlformats.org/drawingml/2006/main" xmlns:r="http://schemas.openxmlformats.org/officeDocument/2006/relationships" xmlns:p="http://schemas.openxmlformats.org/presentationml/2006/main">
   <p:cSld>
     <p:bg>
       <p:bgPr>
         <a:solidFill>
           <a:schemeClr val="lt1"/>
         </a:solidFill>
+        <a:effectLst/>
       </p:bgPr>
     </p:bg>
     <p:spTree>
@@ -2895,32 +4012,39 @@
             <a:avLst/>
           </a:prstGeom>
           <a:solidFill>
-            <a:srgbClr val="004c8d"/>
+            <a:srgbClr val="004C8D"/>
           </a:solidFill>
           <a:ln w="0">
             <a:noFill/>
           </a:ln>
         </p:spPr>
         <p:style>
-          <a:lnRef idx="0"/>
-          <a:fillRef idx="0"/>
-          <a:effectRef idx="0"/>
+          <a:lnRef idx="0">
+            <a:scrgbClr r="0" g="0" b="0"/>
+          </a:lnRef>
+          <a:fillRef idx="0">
+            <a:scrgbClr r="0" g="0" b="0"/>
+          </a:fillRef>
+          <a:effectRef idx="0">
+            <a:scrgbClr r="0" g="0" b="0"/>
+          </a:effectRef>
           <a:fontRef idx="minor"/>
         </p:style>
         <p:txBody>
-          <a:bodyPr lIns="90000" rIns="90000" tIns="45000" bIns="45000" anchor="ctr">
+          <a:bodyPr lIns="90000" tIns="45000" rIns="90000" bIns="45000" anchor="ctr">
             <a:noAutofit/>
           </a:bodyPr>
+          <a:lstStyle/>
           <a:p>
             <a:pPr algn="ctr">
               <a:lnSpc>
                 <a:spcPct val="100000"/>
               </a:lnSpc>
               <a:tabLst>
-                <a:tab algn="l" pos="0"/>
+                <a:tab pos="0" algn="l"/>
               </a:tabLst>
             </a:pPr>
-            <a:endParaRPr b="0" lang="es-MX" sz="1800" strike="noStrike" u="none">
+            <a:endParaRPr lang="es-MX" sz="1800" b="0" u="none" strike="noStrike">
               <a:solidFill>
                 <a:schemeClr val="lt1"/>
               </a:solidFill>
@@ -2951,22 +4075,29 @@
           </a:ln>
         </p:spPr>
         <p:style>
-          <a:lnRef idx="0"/>
-          <a:fillRef idx="0"/>
-          <a:effectRef idx="0"/>
+          <a:lnRef idx="0">
+            <a:scrgbClr r="0" g="0" b="0"/>
+          </a:lnRef>
+          <a:fillRef idx="0">
+            <a:scrgbClr r="0" g="0" b="0"/>
+          </a:fillRef>
+          <a:effectRef idx="0">
+            <a:scrgbClr r="0" g="0" b="0"/>
+          </a:effectRef>
           <a:fontRef idx="minor"/>
         </p:style>
         <p:txBody>
-          <a:bodyPr lIns="90000" rIns="90000" tIns="45000" bIns="45000" anchor="t">
+          <a:bodyPr lIns="90000" tIns="45000" rIns="90000" bIns="45000" anchor="t">
             <a:noAutofit/>
           </a:bodyPr>
+          <a:lstStyle/>
           <a:p>
             <a:pPr>
               <a:lnSpc>
                 <a:spcPct val="100000"/>
               </a:lnSpc>
             </a:pPr>
-            <a:endParaRPr b="0" lang="es-MX" sz="1800" strike="noStrike" u="none">
+            <a:endParaRPr lang="es-MX" sz="1800" b="0" u="none" strike="noStrike">
               <a:solidFill>
                 <a:srgbClr val="000000"/>
               </a:solidFill>
@@ -3000,15 +4131,16 @@
           </a:ln>
         </p:spPr>
         <p:txBody>
-          <a:bodyPr lIns="0" rIns="0" tIns="0" bIns="0" anchor="ctr">
+          <a:bodyPr lIns="0" tIns="0" rIns="0" bIns="0" anchor="ctr">
             <a:noAutofit/>
           </a:bodyPr>
+          <a:lstStyle/>
           <a:p>
             <a:pPr indent="0">
               <a:buNone/>
             </a:pPr>
             <a:r>
-              <a:rPr b="0" lang="es-MX" sz="1800" strike="noStrike" u="none">
+              <a:rPr lang="es-MX" sz="1800" b="0" u="none" strike="noStrike">
                 <a:solidFill>
                   <a:srgbClr val="000000"/>
                 </a:solidFill>
@@ -3017,13 +4149,6 @@
               </a:rPr>
               <a:t>Click to edit the title text format</a:t>
             </a:r>
-            <a:endParaRPr b="0" lang="es-MX" sz="1800" strike="noStrike" u="none">
-              <a:solidFill>
-                <a:srgbClr val="000000"/>
-              </a:solidFill>
-              <a:uFillTx/>
-              <a:latin typeface="Arial"/>
-            </a:endParaRPr>
           </a:p>
         </p:txBody>
       </p:sp>
@@ -3051,7 +4176,7 @@
           </a:ln>
         </p:spPr>
         <p:txBody>
-          <a:bodyPr lIns="91440" rIns="91440" tIns="45720" bIns="45720" anchor="ctr">
+          <a:bodyPr lIns="91440" tIns="45720" rIns="91440" bIns="45720" anchor="ctr">
             <a:noAutofit/>
           </a:bodyPr>
           <a:lstStyle>
@@ -3061,9 +4186,9 @@
               </a:lnSpc>
               <a:buNone/>
               <a:tabLst>
-                <a:tab algn="l" pos="0"/>
+                <a:tab pos="0" algn="l"/>
               </a:tabLst>
-              <a:defRPr b="0" lang="es-MX" sz="1400" strike="noStrike" u="none">
+              <a:defRPr lang="es-MX" sz="1400" b="0" u="none" strike="noStrike">
                 <a:solidFill>
                   <a:srgbClr val="000000"/>
                 </a:solidFill>
@@ -3079,11 +4204,11 @@
               </a:lnSpc>
               <a:buNone/>
               <a:tabLst>
-                <a:tab algn="l" pos="0"/>
+                <a:tab pos="0" algn="l"/>
               </a:tabLst>
             </a:pPr>
             <a:r>
-              <a:rPr b="0" lang="es-MX" sz="1400" strike="noStrike" u="none">
+              <a:rPr lang="es-MX" sz="1400" b="0" u="none" strike="noStrike">
                 <a:solidFill>
                   <a:srgbClr val="000000"/>
                 </a:solidFill>
@@ -3092,13 +4217,6 @@
               </a:rPr>
               <a:t> </a:t>
             </a:r>
-            <a:endParaRPr b="0" lang="es-MX" sz="1400" strike="noStrike" u="none">
-              <a:solidFill>
-                <a:srgbClr val="000000"/>
-              </a:solidFill>
-              <a:uFillTx/>
-              <a:latin typeface="Times New Roman"/>
-            </a:endParaRPr>
           </a:p>
         </p:txBody>
       </p:sp>
@@ -3126,7 +4244,7 @@
           </a:ln>
         </p:spPr>
         <p:txBody>
-          <a:bodyPr lIns="91440" rIns="91440" tIns="45720" bIns="45720" anchor="ctr">
+          <a:bodyPr lIns="91440" tIns="45720" rIns="91440" bIns="45720" anchor="ctr">
             <a:noAutofit/>
           </a:bodyPr>
           <a:lstStyle>
@@ -3136,9 +4254,9 @@
               </a:lnSpc>
               <a:buNone/>
               <a:tabLst>
-                <a:tab algn="l" pos="0"/>
+                <a:tab pos="0" algn="l"/>
               </a:tabLst>
-              <a:defRPr b="0" lang="es-ES" sz="1200" strike="noStrike" u="none">
+              <a:defRPr lang="es-ES" sz="1200" b="0" u="none" strike="noStrike">
                 <a:solidFill>
                   <a:srgbClr val="888888"/>
                 </a:solidFill>
@@ -3155,11 +4273,11 @@
               </a:lnSpc>
               <a:buNone/>
               <a:tabLst>
-                <a:tab algn="l" pos="0"/>
+                <a:tab pos="0" algn="l"/>
               </a:tabLst>
             </a:pPr>
             <a:fld id="{1C3B2B88-4C46-4DF1-BCCD-3FE2D10F1C34}" type="slidenum">
-              <a:rPr b="0" lang="es-ES" sz="1200" strike="noStrike" u="none">
+              <a:rPr lang="es-ES" sz="1200" b="0" u="none" strike="noStrike">
                 <a:solidFill>
                   <a:srgbClr val="888888"/>
                 </a:solidFill>
@@ -3167,9 +4285,9 @@
                 <a:latin typeface="Calibri"/>
                 <a:ea typeface="Calibri"/>
               </a:rPr>
-              <a:t>1</a:t>
+              <a:t>‹Nº›</a:t>
             </a:fld>
-            <a:endParaRPr b="0" lang="es-MX" sz="1200" strike="noStrike" u="none">
+            <a:endParaRPr lang="es-MX" sz="1200" b="0" u="none" strike="noStrike">
               <a:solidFill>
                 <a:srgbClr val="000000"/>
               </a:solidFill>
@@ -3203,13 +4321,13 @@
           </a:ln>
         </p:spPr>
         <p:txBody>
-          <a:bodyPr lIns="91440" rIns="91440" tIns="45720" bIns="45720" anchor="ctr">
+          <a:bodyPr lIns="91440" tIns="45720" rIns="91440" bIns="45720" anchor="ctr">
             <a:noAutofit/>
           </a:bodyPr>
           <a:lstStyle>
             <a:lvl1pPr indent="0">
               <a:buNone/>
-              <a:defRPr b="0" lang="es-MX" sz="1400" strike="noStrike" u="none">
+              <a:defRPr lang="es-MX" sz="1400" b="0" u="none" strike="noStrike">
                 <a:solidFill>
                   <a:srgbClr val="000000"/>
                 </a:solidFill>
@@ -3223,7 +4341,7 @@
               <a:buNone/>
             </a:pPr>
             <a:r>
-              <a:rPr b="0" lang="es-MX" sz="1400" strike="noStrike" u="none">
+              <a:rPr lang="es-MX" sz="1400" b="0" u="none" strike="noStrike">
                 <a:solidFill>
                   <a:srgbClr val="000000"/>
                 </a:solidFill>
@@ -3232,13 +4350,6 @@
               </a:rPr>
               <a:t> </a:t>
             </a:r>
-            <a:endParaRPr b="0" lang="es-MX" sz="1400" strike="noStrike" u="none">
-              <a:solidFill>
-                <a:srgbClr val="000000"/>
-              </a:solidFill>
-              <a:uFillTx/>
-              <a:latin typeface="Times New Roman"/>
-            </a:endParaRPr>
           </a:p>
         </p:txBody>
       </p:sp>
@@ -3246,19 +4357,300 @@
   </p:cSld>
   <p:clrMap bg1="lt1" tx1="dk1" bg2="dk2" tx2="lt2" accent1="accent1" accent2="accent2" accent3="accent3" accent4="accent4" accent5="accent5" accent6="accent6" hlink="hlink" folHlink="folHlink"/>
   <p:sldLayoutIdLst>
-    <p:sldLayoutId id="2147483657" r:id="rId2"/>
+    <p:sldLayoutId id="2147483657" r:id="rId1"/>
   </p:sldLayoutIdLst>
+  <p:txStyles>
+    <p:titleStyle>
+      <a:lvl1pPr algn="l" defTabSz="914400" rtl="0" eaLnBrk="1" latinLnBrk="0" hangingPunct="1">
+        <a:lnSpc>
+          <a:spcPct val="90000"/>
+        </a:lnSpc>
+        <a:spcBef>
+          <a:spcPct val="0"/>
+        </a:spcBef>
+        <a:buNone/>
+        <a:defRPr sz="4400" kern="1200">
+          <a:solidFill>
+            <a:schemeClr val="tx1"/>
+          </a:solidFill>
+          <a:latin typeface="+mj-lt"/>
+          <a:ea typeface="+mj-ea"/>
+          <a:cs typeface="+mj-cs"/>
+        </a:defRPr>
+      </a:lvl1pPr>
+    </p:titleStyle>
+    <p:bodyStyle>
+      <a:lvl1pPr marL="228600" indent="-228600" algn="l" defTabSz="914400" rtl="0" eaLnBrk="1" latinLnBrk="0" hangingPunct="1">
+        <a:lnSpc>
+          <a:spcPct val="90000"/>
+        </a:lnSpc>
+        <a:spcBef>
+          <a:spcPts val="1000"/>
+        </a:spcBef>
+        <a:buFont typeface="Arial" panose="020B0604020202020204" pitchFamily="34" charset="0"/>
+        <a:buChar char="•"/>
+        <a:defRPr sz="2800" kern="1200">
+          <a:solidFill>
+            <a:schemeClr val="tx1"/>
+          </a:solidFill>
+          <a:latin typeface="+mn-lt"/>
+          <a:ea typeface="+mn-ea"/>
+          <a:cs typeface="+mn-cs"/>
+        </a:defRPr>
+      </a:lvl1pPr>
+      <a:lvl2pPr marL="685800" indent="-228600" algn="l" defTabSz="914400" rtl="0" eaLnBrk="1" latinLnBrk="0" hangingPunct="1">
+        <a:lnSpc>
+          <a:spcPct val="90000"/>
+        </a:lnSpc>
+        <a:spcBef>
+          <a:spcPts val="500"/>
+        </a:spcBef>
+        <a:buFont typeface="Arial" panose="020B0604020202020204" pitchFamily="34" charset="0"/>
+        <a:buChar char="•"/>
+        <a:defRPr sz="2400" kern="1200">
+          <a:solidFill>
+            <a:schemeClr val="tx1"/>
+          </a:solidFill>
+          <a:latin typeface="+mn-lt"/>
+          <a:ea typeface="+mn-ea"/>
+          <a:cs typeface="+mn-cs"/>
+        </a:defRPr>
+      </a:lvl2pPr>
+      <a:lvl3pPr marL="1143000" indent="-228600" algn="l" defTabSz="914400" rtl="0" eaLnBrk="1" latinLnBrk="0" hangingPunct="1">
+        <a:lnSpc>
+          <a:spcPct val="90000"/>
+        </a:lnSpc>
+        <a:spcBef>
+          <a:spcPts val="500"/>
+        </a:spcBef>
+        <a:buFont typeface="Arial" panose="020B0604020202020204" pitchFamily="34" charset="0"/>
+        <a:buChar char="•"/>
+        <a:defRPr sz="2000" kern="1200">
+          <a:solidFill>
+            <a:schemeClr val="tx1"/>
+          </a:solidFill>
+          <a:latin typeface="+mn-lt"/>
+          <a:ea typeface="+mn-ea"/>
+          <a:cs typeface="+mn-cs"/>
+        </a:defRPr>
+      </a:lvl3pPr>
+      <a:lvl4pPr marL="1600200" indent="-228600" algn="l" defTabSz="914400" rtl="0" eaLnBrk="1" latinLnBrk="0" hangingPunct="1">
+        <a:lnSpc>
+          <a:spcPct val="90000"/>
+        </a:lnSpc>
+        <a:spcBef>
+          <a:spcPts val="500"/>
+        </a:spcBef>
+        <a:buFont typeface="Arial" panose="020B0604020202020204" pitchFamily="34" charset="0"/>
+        <a:buChar char="•"/>
+        <a:defRPr sz="1800" kern="1200">
+          <a:solidFill>
+            <a:schemeClr val="tx1"/>
+          </a:solidFill>
+          <a:latin typeface="+mn-lt"/>
+          <a:ea typeface="+mn-ea"/>
+          <a:cs typeface="+mn-cs"/>
+        </a:defRPr>
+      </a:lvl4pPr>
+      <a:lvl5pPr marL="2057400" indent="-228600" algn="l" defTabSz="914400" rtl="0" eaLnBrk="1" latinLnBrk="0" hangingPunct="1">
+        <a:lnSpc>
+          <a:spcPct val="90000"/>
+        </a:lnSpc>
+        <a:spcBef>
+          <a:spcPts val="500"/>
+        </a:spcBef>
+        <a:buFont typeface="Arial" panose="020B0604020202020204" pitchFamily="34" charset="0"/>
+        <a:buChar char="•"/>
+        <a:defRPr sz="1800" kern="1200">
+          <a:solidFill>
+            <a:schemeClr val="tx1"/>
+          </a:solidFill>
+          <a:latin typeface="+mn-lt"/>
+          <a:ea typeface="+mn-ea"/>
+          <a:cs typeface="+mn-cs"/>
+        </a:defRPr>
+      </a:lvl5pPr>
+      <a:lvl6pPr marL="2514600" indent="-228600" algn="l" defTabSz="914400" rtl="0" eaLnBrk="1" latinLnBrk="0" hangingPunct="1">
+        <a:lnSpc>
+          <a:spcPct val="90000"/>
+        </a:lnSpc>
+        <a:spcBef>
+          <a:spcPts val="500"/>
+        </a:spcBef>
+        <a:buFont typeface="Arial" panose="020B0604020202020204" pitchFamily="34" charset="0"/>
+        <a:buChar char="•"/>
+        <a:defRPr sz="1800" kern="1200">
+          <a:solidFill>
+            <a:schemeClr val="tx1"/>
+          </a:solidFill>
+          <a:latin typeface="+mn-lt"/>
+          <a:ea typeface="+mn-ea"/>
+          <a:cs typeface="+mn-cs"/>
+        </a:defRPr>
+      </a:lvl6pPr>
+      <a:lvl7pPr marL="2971800" indent="-228600" algn="l" defTabSz="914400" rtl="0" eaLnBrk="1" latinLnBrk="0" hangingPunct="1">
+        <a:lnSpc>
+          <a:spcPct val="90000"/>
+        </a:lnSpc>
+        <a:spcBef>
+          <a:spcPts val="500"/>
+        </a:spcBef>
+        <a:buFont typeface="Arial" panose="020B0604020202020204" pitchFamily="34" charset="0"/>
+        <a:buChar char="•"/>
+        <a:defRPr sz="1800" kern="1200">
+          <a:solidFill>
+            <a:schemeClr val="tx1"/>
+          </a:solidFill>
+          <a:latin typeface="+mn-lt"/>
+          <a:ea typeface="+mn-ea"/>
+          <a:cs typeface="+mn-cs"/>
+        </a:defRPr>
+      </a:lvl7pPr>
+      <a:lvl8pPr marL="3429000" indent="-228600" algn="l" defTabSz="914400" rtl="0" eaLnBrk="1" latinLnBrk="0" hangingPunct="1">
+        <a:lnSpc>
+          <a:spcPct val="90000"/>
+        </a:lnSpc>
+        <a:spcBef>
+          <a:spcPts val="500"/>
+        </a:spcBef>
+        <a:buFont typeface="Arial" panose="020B0604020202020204" pitchFamily="34" charset="0"/>
+        <a:buChar char="•"/>
+        <a:defRPr sz="1800" kern="1200">
+          <a:solidFill>
+            <a:schemeClr val="tx1"/>
+          </a:solidFill>
+          <a:latin typeface="+mn-lt"/>
+          <a:ea typeface="+mn-ea"/>
+          <a:cs typeface="+mn-cs"/>
+        </a:defRPr>
+      </a:lvl8pPr>
+      <a:lvl9pPr marL="3886200" indent="-228600" algn="l" defTabSz="914400" rtl="0" eaLnBrk="1" latinLnBrk="0" hangingPunct="1">
+        <a:lnSpc>
+          <a:spcPct val="90000"/>
+        </a:lnSpc>
+        <a:spcBef>
+          <a:spcPts val="500"/>
+        </a:spcBef>
+        <a:buFont typeface="Arial" panose="020B0604020202020204" pitchFamily="34" charset="0"/>
+        <a:buChar char="•"/>
+        <a:defRPr sz="1800" kern="1200">
+          <a:solidFill>
+            <a:schemeClr val="tx1"/>
+          </a:solidFill>
+          <a:latin typeface="+mn-lt"/>
+          <a:ea typeface="+mn-ea"/>
+          <a:cs typeface="+mn-cs"/>
+        </a:defRPr>
+      </a:lvl9pPr>
+    </p:bodyStyle>
+    <p:otherStyle>
+      <a:defPPr>
+        <a:defRPr lang="es-MX"/>
+      </a:defPPr>
+      <a:lvl1pPr marL="0" algn="l" defTabSz="914400" rtl="0" eaLnBrk="1" latinLnBrk="0" hangingPunct="1">
+        <a:defRPr sz="1800" kern="1200">
+          <a:solidFill>
+            <a:schemeClr val="tx1"/>
+          </a:solidFill>
+          <a:latin typeface="+mn-lt"/>
+          <a:ea typeface="+mn-ea"/>
+          <a:cs typeface="+mn-cs"/>
+        </a:defRPr>
+      </a:lvl1pPr>
+      <a:lvl2pPr marL="457200" algn="l" defTabSz="914400" rtl="0" eaLnBrk="1" latinLnBrk="0" hangingPunct="1">
+        <a:defRPr sz="1800" kern="1200">
+          <a:solidFill>
+            <a:schemeClr val="tx1"/>
+          </a:solidFill>
+          <a:latin typeface="+mn-lt"/>
+          <a:ea typeface="+mn-ea"/>
+          <a:cs typeface="+mn-cs"/>
+        </a:defRPr>
+      </a:lvl2pPr>
+      <a:lvl3pPr marL="914400" algn="l" defTabSz="914400" rtl="0" eaLnBrk="1" latinLnBrk="0" hangingPunct="1">
+        <a:defRPr sz="1800" kern="1200">
+          <a:solidFill>
+            <a:schemeClr val="tx1"/>
+          </a:solidFill>
+          <a:latin typeface="+mn-lt"/>
+          <a:ea typeface="+mn-ea"/>
+          <a:cs typeface="+mn-cs"/>
+        </a:defRPr>
+      </a:lvl3pPr>
+      <a:lvl4pPr marL="1371600" algn="l" defTabSz="914400" rtl="0" eaLnBrk="1" latinLnBrk="0" hangingPunct="1">
+        <a:defRPr sz="1800" kern="1200">
+          <a:solidFill>
+            <a:schemeClr val="tx1"/>
+          </a:solidFill>
+          <a:latin typeface="+mn-lt"/>
+          <a:ea typeface="+mn-ea"/>
+          <a:cs typeface="+mn-cs"/>
+        </a:defRPr>
+      </a:lvl4pPr>
+      <a:lvl5pPr marL="1828800" algn="l" defTabSz="914400" rtl="0" eaLnBrk="1" latinLnBrk="0" hangingPunct="1">
+        <a:defRPr sz="1800" kern="1200">
+          <a:solidFill>
+            <a:schemeClr val="tx1"/>
+          </a:solidFill>
+          <a:latin typeface="+mn-lt"/>
+          <a:ea typeface="+mn-ea"/>
+          <a:cs typeface="+mn-cs"/>
+        </a:defRPr>
+      </a:lvl5pPr>
+      <a:lvl6pPr marL="2286000" algn="l" defTabSz="914400" rtl="0" eaLnBrk="1" latinLnBrk="0" hangingPunct="1">
+        <a:defRPr sz="1800" kern="1200">
+          <a:solidFill>
+            <a:schemeClr val="tx1"/>
+          </a:solidFill>
+          <a:latin typeface="+mn-lt"/>
+          <a:ea typeface="+mn-ea"/>
+          <a:cs typeface="+mn-cs"/>
+        </a:defRPr>
+      </a:lvl6pPr>
+      <a:lvl7pPr marL="2743200" algn="l" defTabSz="914400" rtl="0" eaLnBrk="1" latinLnBrk="0" hangingPunct="1">
+        <a:defRPr sz="1800" kern="1200">
+          <a:solidFill>
+            <a:schemeClr val="tx1"/>
+          </a:solidFill>
+          <a:latin typeface="+mn-lt"/>
+          <a:ea typeface="+mn-ea"/>
+          <a:cs typeface="+mn-cs"/>
+        </a:defRPr>
+      </a:lvl7pPr>
+      <a:lvl8pPr marL="3200400" algn="l" defTabSz="914400" rtl="0" eaLnBrk="1" latinLnBrk="0" hangingPunct="1">
+        <a:defRPr sz="1800" kern="1200">
+          <a:solidFill>
+            <a:schemeClr val="tx1"/>
+          </a:solidFill>
+          <a:latin typeface="+mn-lt"/>
+          <a:ea typeface="+mn-ea"/>
+          <a:cs typeface="+mn-cs"/>
+        </a:defRPr>
+      </a:lvl8pPr>
+      <a:lvl9pPr marL="3657600" algn="l" defTabSz="914400" rtl="0" eaLnBrk="1" latinLnBrk="0" hangingPunct="1">
+        <a:defRPr sz="1800" kern="1200">
+          <a:solidFill>
+            <a:schemeClr val="tx1"/>
+          </a:solidFill>
+          <a:latin typeface="+mn-lt"/>
+          <a:ea typeface="+mn-ea"/>
+          <a:cs typeface="+mn-cs"/>
+        </a:defRPr>
+      </a:lvl9pPr>
+    </p:otherStyle>
+  </p:txStyles>
 </p:sldMaster>
 </file>
 
 <file path=ppt/slideMasters/slideMaster6.xml><?xml version="1.0" encoding="utf-8"?>
-<p:sldMaster xmlns:a="http://schemas.openxmlformats.org/drawingml/2006/main" xmlns:p="http://schemas.openxmlformats.org/presentationml/2006/main" xmlns:r="http://schemas.openxmlformats.org/officeDocument/2006/relationships" xmlns:p14="http://schemas.microsoft.com/office/powerpoint/2010/main" xmlns:p15="http://schemas.microsoft.com/office/powerpoint/2012/main" xmlns:mc="http://schemas.openxmlformats.org/markup-compatibility/2006">
+<p:sldMaster xmlns:a="http://schemas.openxmlformats.org/drawingml/2006/main" xmlns:r="http://schemas.openxmlformats.org/officeDocument/2006/relationships" xmlns:p="http://schemas.openxmlformats.org/presentationml/2006/main">
   <p:cSld>
     <p:bg>
       <p:bgPr>
         <a:solidFill>
           <a:schemeClr val="lt1"/>
         </a:solidFill>
+        <a:effectLst/>
       </p:bgPr>
     </p:bg>
     <p:spTree>
@@ -3290,32 +4682,39 @@
             <a:avLst/>
           </a:prstGeom>
           <a:solidFill>
-            <a:srgbClr val="004c8d"/>
+            <a:srgbClr val="004C8D"/>
           </a:solidFill>
           <a:ln w="0">
             <a:noFill/>
           </a:ln>
         </p:spPr>
         <p:style>
-          <a:lnRef idx="0"/>
-          <a:fillRef idx="0"/>
-          <a:effectRef idx="0"/>
+          <a:lnRef idx="0">
+            <a:scrgbClr r="0" g="0" b="0"/>
+          </a:lnRef>
+          <a:fillRef idx="0">
+            <a:scrgbClr r="0" g="0" b="0"/>
+          </a:fillRef>
+          <a:effectRef idx="0">
+            <a:scrgbClr r="0" g="0" b="0"/>
+          </a:effectRef>
           <a:fontRef idx="minor"/>
         </p:style>
         <p:txBody>
-          <a:bodyPr lIns="90000" rIns="90000" tIns="45000" bIns="45000" anchor="ctr">
+          <a:bodyPr lIns="90000" tIns="45000" rIns="90000" bIns="45000" anchor="ctr">
             <a:noAutofit/>
           </a:bodyPr>
+          <a:lstStyle/>
           <a:p>
             <a:pPr algn="ctr">
               <a:lnSpc>
                 <a:spcPct val="100000"/>
               </a:lnSpc>
               <a:tabLst>
-                <a:tab algn="l" pos="0"/>
+                <a:tab pos="0" algn="l"/>
               </a:tabLst>
             </a:pPr>
-            <a:endParaRPr b="0" lang="es-MX" sz="1800" strike="noStrike" u="none">
+            <a:endParaRPr lang="es-MX" sz="1800" b="0" u="none" strike="noStrike">
               <a:solidFill>
                 <a:schemeClr val="lt1"/>
               </a:solidFill>
@@ -3346,22 +4745,29 @@
           </a:ln>
         </p:spPr>
         <p:style>
-          <a:lnRef idx="0"/>
-          <a:fillRef idx="0"/>
-          <a:effectRef idx="0"/>
+          <a:lnRef idx="0">
+            <a:scrgbClr r="0" g="0" b="0"/>
+          </a:lnRef>
+          <a:fillRef idx="0">
+            <a:scrgbClr r="0" g="0" b="0"/>
+          </a:fillRef>
+          <a:effectRef idx="0">
+            <a:scrgbClr r="0" g="0" b="0"/>
+          </a:effectRef>
           <a:fontRef idx="minor"/>
         </p:style>
         <p:txBody>
-          <a:bodyPr lIns="90000" rIns="90000" tIns="45000" bIns="45000" anchor="t">
+          <a:bodyPr lIns="90000" tIns="45000" rIns="90000" bIns="45000" anchor="t">
             <a:noAutofit/>
           </a:bodyPr>
+          <a:lstStyle/>
           <a:p>
             <a:pPr>
               <a:lnSpc>
                 <a:spcPct val="100000"/>
               </a:lnSpc>
             </a:pPr>
-            <a:endParaRPr b="0" lang="es-MX" sz="1800" strike="noStrike" u="none">
+            <a:endParaRPr lang="es-MX" sz="1800" b="0" u="none" strike="noStrike">
               <a:solidFill>
                 <a:srgbClr val="000000"/>
               </a:solidFill>
@@ -3395,7 +4801,7 @@
           </a:ln>
         </p:spPr>
         <p:txBody>
-          <a:bodyPr lIns="91440" rIns="91440" tIns="45720" bIns="45720" anchor="ctr">
+          <a:bodyPr lIns="91440" tIns="45720" rIns="91440" bIns="45720" anchor="ctr">
             <a:noAutofit/>
           </a:bodyPr>
           <a:lstStyle>
@@ -3405,9 +4811,9 @@
               </a:lnSpc>
               <a:buNone/>
               <a:tabLst>
-                <a:tab algn="l" pos="0"/>
+                <a:tab pos="0" algn="l"/>
               </a:tabLst>
-              <a:defRPr b="0" lang="es-MX" sz="1400" strike="noStrike" u="none">
+              <a:defRPr lang="es-MX" sz="1400" b="0" u="none" strike="noStrike">
                 <a:solidFill>
                   <a:srgbClr val="000000"/>
                 </a:solidFill>
@@ -3423,11 +4829,11 @@
               </a:lnSpc>
               <a:buNone/>
               <a:tabLst>
-                <a:tab algn="l" pos="0"/>
+                <a:tab pos="0" algn="l"/>
               </a:tabLst>
             </a:pPr>
             <a:r>
-              <a:rPr b="0" lang="es-MX" sz="1400" strike="noStrike" u="none">
+              <a:rPr lang="es-MX" sz="1400" b="0" u="none" strike="noStrike">
                 <a:solidFill>
                   <a:srgbClr val="000000"/>
                 </a:solidFill>
@@ -3436,13 +4842,6 @@
               </a:rPr>
               <a:t> </a:t>
             </a:r>
-            <a:endParaRPr b="0" lang="es-MX" sz="1400" strike="noStrike" u="none">
-              <a:solidFill>
-                <a:srgbClr val="000000"/>
-              </a:solidFill>
-              <a:uFillTx/>
-              <a:latin typeface="Times New Roman"/>
-            </a:endParaRPr>
           </a:p>
         </p:txBody>
       </p:sp>
@@ -3470,7 +4869,7 @@
           </a:ln>
         </p:spPr>
         <p:txBody>
-          <a:bodyPr lIns="91440" rIns="91440" tIns="45720" bIns="45720" anchor="ctr">
+          <a:bodyPr lIns="91440" tIns="45720" rIns="91440" bIns="45720" anchor="ctr">
             <a:noAutofit/>
           </a:bodyPr>
           <a:lstStyle>
@@ -3480,9 +4879,9 @@
               </a:lnSpc>
               <a:buNone/>
               <a:tabLst>
-                <a:tab algn="l" pos="0"/>
+                <a:tab pos="0" algn="l"/>
               </a:tabLst>
-              <a:defRPr b="0" lang="es-ES" sz="1200" strike="noStrike" u="none">
+              <a:defRPr lang="es-ES" sz="1200" b="0" u="none" strike="noStrike">
                 <a:solidFill>
                   <a:srgbClr val="888888"/>
                 </a:solidFill>
@@ -3499,11 +4898,11 @@
               </a:lnSpc>
               <a:buNone/>
               <a:tabLst>
-                <a:tab algn="l" pos="0"/>
+                <a:tab pos="0" algn="l"/>
               </a:tabLst>
             </a:pPr>
             <a:fld id="{3E64A62D-A5CD-4DD8-A244-F8525238369D}" type="slidenum">
-              <a:rPr b="0" lang="es-ES" sz="1200" strike="noStrike" u="none">
+              <a:rPr lang="es-ES" sz="1200" b="0" u="none" strike="noStrike">
                 <a:solidFill>
                   <a:srgbClr val="888888"/>
                 </a:solidFill>
@@ -3511,9 +4910,9 @@
                 <a:latin typeface="Calibri"/>
                 <a:ea typeface="Calibri"/>
               </a:rPr>
-              <a:t>1</a:t>
+              <a:t>‹Nº›</a:t>
             </a:fld>
-            <a:endParaRPr b="0" lang="es-MX" sz="1200" strike="noStrike" u="none">
+            <a:endParaRPr lang="es-MX" sz="1200" b="0" u="none" strike="noStrike">
               <a:solidFill>
                 <a:srgbClr val="000000"/>
               </a:solidFill>
@@ -3547,13 +4946,13 @@
           </a:ln>
         </p:spPr>
         <p:txBody>
-          <a:bodyPr lIns="91440" rIns="91440" tIns="45720" bIns="45720" anchor="ctr">
+          <a:bodyPr lIns="91440" tIns="45720" rIns="91440" bIns="45720" anchor="ctr">
             <a:noAutofit/>
           </a:bodyPr>
           <a:lstStyle>
             <a:lvl1pPr indent="0">
               <a:buNone/>
-              <a:defRPr b="0" lang="es-MX" sz="1400" strike="noStrike" u="none">
+              <a:defRPr lang="es-MX" sz="1400" b="0" u="none" strike="noStrike">
                 <a:solidFill>
                   <a:srgbClr val="000000"/>
                 </a:solidFill>
@@ -3567,7 +4966,7 @@
               <a:buNone/>
             </a:pPr>
             <a:r>
-              <a:rPr b="0" lang="es-MX" sz="1400" strike="noStrike" u="none">
+              <a:rPr lang="es-MX" sz="1400" b="0" u="none" strike="noStrike">
                 <a:solidFill>
                   <a:srgbClr val="000000"/>
                 </a:solidFill>
@@ -3576,13 +4975,6 @@
               </a:rPr>
               <a:t> </a:t>
             </a:r>
-            <a:endParaRPr b="0" lang="es-MX" sz="1400" strike="noStrike" u="none">
-              <a:solidFill>
-                <a:srgbClr val="000000"/>
-              </a:solidFill>
-              <a:uFillTx/>
-              <a:latin typeface="Times New Roman"/>
-            </a:endParaRPr>
           </a:p>
         </p:txBody>
       </p:sp>
@@ -3590,19 +4982,300 @@
   </p:cSld>
   <p:clrMap bg1="lt1" tx1="dk1" bg2="dk2" tx2="lt2" accent1="accent1" accent2="accent2" accent3="accent3" accent4="accent4" accent5="accent5" accent6="accent6" hlink="hlink" folHlink="folHlink"/>
   <p:sldLayoutIdLst>
-    <p:sldLayoutId id="2147483659" r:id="rId2"/>
+    <p:sldLayoutId id="2147483659" r:id="rId1"/>
   </p:sldLayoutIdLst>
+  <p:txStyles>
+    <p:titleStyle>
+      <a:lvl1pPr algn="l" defTabSz="914400" rtl="0" eaLnBrk="1" latinLnBrk="0" hangingPunct="1">
+        <a:lnSpc>
+          <a:spcPct val="90000"/>
+        </a:lnSpc>
+        <a:spcBef>
+          <a:spcPct val="0"/>
+        </a:spcBef>
+        <a:buNone/>
+        <a:defRPr sz="4400" kern="1200">
+          <a:solidFill>
+            <a:schemeClr val="tx1"/>
+          </a:solidFill>
+          <a:latin typeface="+mj-lt"/>
+          <a:ea typeface="+mj-ea"/>
+          <a:cs typeface="+mj-cs"/>
+        </a:defRPr>
+      </a:lvl1pPr>
+    </p:titleStyle>
+    <p:bodyStyle>
+      <a:lvl1pPr marL="228600" indent="-228600" algn="l" defTabSz="914400" rtl="0" eaLnBrk="1" latinLnBrk="0" hangingPunct="1">
+        <a:lnSpc>
+          <a:spcPct val="90000"/>
+        </a:lnSpc>
+        <a:spcBef>
+          <a:spcPts val="1000"/>
+        </a:spcBef>
+        <a:buFont typeface="Arial" panose="020B0604020202020204" pitchFamily="34" charset="0"/>
+        <a:buChar char="•"/>
+        <a:defRPr sz="2800" kern="1200">
+          <a:solidFill>
+            <a:schemeClr val="tx1"/>
+          </a:solidFill>
+          <a:latin typeface="+mn-lt"/>
+          <a:ea typeface="+mn-ea"/>
+          <a:cs typeface="+mn-cs"/>
+        </a:defRPr>
+      </a:lvl1pPr>
+      <a:lvl2pPr marL="685800" indent="-228600" algn="l" defTabSz="914400" rtl="0" eaLnBrk="1" latinLnBrk="0" hangingPunct="1">
+        <a:lnSpc>
+          <a:spcPct val="90000"/>
+        </a:lnSpc>
+        <a:spcBef>
+          <a:spcPts val="500"/>
+        </a:spcBef>
+        <a:buFont typeface="Arial" panose="020B0604020202020204" pitchFamily="34" charset="0"/>
+        <a:buChar char="•"/>
+        <a:defRPr sz="2400" kern="1200">
+          <a:solidFill>
+            <a:schemeClr val="tx1"/>
+          </a:solidFill>
+          <a:latin typeface="+mn-lt"/>
+          <a:ea typeface="+mn-ea"/>
+          <a:cs typeface="+mn-cs"/>
+        </a:defRPr>
+      </a:lvl2pPr>
+      <a:lvl3pPr marL="1143000" indent="-228600" algn="l" defTabSz="914400" rtl="0" eaLnBrk="1" latinLnBrk="0" hangingPunct="1">
+        <a:lnSpc>
+          <a:spcPct val="90000"/>
+        </a:lnSpc>
+        <a:spcBef>
+          <a:spcPts val="500"/>
+        </a:spcBef>
+        <a:buFont typeface="Arial" panose="020B0604020202020204" pitchFamily="34" charset="0"/>
+        <a:buChar char="•"/>
+        <a:defRPr sz="2000" kern="1200">
+          <a:solidFill>
+            <a:schemeClr val="tx1"/>
+          </a:solidFill>
+          <a:latin typeface="+mn-lt"/>
+          <a:ea typeface="+mn-ea"/>
+          <a:cs typeface="+mn-cs"/>
+        </a:defRPr>
+      </a:lvl3pPr>
+      <a:lvl4pPr marL="1600200" indent="-228600" algn="l" defTabSz="914400" rtl="0" eaLnBrk="1" latinLnBrk="0" hangingPunct="1">
+        <a:lnSpc>
+          <a:spcPct val="90000"/>
+        </a:lnSpc>
+        <a:spcBef>
+          <a:spcPts val="500"/>
+        </a:spcBef>
+        <a:buFont typeface="Arial" panose="020B0604020202020204" pitchFamily="34" charset="0"/>
+        <a:buChar char="•"/>
+        <a:defRPr sz="1800" kern="1200">
+          <a:solidFill>
+            <a:schemeClr val="tx1"/>
+          </a:solidFill>
+          <a:latin typeface="+mn-lt"/>
+          <a:ea typeface="+mn-ea"/>
+          <a:cs typeface="+mn-cs"/>
+        </a:defRPr>
+      </a:lvl4pPr>
+      <a:lvl5pPr marL="2057400" indent="-228600" algn="l" defTabSz="914400" rtl="0" eaLnBrk="1" latinLnBrk="0" hangingPunct="1">
+        <a:lnSpc>
+          <a:spcPct val="90000"/>
+        </a:lnSpc>
+        <a:spcBef>
+          <a:spcPts val="500"/>
+        </a:spcBef>
+        <a:buFont typeface="Arial" panose="020B0604020202020204" pitchFamily="34" charset="0"/>
+        <a:buChar char="•"/>
+        <a:defRPr sz="1800" kern="1200">
+          <a:solidFill>
+            <a:schemeClr val="tx1"/>
+          </a:solidFill>
+          <a:latin typeface="+mn-lt"/>
+          <a:ea typeface="+mn-ea"/>
+          <a:cs typeface="+mn-cs"/>
+        </a:defRPr>
+      </a:lvl5pPr>
+      <a:lvl6pPr marL="2514600" indent="-228600" algn="l" defTabSz="914400" rtl="0" eaLnBrk="1" latinLnBrk="0" hangingPunct="1">
+        <a:lnSpc>
+          <a:spcPct val="90000"/>
+        </a:lnSpc>
+        <a:spcBef>
+          <a:spcPts val="500"/>
+        </a:spcBef>
+        <a:buFont typeface="Arial" panose="020B0604020202020204" pitchFamily="34" charset="0"/>
+        <a:buChar char="•"/>
+        <a:defRPr sz="1800" kern="1200">
+          <a:solidFill>
+            <a:schemeClr val="tx1"/>
+          </a:solidFill>
+          <a:latin typeface="+mn-lt"/>
+          <a:ea typeface="+mn-ea"/>
+          <a:cs typeface="+mn-cs"/>
+        </a:defRPr>
+      </a:lvl6pPr>
+      <a:lvl7pPr marL="2971800" indent="-228600" algn="l" defTabSz="914400" rtl="0" eaLnBrk="1" latinLnBrk="0" hangingPunct="1">
+        <a:lnSpc>
+          <a:spcPct val="90000"/>
+        </a:lnSpc>
+        <a:spcBef>
+          <a:spcPts val="500"/>
+        </a:spcBef>
+        <a:buFont typeface="Arial" panose="020B0604020202020204" pitchFamily="34" charset="0"/>
+        <a:buChar char="•"/>
+        <a:defRPr sz="1800" kern="1200">
+          <a:solidFill>
+            <a:schemeClr val="tx1"/>
+          </a:solidFill>
+          <a:latin typeface="+mn-lt"/>
+          <a:ea typeface="+mn-ea"/>
+          <a:cs typeface="+mn-cs"/>
+        </a:defRPr>
+      </a:lvl7pPr>
+      <a:lvl8pPr marL="3429000" indent="-228600" algn="l" defTabSz="914400" rtl="0" eaLnBrk="1" latinLnBrk="0" hangingPunct="1">
+        <a:lnSpc>
+          <a:spcPct val="90000"/>
+        </a:lnSpc>
+        <a:spcBef>
+          <a:spcPts val="500"/>
+        </a:spcBef>
+        <a:buFont typeface="Arial" panose="020B0604020202020204" pitchFamily="34" charset="0"/>
+        <a:buChar char="•"/>
+        <a:defRPr sz="1800" kern="1200">
+          <a:solidFill>
+            <a:schemeClr val="tx1"/>
+          </a:solidFill>
+          <a:latin typeface="+mn-lt"/>
+          <a:ea typeface="+mn-ea"/>
+          <a:cs typeface="+mn-cs"/>
+        </a:defRPr>
+      </a:lvl8pPr>
+      <a:lvl9pPr marL="3886200" indent="-228600" algn="l" defTabSz="914400" rtl="0" eaLnBrk="1" latinLnBrk="0" hangingPunct="1">
+        <a:lnSpc>
+          <a:spcPct val="90000"/>
+        </a:lnSpc>
+        <a:spcBef>
+          <a:spcPts val="500"/>
+        </a:spcBef>
+        <a:buFont typeface="Arial" panose="020B0604020202020204" pitchFamily="34" charset="0"/>
+        <a:buChar char="•"/>
+        <a:defRPr sz="1800" kern="1200">
+          <a:solidFill>
+            <a:schemeClr val="tx1"/>
+          </a:solidFill>
+          <a:latin typeface="+mn-lt"/>
+          <a:ea typeface="+mn-ea"/>
+          <a:cs typeface="+mn-cs"/>
+        </a:defRPr>
+      </a:lvl9pPr>
+    </p:bodyStyle>
+    <p:otherStyle>
+      <a:defPPr>
+        <a:defRPr lang="es-MX"/>
+      </a:defPPr>
+      <a:lvl1pPr marL="0" algn="l" defTabSz="914400" rtl="0" eaLnBrk="1" latinLnBrk="0" hangingPunct="1">
+        <a:defRPr sz="1800" kern="1200">
+          <a:solidFill>
+            <a:schemeClr val="tx1"/>
+          </a:solidFill>
+          <a:latin typeface="+mn-lt"/>
+          <a:ea typeface="+mn-ea"/>
+          <a:cs typeface="+mn-cs"/>
+        </a:defRPr>
+      </a:lvl1pPr>
+      <a:lvl2pPr marL="457200" algn="l" defTabSz="914400" rtl="0" eaLnBrk="1" latinLnBrk="0" hangingPunct="1">
+        <a:defRPr sz="1800" kern="1200">
+          <a:solidFill>
+            <a:schemeClr val="tx1"/>
+          </a:solidFill>
+          <a:latin typeface="+mn-lt"/>
+          <a:ea typeface="+mn-ea"/>
+          <a:cs typeface="+mn-cs"/>
+        </a:defRPr>
+      </a:lvl2pPr>
+      <a:lvl3pPr marL="914400" algn="l" defTabSz="914400" rtl="0" eaLnBrk="1" latinLnBrk="0" hangingPunct="1">
+        <a:defRPr sz="1800" kern="1200">
+          <a:solidFill>
+            <a:schemeClr val="tx1"/>
+          </a:solidFill>
+          <a:latin typeface="+mn-lt"/>
+          <a:ea typeface="+mn-ea"/>
+          <a:cs typeface="+mn-cs"/>
+        </a:defRPr>
+      </a:lvl3pPr>
+      <a:lvl4pPr marL="1371600" algn="l" defTabSz="914400" rtl="0" eaLnBrk="1" latinLnBrk="0" hangingPunct="1">
+        <a:defRPr sz="1800" kern="1200">
+          <a:solidFill>
+            <a:schemeClr val="tx1"/>
+          </a:solidFill>
+          <a:latin typeface="+mn-lt"/>
+          <a:ea typeface="+mn-ea"/>
+          <a:cs typeface="+mn-cs"/>
+        </a:defRPr>
+      </a:lvl4pPr>
+      <a:lvl5pPr marL="1828800" algn="l" defTabSz="914400" rtl="0" eaLnBrk="1" latinLnBrk="0" hangingPunct="1">
+        <a:defRPr sz="1800" kern="1200">
+          <a:solidFill>
+            <a:schemeClr val="tx1"/>
+          </a:solidFill>
+          <a:latin typeface="+mn-lt"/>
+          <a:ea typeface="+mn-ea"/>
+          <a:cs typeface="+mn-cs"/>
+        </a:defRPr>
+      </a:lvl5pPr>
+      <a:lvl6pPr marL="2286000" algn="l" defTabSz="914400" rtl="0" eaLnBrk="1" latinLnBrk="0" hangingPunct="1">
+        <a:defRPr sz="1800" kern="1200">
+          <a:solidFill>
+            <a:schemeClr val="tx1"/>
+          </a:solidFill>
+          <a:latin typeface="+mn-lt"/>
+          <a:ea typeface="+mn-ea"/>
+          <a:cs typeface="+mn-cs"/>
+        </a:defRPr>
+      </a:lvl6pPr>
+      <a:lvl7pPr marL="2743200" algn="l" defTabSz="914400" rtl="0" eaLnBrk="1" latinLnBrk="0" hangingPunct="1">
+        <a:defRPr sz="1800" kern="1200">
+          <a:solidFill>
+            <a:schemeClr val="tx1"/>
+          </a:solidFill>
+          <a:latin typeface="+mn-lt"/>
+          <a:ea typeface="+mn-ea"/>
+          <a:cs typeface="+mn-cs"/>
+        </a:defRPr>
+      </a:lvl7pPr>
+      <a:lvl8pPr marL="3200400" algn="l" defTabSz="914400" rtl="0" eaLnBrk="1" latinLnBrk="0" hangingPunct="1">
+        <a:defRPr sz="1800" kern="1200">
+          <a:solidFill>
+            <a:schemeClr val="tx1"/>
+          </a:solidFill>
+          <a:latin typeface="+mn-lt"/>
+          <a:ea typeface="+mn-ea"/>
+          <a:cs typeface="+mn-cs"/>
+        </a:defRPr>
+      </a:lvl8pPr>
+      <a:lvl9pPr marL="3657600" algn="l" defTabSz="914400" rtl="0" eaLnBrk="1" latinLnBrk="0" hangingPunct="1">
+        <a:defRPr sz="1800" kern="1200">
+          <a:solidFill>
+            <a:schemeClr val="tx1"/>
+          </a:solidFill>
+          <a:latin typeface="+mn-lt"/>
+          <a:ea typeface="+mn-ea"/>
+          <a:cs typeface="+mn-cs"/>
+        </a:defRPr>
+      </a:lvl9pPr>
+    </p:otherStyle>
+  </p:txStyles>
 </p:sldMaster>
 </file>
 
 <file path=ppt/slideMasters/slideMaster7.xml><?xml version="1.0" encoding="utf-8"?>
-<p:sldMaster xmlns:a="http://schemas.openxmlformats.org/drawingml/2006/main" xmlns:p="http://schemas.openxmlformats.org/presentationml/2006/main" xmlns:r="http://schemas.openxmlformats.org/officeDocument/2006/relationships" xmlns:p14="http://schemas.microsoft.com/office/powerpoint/2010/main" xmlns:p15="http://schemas.microsoft.com/office/powerpoint/2012/main" xmlns:mc="http://schemas.openxmlformats.org/markup-compatibility/2006">
+<p:sldMaster xmlns:a="http://schemas.openxmlformats.org/drawingml/2006/main" xmlns:r="http://schemas.openxmlformats.org/officeDocument/2006/relationships" xmlns:p="http://schemas.openxmlformats.org/presentationml/2006/main">
   <p:cSld>
     <p:bg>
       <p:bgPr>
         <a:solidFill>
           <a:schemeClr val="lt1"/>
         </a:solidFill>
+        <a:effectLst/>
       </p:bgPr>
     </p:bg>
     <p:spTree>
@@ -3634,32 +5307,39 @@
             <a:avLst/>
           </a:prstGeom>
           <a:solidFill>
-            <a:srgbClr val="004c8d"/>
+            <a:srgbClr val="004C8D"/>
           </a:solidFill>
           <a:ln w="0">
             <a:noFill/>
           </a:ln>
         </p:spPr>
         <p:style>
-          <a:lnRef idx="0"/>
-          <a:fillRef idx="0"/>
-          <a:effectRef idx="0"/>
+          <a:lnRef idx="0">
+            <a:scrgbClr r="0" g="0" b="0"/>
+          </a:lnRef>
+          <a:fillRef idx="0">
+            <a:scrgbClr r="0" g="0" b="0"/>
+          </a:fillRef>
+          <a:effectRef idx="0">
+            <a:scrgbClr r="0" g="0" b="0"/>
+          </a:effectRef>
           <a:fontRef idx="minor"/>
         </p:style>
         <p:txBody>
-          <a:bodyPr lIns="90000" rIns="90000" tIns="45000" bIns="45000" anchor="ctr">
+          <a:bodyPr lIns="90000" tIns="45000" rIns="90000" bIns="45000" anchor="ctr">
             <a:noAutofit/>
           </a:bodyPr>
+          <a:lstStyle/>
           <a:p>
             <a:pPr algn="ctr">
               <a:lnSpc>
                 <a:spcPct val="100000"/>
               </a:lnSpc>
               <a:tabLst>
-                <a:tab algn="l" pos="0"/>
+                <a:tab pos="0" algn="l"/>
               </a:tabLst>
             </a:pPr>
-            <a:endParaRPr b="0" lang="es-MX" sz="1800" strike="noStrike" u="none">
+            <a:endParaRPr lang="es-MX" sz="1800" b="0" u="none" strike="noStrike">
               <a:solidFill>
                 <a:schemeClr val="lt1"/>
               </a:solidFill>
@@ -3690,22 +5370,29 @@
           </a:ln>
         </p:spPr>
         <p:style>
-          <a:lnRef idx="0"/>
-          <a:fillRef idx="0"/>
-          <a:effectRef idx="0"/>
+          <a:lnRef idx="0">
+            <a:scrgbClr r="0" g="0" b="0"/>
+          </a:lnRef>
+          <a:fillRef idx="0">
+            <a:scrgbClr r="0" g="0" b="0"/>
+          </a:fillRef>
+          <a:effectRef idx="0">
+            <a:scrgbClr r="0" g="0" b="0"/>
+          </a:effectRef>
           <a:fontRef idx="minor"/>
         </p:style>
         <p:txBody>
-          <a:bodyPr lIns="90000" rIns="90000" tIns="45000" bIns="45000" anchor="t">
+          <a:bodyPr lIns="90000" tIns="45000" rIns="90000" bIns="45000" anchor="t">
             <a:noAutofit/>
           </a:bodyPr>
+          <a:lstStyle/>
           <a:p>
             <a:pPr>
               <a:lnSpc>
                 <a:spcPct val="100000"/>
               </a:lnSpc>
             </a:pPr>
-            <a:endParaRPr b="0" lang="es-MX" sz="1800" strike="noStrike" u="none">
+            <a:endParaRPr lang="es-MX" sz="1800" b="0" u="none" strike="noStrike">
               <a:solidFill>
                 <a:srgbClr val="000000"/>
               </a:solidFill>
@@ -3739,7 +5426,7 @@
           </a:ln>
         </p:spPr>
         <p:txBody>
-          <a:bodyPr lIns="91440" rIns="91440" tIns="45720" bIns="45720" anchor="ctr">
+          <a:bodyPr lIns="91440" tIns="45720" rIns="91440" bIns="45720" anchor="ctr">
             <a:noAutofit/>
           </a:bodyPr>
           <a:lstStyle>
@@ -3749,9 +5436,9 @@
               </a:lnSpc>
               <a:buNone/>
               <a:tabLst>
-                <a:tab algn="l" pos="0"/>
+                <a:tab pos="0" algn="l"/>
               </a:tabLst>
-              <a:defRPr b="0" lang="es-MX" sz="1400" strike="noStrike" u="none">
+              <a:defRPr lang="es-MX" sz="1400" b="0" u="none" strike="noStrike">
                 <a:solidFill>
                   <a:srgbClr val="000000"/>
                 </a:solidFill>
@@ -3767,11 +5454,11 @@
               </a:lnSpc>
               <a:buNone/>
               <a:tabLst>
-                <a:tab algn="l" pos="0"/>
+                <a:tab pos="0" algn="l"/>
               </a:tabLst>
             </a:pPr>
             <a:r>
-              <a:rPr b="0" lang="es-MX" sz="1400" strike="noStrike" u="none">
+              <a:rPr lang="es-MX" sz="1400" b="0" u="none" strike="noStrike">
                 <a:solidFill>
                   <a:srgbClr val="000000"/>
                 </a:solidFill>
@@ -3780,13 +5467,6 @@
               </a:rPr>
               <a:t> </a:t>
             </a:r>
-            <a:endParaRPr b="0" lang="es-MX" sz="1400" strike="noStrike" u="none">
-              <a:solidFill>
-                <a:srgbClr val="000000"/>
-              </a:solidFill>
-              <a:uFillTx/>
-              <a:latin typeface="Times New Roman"/>
-            </a:endParaRPr>
           </a:p>
         </p:txBody>
       </p:sp>
@@ -3814,7 +5494,7 @@
           </a:ln>
         </p:spPr>
         <p:txBody>
-          <a:bodyPr lIns="91440" rIns="91440" tIns="45720" bIns="45720" anchor="ctr">
+          <a:bodyPr lIns="91440" tIns="45720" rIns="91440" bIns="45720" anchor="ctr">
             <a:noAutofit/>
           </a:bodyPr>
           <a:lstStyle>
@@ -3824,9 +5504,9 @@
               </a:lnSpc>
               <a:buNone/>
               <a:tabLst>
-                <a:tab algn="l" pos="0"/>
+                <a:tab pos="0" algn="l"/>
               </a:tabLst>
-              <a:defRPr b="0" lang="es-ES" sz="1200" strike="noStrike" u="none">
+              <a:defRPr lang="es-ES" sz="1200" b="0" u="none" strike="noStrike">
                 <a:solidFill>
                   <a:srgbClr val="888888"/>
                 </a:solidFill>
@@ -3843,11 +5523,11 @@
               </a:lnSpc>
               <a:buNone/>
               <a:tabLst>
-                <a:tab algn="l" pos="0"/>
+                <a:tab pos="0" algn="l"/>
               </a:tabLst>
             </a:pPr>
             <a:fld id="{B4A61AF1-0584-4E68-8C1A-9798A1698775}" type="slidenum">
-              <a:rPr b="0" lang="es-ES" sz="1200" strike="noStrike" u="none">
+              <a:rPr lang="es-ES" sz="1200" b="0" u="none" strike="noStrike">
                 <a:solidFill>
                   <a:srgbClr val="888888"/>
                 </a:solidFill>
@@ -3855,9 +5535,9 @@
                 <a:latin typeface="Calibri"/>
                 <a:ea typeface="Calibri"/>
               </a:rPr>
-              <a:t>1</a:t>
+              <a:t>‹Nº›</a:t>
             </a:fld>
-            <a:endParaRPr b="0" lang="es-MX" sz="1200" strike="noStrike" u="none">
+            <a:endParaRPr lang="es-MX" sz="1200" b="0" u="none" strike="noStrike">
               <a:solidFill>
                 <a:srgbClr val="000000"/>
               </a:solidFill>
@@ -3891,13 +5571,13 @@
           </a:ln>
         </p:spPr>
         <p:txBody>
-          <a:bodyPr lIns="91440" rIns="91440" tIns="45720" bIns="45720" anchor="ctr">
+          <a:bodyPr lIns="91440" tIns="45720" rIns="91440" bIns="45720" anchor="ctr">
             <a:noAutofit/>
           </a:bodyPr>
           <a:lstStyle>
             <a:lvl1pPr indent="0">
               <a:buNone/>
-              <a:defRPr b="0" lang="es-MX" sz="1400" strike="noStrike" u="none">
+              <a:defRPr lang="es-MX" sz="1400" b="0" u="none" strike="noStrike">
                 <a:solidFill>
                   <a:srgbClr val="000000"/>
                 </a:solidFill>
@@ -3911,7 +5591,7 @@
               <a:buNone/>
             </a:pPr>
             <a:r>
-              <a:rPr b="0" lang="es-MX" sz="1400" strike="noStrike" u="none">
+              <a:rPr lang="es-MX" sz="1400" b="0" u="none" strike="noStrike">
                 <a:solidFill>
                   <a:srgbClr val="000000"/>
                 </a:solidFill>
@@ -3920,13 +5600,6 @@
               </a:rPr>
               <a:t> </a:t>
             </a:r>
-            <a:endParaRPr b="0" lang="es-MX" sz="1400" strike="noStrike" u="none">
-              <a:solidFill>
-                <a:srgbClr val="000000"/>
-              </a:solidFill>
-              <a:uFillTx/>
-              <a:latin typeface="Times New Roman"/>
-            </a:endParaRPr>
           </a:p>
         </p:txBody>
       </p:sp>
@@ -3934,19 +5607,300 @@
   </p:cSld>
   <p:clrMap bg1="lt1" tx1="dk1" bg2="dk2" tx2="lt2" accent1="accent1" accent2="accent2" accent3="accent3" accent4="accent4" accent5="accent5" accent6="accent6" hlink="hlink" folHlink="folHlink"/>
   <p:sldLayoutIdLst>
-    <p:sldLayoutId id="2147483661" r:id="rId2"/>
+    <p:sldLayoutId id="2147483661" r:id="rId1"/>
   </p:sldLayoutIdLst>
+  <p:txStyles>
+    <p:titleStyle>
+      <a:lvl1pPr algn="l" defTabSz="914400" rtl="0" eaLnBrk="1" latinLnBrk="0" hangingPunct="1">
+        <a:lnSpc>
+          <a:spcPct val="90000"/>
+        </a:lnSpc>
+        <a:spcBef>
+          <a:spcPct val="0"/>
+        </a:spcBef>
+        <a:buNone/>
+        <a:defRPr sz="4400" kern="1200">
+          <a:solidFill>
+            <a:schemeClr val="tx1"/>
+          </a:solidFill>
+          <a:latin typeface="+mj-lt"/>
+          <a:ea typeface="+mj-ea"/>
+          <a:cs typeface="+mj-cs"/>
+        </a:defRPr>
+      </a:lvl1pPr>
+    </p:titleStyle>
+    <p:bodyStyle>
+      <a:lvl1pPr marL="228600" indent="-228600" algn="l" defTabSz="914400" rtl="0" eaLnBrk="1" latinLnBrk="0" hangingPunct="1">
+        <a:lnSpc>
+          <a:spcPct val="90000"/>
+        </a:lnSpc>
+        <a:spcBef>
+          <a:spcPts val="1000"/>
+        </a:spcBef>
+        <a:buFont typeface="Arial" panose="020B0604020202020204" pitchFamily="34" charset="0"/>
+        <a:buChar char="•"/>
+        <a:defRPr sz="2800" kern="1200">
+          <a:solidFill>
+            <a:schemeClr val="tx1"/>
+          </a:solidFill>
+          <a:latin typeface="+mn-lt"/>
+          <a:ea typeface="+mn-ea"/>
+          <a:cs typeface="+mn-cs"/>
+        </a:defRPr>
+      </a:lvl1pPr>
+      <a:lvl2pPr marL="685800" indent="-228600" algn="l" defTabSz="914400" rtl="0" eaLnBrk="1" latinLnBrk="0" hangingPunct="1">
+        <a:lnSpc>
+          <a:spcPct val="90000"/>
+        </a:lnSpc>
+        <a:spcBef>
+          <a:spcPts val="500"/>
+        </a:spcBef>
+        <a:buFont typeface="Arial" panose="020B0604020202020204" pitchFamily="34" charset="0"/>
+        <a:buChar char="•"/>
+        <a:defRPr sz="2400" kern="1200">
+          <a:solidFill>
+            <a:schemeClr val="tx1"/>
+          </a:solidFill>
+          <a:latin typeface="+mn-lt"/>
+          <a:ea typeface="+mn-ea"/>
+          <a:cs typeface="+mn-cs"/>
+        </a:defRPr>
+      </a:lvl2pPr>
+      <a:lvl3pPr marL="1143000" indent="-228600" algn="l" defTabSz="914400" rtl="0" eaLnBrk="1" latinLnBrk="0" hangingPunct="1">
+        <a:lnSpc>
+          <a:spcPct val="90000"/>
+        </a:lnSpc>
+        <a:spcBef>
+          <a:spcPts val="500"/>
+        </a:spcBef>
+        <a:buFont typeface="Arial" panose="020B0604020202020204" pitchFamily="34" charset="0"/>
+        <a:buChar char="•"/>
+        <a:defRPr sz="2000" kern="1200">
+          <a:solidFill>
+            <a:schemeClr val="tx1"/>
+          </a:solidFill>
+          <a:latin typeface="+mn-lt"/>
+          <a:ea typeface="+mn-ea"/>
+          <a:cs typeface="+mn-cs"/>
+        </a:defRPr>
+      </a:lvl3pPr>
+      <a:lvl4pPr marL="1600200" indent="-228600" algn="l" defTabSz="914400" rtl="0" eaLnBrk="1" latinLnBrk="0" hangingPunct="1">
+        <a:lnSpc>
+          <a:spcPct val="90000"/>
+        </a:lnSpc>
+        <a:spcBef>
+          <a:spcPts val="500"/>
+        </a:spcBef>
+        <a:buFont typeface="Arial" panose="020B0604020202020204" pitchFamily="34" charset="0"/>
+        <a:buChar char="•"/>
+        <a:defRPr sz="1800" kern="1200">
+          <a:solidFill>
+            <a:schemeClr val="tx1"/>
+          </a:solidFill>
+          <a:latin typeface="+mn-lt"/>
+          <a:ea typeface="+mn-ea"/>
+          <a:cs typeface="+mn-cs"/>
+        </a:defRPr>
+      </a:lvl4pPr>
+      <a:lvl5pPr marL="2057400" indent="-228600" algn="l" defTabSz="914400" rtl="0" eaLnBrk="1" latinLnBrk="0" hangingPunct="1">
+        <a:lnSpc>
+          <a:spcPct val="90000"/>
+        </a:lnSpc>
+        <a:spcBef>
+          <a:spcPts val="500"/>
+        </a:spcBef>
+        <a:buFont typeface="Arial" panose="020B0604020202020204" pitchFamily="34" charset="0"/>
+        <a:buChar char="•"/>
+        <a:defRPr sz="1800" kern="1200">
+          <a:solidFill>
+            <a:schemeClr val="tx1"/>
+          </a:solidFill>
+          <a:latin typeface="+mn-lt"/>
+          <a:ea typeface="+mn-ea"/>
+          <a:cs typeface="+mn-cs"/>
+        </a:defRPr>
+      </a:lvl5pPr>
+      <a:lvl6pPr marL="2514600" indent="-228600" algn="l" defTabSz="914400" rtl="0" eaLnBrk="1" latinLnBrk="0" hangingPunct="1">
+        <a:lnSpc>
+          <a:spcPct val="90000"/>
+        </a:lnSpc>
+        <a:spcBef>
+          <a:spcPts val="500"/>
+        </a:spcBef>
+        <a:buFont typeface="Arial" panose="020B0604020202020204" pitchFamily="34" charset="0"/>
+        <a:buChar char="•"/>
+        <a:defRPr sz="1800" kern="1200">
+          <a:solidFill>
+            <a:schemeClr val="tx1"/>
+          </a:solidFill>
+          <a:latin typeface="+mn-lt"/>
+          <a:ea typeface="+mn-ea"/>
+          <a:cs typeface="+mn-cs"/>
+        </a:defRPr>
+      </a:lvl6pPr>
+      <a:lvl7pPr marL="2971800" indent="-228600" algn="l" defTabSz="914400" rtl="0" eaLnBrk="1" latinLnBrk="0" hangingPunct="1">
+        <a:lnSpc>
+          <a:spcPct val="90000"/>
+        </a:lnSpc>
+        <a:spcBef>
+          <a:spcPts val="500"/>
+        </a:spcBef>
+        <a:buFont typeface="Arial" panose="020B0604020202020204" pitchFamily="34" charset="0"/>
+        <a:buChar char="•"/>
+        <a:defRPr sz="1800" kern="1200">
+          <a:solidFill>
+            <a:schemeClr val="tx1"/>
+          </a:solidFill>
+          <a:latin typeface="+mn-lt"/>
+          <a:ea typeface="+mn-ea"/>
+          <a:cs typeface="+mn-cs"/>
+        </a:defRPr>
+      </a:lvl7pPr>
+      <a:lvl8pPr marL="3429000" indent="-228600" algn="l" defTabSz="914400" rtl="0" eaLnBrk="1" latinLnBrk="0" hangingPunct="1">
+        <a:lnSpc>
+          <a:spcPct val="90000"/>
+        </a:lnSpc>
+        <a:spcBef>
+          <a:spcPts val="500"/>
+        </a:spcBef>
+        <a:buFont typeface="Arial" panose="020B0604020202020204" pitchFamily="34" charset="0"/>
+        <a:buChar char="•"/>
+        <a:defRPr sz="1800" kern="1200">
+          <a:solidFill>
+            <a:schemeClr val="tx1"/>
+          </a:solidFill>
+          <a:latin typeface="+mn-lt"/>
+          <a:ea typeface="+mn-ea"/>
+          <a:cs typeface="+mn-cs"/>
+        </a:defRPr>
+      </a:lvl8pPr>
+      <a:lvl9pPr marL="3886200" indent="-228600" algn="l" defTabSz="914400" rtl="0" eaLnBrk="1" latinLnBrk="0" hangingPunct="1">
+        <a:lnSpc>
+          <a:spcPct val="90000"/>
+        </a:lnSpc>
+        <a:spcBef>
+          <a:spcPts val="500"/>
+        </a:spcBef>
+        <a:buFont typeface="Arial" panose="020B0604020202020204" pitchFamily="34" charset="0"/>
+        <a:buChar char="•"/>
+        <a:defRPr sz="1800" kern="1200">
+          <a:solidFill>
+            <a:schemeClr val="tx1"/>
+          </a:solidFill>
+          <a:latin typeface="+mn-lt"/>
+          <a:ea typeface="+mn-ea"/>
+          <a:cs typeface="+mn-cs"/>
+        </a:defRPr>
+      </a:lvl9pPr>
+    </p:bodyStyle>
+    <p:otherStyle>
+      <a:defPPr>
+        <a:defRPr lang="es-MX"/>
+      </a:defPPr>
+      <a:lvl1pPr marL="0" algn="l" defTabSz="914400" rtl="0" eaLnBrk="1" latinLnBrk="0" hangingPunct="1">
+        <a:defRPr sz="1800" kern="1200">
+          <a:solidFill>
+            <a:schemeClr val="tx1"/>
+          </a:solidFill>
+          <a:latin typeface="+mn-lt"/>
+          <a:ea typeface="+mn-ea"/>
+          <a:cs typeface="+mn-cs"/>
+        </a:defRPr>
+      </a:lvl1pPr>
+      <a:lvl2pPr marL="457200" algn="l" defTabSz="914400" rtl="0" eaLnBrk="1" latinLnBrk="0" hangingPunct="1">
+        <a:defRPr sz="1800" kern="1200">
+          <a:solidFill>
+            <a:schemeClr val="tx1"/>
+          </a:solidFill>
+          <a:latin typeface="+mn-lt"/>
+          <a:ea typeface="+mn-ea"/>
+          <a:cs typeface="+mn-cs"/>
+        </a:defRPr>
+      </a:lvl2pPr>
+      <a:lvl3pPr marL="914400" algn="l" defTabSz="914400" rtl="0" eaLnBrk="1" latinLnBrk="0" hangingPunct="1">
+        <a:defRPr sz="1800" kern="1200">
+          <a:solidFill>
+            <a:schemeClr val="tx1"/>
+          </a:solidFill>
+          <a:latin typeface="+mn-lt"/>
+          <a:ea typeface="+mn-ea"/>
+          <a:cs typeface="+mn-cs"/>
+        </a:defRPr>
+      </a:lvl3pPr>
+      <a:lvl4pPr marL="1371600" algn="l" defTabSz="914400" rtl="0" eaLnBrk="1" latinLnBrk="0" hangingPunct="1">
+        <a:defRPr sz="1800" kern="1200">
+          <a:solidFill>
+            <a:schemeClr val="tx1"/>
+          </a:solidFill>
+          <a:latin typeface="+mn-lt"/>
+          <a:ea typeface="+mn-ea"/>
+          <a:cs typeface="+mn-cs"/>
+        </a:defRPr>
+      </a:lvl4pPr>
+      <a:lvl5pPr marL="1828800" algn="l" defTabSz="914400" rtl="0" eaLnBrk="1" latinLnBrk="0" hangingPunct="1">
+        <a:defRPr sz="1800" kern="1200">
+          <a:solidFill>
+            <a:schemeClr val="tx1"/>
+          </a:solidFill>
+          <a:latin typeface="+mn-lt"/>
+          <a:ea typeface="+mn-ea"/>
+          <a:cs typeface="+mn-cs"/>
+        </a:defRPr>
+      </a:lvl5pPr>
+      <a:lvl6pPr marL="2286000" algn="l" defTabSz="914400" rtl="0" eaLnBrk="1" latinLnBrk="0" hangingPunct="1">
+        <a:defRPr sz="1800" kern="1200">
+          <a:solidFill>
+            <a:schemeClr val="tx1"/>
+          </a:solidFill>
+          <a:latin typeface="+mn-lt"/>
+          <a:ea typeface="+mn-ea"/>
+          <a:cs typeface="+mn-cs"/>
+        </a:defRPr>
+      </a:lvl6pPr>
+      <a:lvl7pPr marL="2743200" algn="l" defTabSz="914400" rtl="0" eaLnBrk="1" latinLnBrk="0" hangingPunct="1">
+        <a:defRPr sz="1800" kern="1200">
+          <a:solidFill>
+            <a:schemeClr val="tx1"/>
+          </a:solidFill>
+          <a:latin typeface="+mn-lt"/>
+          <a:ea typeface="+mn-ea"/>
+          <a:cs typeface="+mn-cs"/>
+        </a:defRPr>
+      </a:lvl7pPr>
+      <a:lvl8pPr marL="3200400" algn="l" defTabSz="914400" rtl="0" eaLnBrk="1" latinLnBrk="0" hangingPunct="1">
+        <a:defRPr sz="1800" kern="1200">
+          <a:solidFill>
+            <a:schemeClr val="tx1"/>
+          </a:solidFill>
+          <a:latin typeface="+mn-lt"/>
+          <a:ea typeface="+mn-ea"/>
+          <a:cs typeface="+mn-cs"/>
+        </a:defRPr>
+      </a:lvl8pPr>
+      <a:lvl9pPr marL="3657600" algn="l" defTabSz="914400" rtl="0" eaLnBrk="1" latinLnBrk="0" hangingPunct="1">
+        <a:defRPr sz="1800" kern="1200">
+          <a:solidFill>
+            <a:schemeClr val="tx1"/>
+          </a:solidFill>
+          <a:latin typeface="+mn-lt"/>
+          <a:ea typeface="+mn-ea"/>
+          <a:cs typeface="+mn-cs"/>
+        </a:defRPr>
+      </a:lvl9pPr>
+    </p:otherStyle>
+  </p:txStyles>
 </p:sldMaster>
 </file>
 
 <file path=ppt/slideMasters/slideMaster8.xml><?xml version="1.0" encoding="utf-8"?>
-<p:sldMaster xmlns:a="http://schemas.openxmlformats.org/drawingml/2006/main" xmlns:p="http://schemas.openxmlformats.org/presentationml/2006/main" xmlns:r="http://schemas.openxmlformats.org/officeDocument/2006/relationships" xmlns:p14="http://schemas.microsoft.com/office/powerpoint/2010/main" xmlns:p15="http://schemas.microsoft.com/office/powerpoint/2012/main" xmlns:mc="http://schemas.openxmlformats.org/markup-compatibility/2006">
+<p:sldMaster xmlns:a="http://schemas.openxmlformats.org/drawingml/2006/main" xmlns:r="http://schemas.openxmlformats.org/officeDocument/2006/relationships" xmlns:p="http://schemas.openxmlformats.org/presentationml/2006/main">
   <p:cSld>
     <p:bg>
       <p:bgPr>
         <a:solidFill>
           <a:schemeClr val="lt1"/>
         </a:solidFill>
+        <a:effectLst/>
       </p:bgPr>
     </p:bg>
     <p:spTree>
@@ -3978,32 +5932,39 @@
             <a:avLst/>
           </a:prstGeom>
           <a:solidFill>
-            <a:srgbClr val="004c8d"/>
+            <a:srgbClr val="004C8D"/>
           </a:solidFill>
           <a:ln w="0">
             <a:noFill/>
           </a:ln>
         </p:spPr>
         <p:style>
-          <a:lnRef idx="0"/>
-          <a:fillRef idx="0"/>
-          <a:effectRef idx="0"/>
+          <a:lnRef idx="0">
+            <a:scrgbClr r="0" g="0" b="0"/>
+          </a:lnRef>
+          <a:fillRef idx="0">
+            <a:scrgbClr r="0" g="0" b="0"/>
+          </a:fillRef>
+          <a:effectRef idx="0">
+            <a:scrgbClr r="0" g="0" b="0"/>
+          </a:effectRef>
           <a:fontRef idx="minor"/>
         </p:style>
         <p:txBody>
-          <a:bodyPr lIns="90000" rIns="90000" tIns="45000" bIns="45000" anchor="ctr">
+          <a:bodyPr lIns="90000" tIns="45000" rIns="90000" bIns="45000" anchor="ctr">
             <a:noAutofit/>
           </a:bodyPr>
+          <a:lstStyle/>
           <a:p>
             <a:pPr algn="ctr">
               <a:lnSpc>
                 <a:spcPct val="100000"/>
               </a:lnSpc>
               <a:tabLst>
-                <a:tab algn="l" pos="0"/>
+                <a:tab pos="0" algn="l"/>
               </a:tabLst>
             </a:pPr>
-            <a:endParaRPr b="0" lang="es-MX" sz="1800" strike="noStrike" u="none">
+            <a:endParaRPr lang="es-MX" sz="1800" b="0" u="none" strike="noStrike">
               <a:solidFill>
                 <a:schemeClr val="lt1"/>
               </a:solidFill>
@@ -4034,22 +5995,29 @@
           </a:ln>
         </p:spPr>
         <p:style>
-          <a:lnRef idx="0"/>
-          <a:fillRef idx="0"/>
-          <a:effectRef idx="0"/>
+          <a:lnRef idx="0">
+            <a:scrgbClr r="0" g="0" b="0"/>
+          </a:lnRef>
+          <a:fillRef idx="0">
+            <a:scrgbClr r="0" g="0" b="0"/>
+          </a:fillRef>
+          <a:effectRef idx="0">
+            <a:scrgbClr r="0" g="0" b="0"/>
+          </a:effectRef>
           <a:fontRef idx="minor"/>
         </p:style>
         <p:txBody>
-          <a:bodyPr lIns="90000" rIns="90000" tIns="45000" bIns="45000" anchor="t">
+          <a:bodyPr lIns="90000" tIns="45000" rIns="90000" bIns="45000" anchor="t">
             <a:noAutofit/>
           </a:bodyPr>
+          <a:lstStyle/>
           <a:p>
             <a:pPr>
               <a:lnSpc>
                 <a:spcPct val="100000"/>
               </a:lnSpc>
             </a:pPr>
-            <a:endParaRPr b="0" lang="es-MX" sz="1800" strike="noStrike" u="none">
+            <a:endParaRPr lang="es-MX" sz="1800" b="0" u="none" strike="noStrike">
               <a:solidFill>
                 <a:srgbClr val="000000"/>
               </a:solidFill>
@@ -4083,7 +6051,7 @@
           </a:ln>
         </p:spPr>
         <p:txBody>
-          <a:bodyPr lIns="91440" rIns="91440" tIns="45720" bIns="45720" anchor="ctr">
+          <a:bodyPr lIns="91440" tIns="45720" rIns="91440" bIns="45720" anchor="ctr">
             <a:noAutofit/>
           </a:bodyPr>
           <a:lstStyle>
@@ -4093,9 +6061,9 @@
               </a:lnSpc>
               <a:buNone/>
               <a:tabLst>
-                <a:tab algn="l" pos="0"/>
+                <a:tab pos="0" algn="l"/>
               </a:tabLst>
-              <a:defRPr b="0" lang="es-MX" sz="1400" strike="noStrike" u="none">
+              <a:defRPr lang="es-MX" sz="1400" b="0" u="none" strike="noStrike">
                 <a:solidFill>
                   <a:srgbClr val="000000"/>
                 </a:solidFill>
@@ -4111,11 +6079,11 @@
               </a:lnSpc>
               <a:buNone/>
               <a:tabLst>
-                <a:tab algn="l" pos="0"/>
+                <a:tab pos="0" algn="l"/>
               </a:tabLst>
             </a:pPr>
             <a:r>
-              <a:rPr b="0" lang="es-MX" sz="1400" strike="noStrike" u="none">
+              <a:rPr lang="es-MX" sz="1400" b="0" u="none" strike="noStrike">
                 <a:solidFill>
                   <a:srgbClr val="000000"/>
                 </a:solidFill>
@@ -4124,13 +6092,6 @@
               </a:rPr>
               <a:t> </a:t>
             </a:r>
-            <a:endParaRPr b="0" lang="es-MX" sz="1400" strike="noStrike" u="none">
-              <a:solidFill>
-                <a:srgbClr val="000000"/>
-              </a:solidFill>
-              <a:uFillTx/>
-              <a:latin typeface="Times New Roman"/>
-            </a:endParaRPr>
           </a:p>
         </p:txBody>
       </p:sp>
@@ -4158,7 +6119,7 @@
           </a:ln>
         </p:spPr>
         <p:txBody>
-          <a:bodyPr lIns="91440" rIns="91440" tIns="45720" bIns="45720" anchor="ctr">
+          <a:bodyPr lIns="91440" tIns="45720" rIns="91440" bIns="45720" anchor="ctr">
             <a:noAutofit/>
           </a:bodyPr>
           <a:lstStyle>
@@ -4168,9 +6129,9 @@
               </a:lnSpc>
               <a:buNone/>
               <a:tabLst>
-                <a:tab algn="l" pos="0"/>
+                <a:tab pos="0" algn="l"/>
               </a:tabLst>
-              <a:defRPr b="0" lang="es-ES" sz="1200" strike="noStrike" u="none">
+              <a:defRPr lang="es-ES" sz="1200" b="0" u="none" strike="noStrike">
                 <a:solidFill>
                   <a:srgbClr val="888888"/>
                 </a:solidFill>
@@ -4187,11 +6148,11 @@
               </a:lnSpc>
               <a:buNone/>
               <a:tabLst>
-                <a:tab algn="l" pos="0"/>
+                <a:tab pos="0" algn="l"/>
               </a:tabLst>
             </a:pPr>
             <a:fld id="{440D8674-DE8A-4EED-9B0A-981297987B32}" type="slidenum">
-              <a:rPr b="0" lang="es-ES" sz="1200" strike="noStrike" u="none">
+              <a:rPr lang="es-ES" sz="1200" b="0" u="none" strike="noStrike">
                 <a:solidFill>
                   <a:srgbClr val="888888"/>
                 </a:solidFill>
@@ -4199,9 +6160,9 @@
                 <a:latin typeface="Calibri"/>
                 <a:ea typeface="Calibri"/>
               </a:rPr>
-              <a:t>&lt;number&gt;</a:t>
+              <a:t>‹Nº›</a:t>
             </a:fld>
-            <a:endParaRPr b="0" lang="es-MX" sz="1200" strike="noStrike" u="none">
+            <a:endParaRPr lang="es-MX" sz="1200" b="0" u="none" strike="noStrike">
               <a:solidFill>
                 <a:srgbClr val="000000"/>
               </a:solidFill>
@@ -4235,13 +6196,13 @@
           </a:ln>
         </p:spPr>
         <p:txBody>
-          <a:bodyPr lIns="91440" rIns="91440" tIns="45720" bIns="45720" anchor="ctr">
+          <a:bodyPr lIns="91440" tIns="45720" rIns="91440" bIns="45720" anchor="ctr">
             <a:noAutofit/>
           </a:bodyPr>
           <a:lstStyle>
             <a:lvl1pPr indent="0">
               <a:buNone/>
-              <a:defRPr b="0" lang="es-MX" sz="1400" strike="noStrike" u="none">
+              <a:defRPr lang="es-MX" sz="1400" b="0" u="none" strike="noStrike">
                 <a:solidFill>
                   <a:srgbClr val="000000"/>
                 </a:solidFill>
@@ -4255,7 +6216,7 @@
               <a:buNone/>
             </a:pPr>
             <a:r>
-              <a:rPr b="0" lang="es-MX" sz="1400" strike="noStrike" u="none">
+              <a:rPr lang="es-MX" sz="1400" b="0" u="none" strike="noStrike">
                 <a:solidFill>
                   <a:srgbClr val="000000"/>
                 </a:solidFill>
@@ -4264,13 +6225,6 @@
               </a:rPr>
               <a:t>&lt;date/time&gt;</a:t>
             </a:r>
-            <a:endParaRPr b="0" lang="es-MX" sz="1400" strike="noStrike" u="none">
-              <a:solidFill>
-                <a:srgbClr val="000000"/>
-              </a:solidFill>
-              <a:uFillTx/>
-              <a:latin typeface="Times New Roman"/>
-            </a:endParaRPr>
           </a:p>
         </p:txBody>
       </p:sp>
@@ -4278,19 +6232,300 @@
   </p:cSld>
   <p:clrMap bg1="lt1" tx1="dk1" bg2="dk2" tx2="lt2" accent1="accent1" accent2="accent2" accent3="accent3" accent4="accent4" accent5="accent5" accent6="accent6" hlink="hlink" folHlink="folHlink"/>
   <p:sldLayoutIdLst>
-    <p:sldLayoutId id="2147483663" r:id="rId2"/>
+    <p:sldLayoutId id="2147483663" r:id="rId1"/>
   </p:sldLayoutIdLst>
+  <p:txStyles>
+    <p:titleStyle>
+      <a:lvl1pPr algn="l" defTabSz="914400" rtl="0" eaLnBrk="1" latinLnBrk="0" hangingPunct="1">
+        <a:lnSpc>
+          <a:spcPct val="90000"/>
+        </a:lnSpc>
+        <a:spcBef>
+          <a:spcPct val="0"/>
+        </a:spcBef>
+        <a:buNone/>
+        <a:defRPr sz="4400" kern="1200">
+          <a:solidFill>
+            <a:schemeClr val="tx1"/>
+          </a:solidFill>
+          <a:latin typeface="+mj-lt"/>
+          <a:ea typeface="+mj-ea"/>
+          <a:cs typeface="+mj-cs"/>
+        </a:defRPr>
+      </a:lvl1pPr>
+    </p:titleStyle>
+    <p:bodyStyle>
+      <a:lvl1pPr marL="228600" indent="-228600" algn="l" defTabSz="914400" rtl="0" eaLnBrk="1" latinLnBrk="0" hangingPunct="1">
+        <a:lnSpc>
+          <a:spcPct val="90000"/>
+        </a:lnSpc>
+        <a:spcBef>
+          <a:spcPts val="1000"/>
+        </a:spcBef>
+        <a:buFont typeface="Arial" panose="020B0604020202020204" pitchFamily="34" charset="0"/>
+        <a:buChar char="•"/>
+        <a:defRPr sz="2800" kern="1200">
+          <a:solidFill>
+            <a:schemeClr val="tx1"/>
+          </a:solidFill>
+          <a:latin typeface="+mn-lt"/>
+          <a:ea typeface="+mn-ea"/>
+          <a:cs typeface="+mn-cs"/>
+        </a:defRPr>
+      </a:lvl1pPr>
+      <a:lvl2pPr marL="685800" indent="-228600" algn="l" defTabSz="914400" rtl="0" eaLnBrk="1" latinLnBrk="0" hangingPunct="1">
+        <a:lnSpc>
+          <a:spcPct val="90000"/>
+        </a:lnSpc>
+        <a:spcBef>
+          <a:spcPts val="500"/>
+        </a:spcBef>
+        <a:buFont typeface="Arial" panose="020B0604020202020204" pitchFamily="34" charset="0"/>
+        <a:buChar char="•"/>
+        <a:defRPr sz="2400" kern="1200">
+          <a:solidFill>
+            <a:schemeClr val="tx1"/>
+          </a:solidFill>
+          <a:latin typeface="+mn-lt"/>
+          <a:ea typeface="+mn-ea"/>
+          <a:cs typeface="+mn-cs"/>
+        </a:defRPr>
+      </a:lvl2pPr>
+      <a:lvl3pPr marL="1143000" indent="-228600" algn="l" defTabSz="914400" rtl="0" eaLnBrk="1" latinLnBrk="0" hangingPunct="1">
+        <a:lnSpc>
+          <a:spcPct val="90000"/>
+        </a:lnSpc>
+        <a:spcBef>
+          <a:spcPts val="500"/>
+        </a:spcBef>
+        <a:buFont typeface="Arial" panose="020B0604020202020204" pitchFamily="34" charset="0"/>
+        <a:buChar char="•"/>
+        <a:defRPr sz="2000" kern="1200">
+          <a:solidFill>
+            <a:schemeClr val="tx1"/>
+          </a:solidFill>
+          <a:latin typeface="+mn-lt"/>
+          <a:ea typeface="+mn-ea"/>
+          <a:cs typeface="+mn-cs"/>
+        </a:defRPr>
+      </a:lvl3pPr>
+      <a:lvl4pPr marL="1600200" indent="-228600" algn="l" defTabSz="914400" rtl="0" eaLnBrk="1" latinLnBrk="0" hangingPunct="1">
+        <a:lnSpc>
+          <a:spcPct val="90000"/>
+        </a:lnSpc>
+        <a:spcBef>
+          <a:spcPts val="500"/>
+        </a:spcBef>
+        <a:buFont typeface="Arial" panose="020B0604020202020204" pitchFamily="34" charset="0"/>
+        <a:buChar char="•"/>
+        <a:defRPr sz="1800" kern="1200">
+          <a:solidFill>
+            <a:schemeClr val="tx1"/>
+          </a:solidFill>
+          <a:latin typeface="+mn-lt"/>
+          <a:ea typeface="+mn-ea"/>
+          <a:cs typeface="+mn-cs"/>
+        </a:defRPr>
+      </a:lvl4pPr>
+      <a:lvl5pPr marL="2057400" indent="-228600" algn="l" defTabSz="914400" rtl="0" eaLnBrk="1" latinLnBrk="0" hangingPunct="1">
+        <a:lnSpc>
+          <a:spcPct val="90000"/>
+        </a:lnSpc>
+        <a:spcBef>
+          <a:spcPts val="500"/>
+        </a:spcBef>
+        <a:buFont typeface="Arial" panose="020B0604020202020204" pitchFamily="34" charset="0"/>
+        <a:buChar char="•"/>
+        <a:defRPr sz="1800" kern="1200">
+          <a:solidFill>
+            <a:schemeClr val="tx1"/>
+          </a:solidFill>
+          <a:latin typeface="+mn-lt"/>
+          <a:ea typeface="+mn-ea"/>
+          <a:cs typeface="+mn-cs"/>
+        </a:defRPr>
+      </a:lvl5pPr>
+      <a:lvl6pPr marL="2514600" indent="-228600" algn="l" defTabSz="914400" rtl="0" eaLnBrk="1" latinLnBrk="0" hangingPunct="1">
+        <a:lnSpc>
+          <a:spcPct val="90000"/>
+        </a:lnSpc>
+        <a:spcBef>
+          <a:spcPts val="500"/>
+        </a:spcBef>
+        <a:buFont typeface="Arial" panose="020B0604020202020204" pitchFamily="34" charset="0"/>
+        <a:buChar char="•"/>
+        <a:defRPr sz="1800" kern="1200">
+          <a:solidFill>
+            <a:schemeClr val="tx1"/>
+          </a:solidFill>
+          <a:latin typeface="+mn-lt"/>
+          <a:ea typeface="+mn-ea"/>
+          <a:cs typeface="+mn-cs"/>
+        </a:defRPr>
+      </a:lvl6pPr>
+      <a:lvl7pPr marL="2971800" indent="-228600" algn="l" defTabSz="914400" rtl="0" eaLnBrk="1" latinLnBrk="0" hangingPunct="1">
+        <a:lnSpc>
+          <a:spcPct val="90000"/>
+        </a:lnSpc>
+        <a:spcBef>
+          <a:spcPts val="500"/>
+        </a:spcBef>
+        <a:buFont typeface="Arial" panose="020B0604020202020204" pitchFamily="34" charset="0"/>
+        <a:buChar char="•"/>
+        <a:defRPr sz="1800" kern="1200">
+          <a:solidFill>
+            <a:schemeClr val="tx1"/>
+          </a:solidFill>
+          <a:latin typeface="+mn-lt"/>
+          <a:ea typeface="+mn-ea"/>
+          <a:cs typeface="+mn-cs"/>
+        </a:defRPr>
+      </a:lvl7pPr>
+      <a:lvl8pPr marL="3429000" indent="-228600" algn="l" defTabSz="914400" rtl="0" eaLnBrk="1" latinLnBrk="0" hangingPunct="1">
+        <a:lnSpc>
+          <a:spcPct val="90000"/>
+        </a:lnSpc>
+        <a:spcBef>
+          <a:spcPts val="500"/>
+        </a:spcBef>
+        <a:buFont typeface="Arial" panose="020B0604020202020204" pitchFamily="34" charset="0"/>
+        <a:buChar char="•"/>
+        <a:defRPr sz="1800" kern="1200">
+          <a:solidFill>
+            <a:schemeClr val="tx1"/>
+          </a:solidFill>
+          <a:latin typeface="+mn-lt"/>
+          <a:ea typeface="+mn-ea"/>
+          <a:cs typeface="+mn-cs"/>
+        </a:defRPr>
+      </a:lvl8pPr>
+      <a:lvl9pPr marL="3886200" indent="-228600" algn="l" defTabSz="914400" rtl="0" eaLnBrk="1" latinLnBrk="0" hangingPunct="1">
+        <a:lnSpc>
+          <a:spcPct val="90000"/>
+        </a:lnSpc>
+        <a:spcBef>
+          <a:spcPts val="500"/>
+        </a:spcBef>
+        <a:buFont typeface="Arial" panose="020B0604020202020204" pitchFamily="34" charset="0"/>
+        <a:buChar char="•"/>
+        <a:defRPr sz="1800" kern="1200">
+          <a:solidFill>
+            <a:schemeClr val="tx1"/>
+          </a:solidFill>
+          <a:latin typeface="+mn-lt"/>
+          <a:ea typeface="+mn-ea"/>
+          <a:cs typeface="+mn-cs"/>
+        </a:defRPr>
+      </a:lvl9pPr>
+    </p:bodyStyle>
+    <p:otherStyle>
+      <a:defPPr>
+        <a:defRPr lang="es-MX"/>
+      </a:defPPr>
+      <a:lvl1pPr marL="0" algn="l" defTabSz="914400" rtl="0" eaLnBrk="1" latinLnBrk="0" hangingPunct="1">
+        <a:defRPr sz="1800" kern="1200">
+          <a:solidFill>
+            <a:schemeClr val="tx1"/>
+          </a:solidFill>
+          <a:latin typeface="+mn-lt"/>
+          <a:ea typeface="+mn-ea"/>
+          <a:cs typeface="+mn-cs"/>
+        </a:defRPr>
+      </a:lvl1pPr>
+      <a:lvl2pPr marL="457200" algn="l" defTabSz="914400" rtl="0" eaLnBrk="1" latinLnBrk="0" hangingPunct="1">
+        <a:defRPr sz="1800" kern="1200">
+          <a:solidFill>
+            <a:schemeClr val="tx1"/>
+          </a:solidFill>
+          <a:latin typeface="+mn-lt"/>
+          <a:ea typeface="+mn-ea"/>
+          <a:cs typeface="+mn-cs"/>
+        </a:defRPr>
+      </a:lvl2pPr>
+      <a:lvl3pPr marL="914400" algn="l" defTabSz="914400" rtl="0" eaLnBrk="1" latinLnBrk="0" hangingPunct="1">
+        <a:defRPr sz="1800" kern="1200">
+          <a:solidFill>
+            <a:schemeClr val="tx1"/>
+          </a:solidFill>
+          <a:latin typeface="+mn-lt"/>
+          <a:ea typeface="+mn-ea"/>
+          <a:cs typeface="+mn-cs"/>
+        </a:defRPr>
+      </a:lvl3pPr>
+      <a:lvl4pPr marL="1371600" algn="l" defTabSz="914400" rtl="0" eaLnBrk="1" latinLnBrk="0" hangingPunct="1">
+        <a:defRPr sz="1800" kern="1200">
+          <a:solidFill>
+            <a:schemeClr val="tx1"/>
+          </a:solidFill>
+          <a:latin typeface="+mn-lt"/>
+          <a:ea typeface="+mn-ea"/>
+          <a:cs typeface="+mn-cs"/>
+        </a:defRPr>
+      </a:lvl4pPr>
+      <a:lvl5pPr marL="1828800" algn="l" defTabSz="914400" rtl="0" eaLnBrk="1" latinLnBrk="0" hangingPunct="1">
+        <a:defRPr sz="1800" kern="1200">
+          <a:solidFill>
+            <a:schemeClr val="tx1"/>
+          </a:solidFill>
+          <a:latin typeface="+mn-lt"/>
+          <a:ea typeface="+mn-ea"/>
+          <a:cs typeface="+mn-cs"/>
+        </a:defRPr>
+      </a:lvl5pPr>
+      <a:lvl6pPr marL="2286000" algn="l" defTabSz="914400" rtl="0" eaLnBrk="1" latinLnBrk="0" hangingPunct="1">
+        <a:defRPr sz="1800" kern="1200">
+          <a:solidFill>
+            <a:schemeClr val="tx1"/>
+          </a:solidFill>
+          <a:latin typeface="+mn-lt"/>
+          <a:ea typeface="+mn-ea"/>
+          <a:cs typeface="+mn-cs"/>
+        </a:defRPr>
+      </a:lvl6pPr>
+      <a:lvl7pPr marL="2743200" algn="l" defTabSz="914400" rtl="0" eaLnBrk="1" latinLnBrk="0" hangingPunct="1">
+        <a:defRPr sz="1800" kern="1200">
+          <a:solidFill>
+            <a:schemeClr val="tx1"/>
+          </a:solidFill>
+          <a:latin typeface="+mn-lt"/>
+          <a:ea typeface="+mn-ea"/>
+          <a:cs typeface="+mn-cs"/>
+        </a:defRPr>
+      </a:lvl7pPr>
+      <a:lvl8pPr marL="3200400" algn="l" defTabSz="914400" rtl="0" eaLnBrk="1" latinLnBrk="0" hangingPunct="1">
+        <a:defRPr sz="1800" kern="1200">
+          <a:solidFill>
+            <a:schemeClr val="tx1"/>
+          </a:solidFill>
+          <a:latin typeface="+mn-lt"/>
+          <a:ea typeface="+mn-ea"/>
+          <a:cs typeface="+mn-cs"/>
+        </a:defRPr>
+      </a:lvl8pPr>
+      <a:lvl9pPr marL="3657600" algn="l" defTabSz="914400" rtl="0" eaLnBrk="1" latinLnBrk="0" hangingPunct="1">
+        <a:defRPr sz="1800" kern="1200">
+          <a:solidFill>
+            <a:schemeClr val="tx1"/>
+          </a:solidFill>
+          <a:latin typeface="+mn-lt"/>
+          <a:ea typeface="+mn-ea"/>
+          <a:cs typeface="+mn-cs"/>
+        </a:defRPr>
+      </a:lvl9pPr>
+    </p:otherStyle>
+  </p:txStyles>
 </p:sldMaster>
 </file>
 
 <file path=ppt/slideMasters/slideMaster9.xml><?xml version="1.0" encoding="utf-8"?>
-<p:sldMaster xmlns:a="http://schemas.openxmlformats.org/drawingml/2006/main" xmlns:p="http://schemas.openxmlformats.org/presentationml/2006/main" xmlns:r="http://schemas.openxmlformats.org/officeDocument/2006/relationships" xmlns:p14="http://schemas.microsoft.com/office/powerpoint/2010/main" xmlns:p15="http://schemas.microsoft.com/office/powerpoint/2012/main" xmlns:mc="http://schemas.openxmlformats.org/markup-compatibility/2006">
+<p:sldMaster xmlns:a="http://schemas.openxmlformats.org/drawingml/2006/main" xmlns:r="http://schemas.openxmlformats.org/officeDocument/2006/relationships" xmlns:p="http://schemas.openxmlformats.org/presentationml/2006/main">
   <p:cSld>
     <p:bg>
       <p:bgPr>
         <a:solidFill>
           <a:schemeClr val="lt1"/>
         </a:solidFill>
+        <a:effectLst/>
       </p:bgPr>
     </p:bg>
     <p:spTree>
@@ -4322,32 +6557,39 @@
             <a:avLst/>
           </a:prstGeom>
           <a:solidFill>
-            <a:srgbClr val="004c8d"/>
+            <a:srgbClr val="004C8D"/>
           </a:solidFill>
           <a:ln w="0">
             <a:noFill/>
           </a:ln>
         </p:spPr>
         <p:style>
-          <a:lnRef idx="0"/>
-          <a:fillRef idx="0"/>
-          <a:effectRef idx="0"/>
+          <a:lnRef idx="0">
+            <a:scrgbClr r="0" g="0" b="0"/>
+          </a:lnRef>
+          <a:fillRef idx="0">
+            <a:scrgbClr r="0" g="0" b="0"/>
+          </a:fillRef>
+          <a:effectRef idx="0">
+            <a:scrgbClr r="0" g="0" b="0"/>
+          </a:effectRef>
           <a:fontRef idx="minor"/>
         </p:style>
         <p:txBody>
-          <a:bodyPr lIns="90000" rIns="90000" tIns="45000" bIns="45000" anchor="ctr">
+          <a:bodyPr lIns="90000" tIns="45000" rIns="90000" bIns="45000" anchor="ctr">
             <a:noAutofit/>
           </a:bodyPr>
+          <a:lstStyle/>
           <a:p>
             <a:pPr algn="ctr">
               <a:lnSpc>
                 <a:spcPct val="100000"/>
               </a:lnSpc>
               <a:tabLst>
-                <a:tab algn="l" pos="0"/>
+                <a:tab pos="0" algn="l"/>
               </a:tabLst>
             </a:pPr>
-            <a:endParaRPr b="0" lang="es-MX" sz="1800" strike="noStrike" u="none">
+            <a:endParaRPr lang="es-MX" sz="1800" b="0" u="none" strike="noStrike">
               <a:solidFill>
                 <a:schemeClr val="lt1"/>
               </a:solidFill>
@@ -4378,22 +6620,29 @@
           </a:ln>
         </p:spPr>
         <p:style>
-          <a:lnRef idx="0"/>
-          <a:fillRef idx="0"/>
-          <a:effectRef idx="0"/>
+          <a:lnRef idx="0">
+            <a:scrgbClr r="0" g="0" b="0"/>
+          </a:lnRef>
+          <a:fillRef idx="0">
+            <a:scrgbClr r="0" g="0" b="0"/>
+          </a:fillRef>
+          <a:effectRef idx="0">
+            <a:scrgbClr r="0" g="0" b="0"/>
+          </a:effectRef>
           <a:fontRef idx="minor"/>
         </p:style>
         <p:txBody>
-          <a:bodyPr lIns="90000" rIns="90000" tIns="45000" bIns="45000" anchor="t">
+          <a:bodyPr lIns="90000" tIns="45000" rIns="90000" bIns="45000" anchor="t">
             <a:noAutofit/>
           </a:bodyPr>
+          <a:lstStyle/>
           <a:p>
             <a:pPr>
               <a:lnSpc>
                 <a:spcPct val="100000"/>
               </a:lnSpc>
             </a:pPr>
-            <a:endParaRPr b="0" lang="es-MX" sz="1800" strike="noStrike" u="none">
+            <a:endParaRPr lang="es-MX" sz="1800" b="0" u="none" strike="noStrike">
               <a:solidFill>
                 <a:srgbClr val="000000"/>
               </a:solidFill>
@@ -4427,7 +6676,7 @@
           </a:ln>
         </p:spPr>
         <p:txBody>
-          <a:bodyPr lIns="91440" rIns="91440" tIns="45720" bIns="45720" anchor="ctr">
+          <a:bodyPr lIns="91440" tIns="45720" rIns="91440" bIns="45720" anchor="ctr">
             <a:noAutofit/>
           </a:bodyPr>
           <a:lstStyle>
@@ -4437,9 +6686,9 @@
               </a:lnSpc>
               <a:buNone/>
               <a:tabLst>
-                <a:tab algn="l" pos="0"/>
+                <a:tab pos="0" algn="l"/>
               </a:tabLst>
-              <a:defRPr b="0" lang="es-MX" sz="1400" strike="noStrike" u="none">
+              <a:defRPr lang="es-MX" sz="1400" b="0" u="none" strike="noStrike">
                 <a:solidFill>
                   <a:srgbClr val="000000"/>
                 </a:solidFill>
@@ -4455,11 +6704,11 @@
               </a:lnSpc>
               <a:buNone/>
               <a:tabLst>
-                <a:tab algn="l" pos="0"/>
+                <a:tab pos="0" algn="l"/>
               </a:tabLst>
             </a:pPr>
             <a:r>
-              <a:rPr b="0" lang="es-MX" sz="1400" strike="noStrike" u="none">
+              <a:rPr lang="es-MX" sz="1400" b="0" u="none" strike="noStrike">
                 <a:solidFill>
                   <a:srgbClr val="000000"/>
                 </a:solidFill>
@@ -4468,13 +6717,6 @@
               </a:rPr>
               <a:t>&lt;footer&gt;</a:t>
             </a:r>
-            <a:endParaRPr b="0" lang="es-MX" sz="1400" strike="noStrike" u="none">
-              <a:solidFill>
-                <a:srgbClr val="000000"/>
-              </a:solidFill>
-              <a:uFillTx/>
-              <a:latin typeface="Times New Roman"/>
-            </a:endParaRPr>
           </a:p>
         </p:txBody>
       </p:sp>
@@ -4502,7 +6744,7 @@
           </a:ln>
         </p:spPr>
         <p:txBody>
-          <a:bodyPr lIns="91440" rIns="91440" tIns="45720" bIns="45720" anchor="ctr">
+          <a:bodyPr lIns="91440" tIns="45720" rIns="91440" bIns="45720" anchor="ctr">
             <a:noAutofit/>
           </a:bodyPr>
           <a:lstStyle>
@@ -4512,9 +6754,9 @@
               </a:lnSpc>
               <a:buNone/>
               <a:tabLst>
-                <a:tab algn="l" pos="0"/>
+                <a:tab pos="0" algn="l"/>
               </a:tabLst>
-              <a:defRPr b="0" lang="es-ES" sz="1200" strike="noStrike" u="none">
+              <a:defRPr lang="es-ES" sz="1200" b="0" u="none" strike="noStrike">
                 <a:solidFill>
                   <a:srgbClr val="888888"/>
                 </a:solidFill>
@@ -4531,11 +6773,11 @@
               </a:lnSpc>
               <a:buNone/>
               <a:tabLst>
-                <a:tab algn="l" pos="0"/>
+                <a:tab pos="0" algn="l"/>
               </a:tabLst>
             </a:pPr>
             <a:fld id="{BE782970-062D-45E9-AC45-2EBC3EAB94FB}" type="slidenum">
-              <a:rPr b="0" lang="es-ES" sz="1200" strike="noStrike" u="none">
+              <a:rPr lang="es-ES" sz="1200" b="0" u="none" strike="noStrike">
                 <a:solidFill>
                   <a:srgbClr val="888888"/>
                 </a:solidFill>
@@ -4543,9 +6785,9 @@
                 <a:latin typeface="Calibri"/>
                 <a:ea typeface="Calibri"/>
               </a:rPr>
-              <a:t>&lt;number&gt;</a:t>
+              <a:t>‹Nº›</a:t>
             </a:fld>
-            <a:endParaRPr b="0" lang="es-MX" sz="1200" strike="noStrike" u="none">
+            <a:endParaRPr lang="es-MX" sz="1200" b="0" u="none" strike="noStrike">
               <a:solidFill>
                 <a:srgbClr val="000000"/>
               </a:solidFill>
@@ -4579,13 +6821,13 @@
           </a:ln>
         </p:spPr>
         <p:txBody>
-          <a:bodyPr lIns="91440" rIns="91440" tIns="45720" bIns="45720" anchor="ctr">
+          <a:bodyPr lIns="91440" tIns="45720" rIns="91440" bIns="45720" anchor="ctr">
             <a:noAutofit/>
           </a:bodyPr>
           <a:lstStyle>
             <a:lvl1pPr indent="0">
               <a:buNone/>
-              <a:defRPr b="0" lang="es-MX" sz="1400" strike="noStrike" u="none">
+              <a:defRPr lang="es-MX" sz="1400" b="0" u="none" strike="noStrike">
                 <a:solidFill>
                   <a:srgbClr val="000000"/>
                 </a:solidFill>
@@ -4599,7 +6841,7 @@
               <a:buNone/>
             </a:pPr>
             <a:r>
-              <a:rPr b="0" lang="es-MX" sz="1400" strike="noStrike" u="none">
+              <a:rPr lang="es-MX" sz="1400" b="0" u="none" strike="noStrike">
                 <a:solidFill>
                   <a:srgbClr val="000000"/>
                 </a:solidFill>
@@ -4608,13 +6850,6 @@
               </a:rPr>
               <a:t>&lt;date/time&gt;</a:t>
             </a:r>
-            <a:endParaRPr b="0" lang="es-MX" sz="1400" strike="noStrike" u="none">
-              <a:solidFill>
-                <a:srgbClr val="000000"/>
-              </a:solidFill>
-              <a:uFillTx/>
-              <a:latin typeface="Times New Roman"/>
-            </a:endParaRPr>
           </a:p>
         </p:txBody>
       </p:sp>
@@ -4622,13 +6857,293 @@
   </p:cSld>
   <p:clrMap bg1="lt1" tx1="dk1" bg2="dk2" tx2="lt2" accent1="accent1" accent2="accent2" accent3="accent3" accent4="accent4" accent5="accent5" accent6="accent6" hlink="hlink" folHlink="folHlink"/>
   <p:sldLayoutIdLst>
-    <p:sldLayoutId id="2147483665" r:id="rId2"/>
+    <p:sldLayoutId id="2147483665" r:id="rId1"/>
   </p:sldLayoutIdLst>
+  <p:txStyles>
+    <p:titleStyle>
+      <a:lvl1pPr algn="l" defTabSz="914400" rtl="0" eaLnBrk="1" latinLnBrk="0" hangingPunct="1">
+        <a:lnSpc>
+          <a:spcPct val="90000"/>
+        </a:lnSpc>
+        <a:spcBef>
+          <a:spcPct val="0"/>
+        </a:spcBef>
+        <a:buNone/>
+        <a:defRPr sz="4400" kern="1200">
+          <a:solidFill>
+            <a:schemeClr val="tx1"/>
+          </a:solidFill>
+          <a:latin typeface="+mj-lt"/>
+          <a:ea typeface="+mj-ea"/>
+          <a:cs typeface="+mj-cs"/>
+        </a:defRPr>
+      </a:lvl1pPr>
+    </p:titleStyle>
+    <p:bodyStyle>
+      <a:lvl1pPr marL="228600" indent="-228600" algn="l" defTabSz="914400" rtl="0" eaLnBrk="1" latinLnBrk="0" hangingPunct="1">
+        <a:lnSpc>
+          <a:spcPct val="90000"/>
+        </a:lnSpc>
+        <a:spcBef>
+          <a:spcPts val="1000"/>
+        </a:spcBef>
+        <a:buFont typeface="Arial" panose="020B0604020202020204" pitchFamily="34" charset="0"/>
+        <a:buChar char="•"/>
+        <a:defRPr sz="2800" kern="1200">
+          <a:solidFill>
+            <a:schemeClr val="tx1"/>
+          </a:solidFill>
+          <a:latin typeface="+mn-lt"/>
+          <a:ea typeface="+mn-ea"/>
+          <a:cs typeface="+mn-cs"/>
+        </a:defRPr>
+      </a:lvl1pPr>
+      <a:lvl2pPr marL="685800" indent="-228600" algn="l" defTabSz="914400" rtl="0" eaLnBrk="1" latinLnBrk="0" hangingPunct="1">
+        <a:lnSpc>
+          <a:spcPct val="90000"/>
+        </a:lnSpc>
+        <a:spcBef>
+          <a:spcPts val="500"/>
+        </a:spcBef>
+        <a:buFont typeface="Arial" panose="020B0604020202020204" pitchFamily="34" charset="0"/>
+        <a:buChar char="•"/>
+        <a:defRPr sz="2400" kern="1200">
+          <a:solidFill>
+            <a:schemeClr val="tx1"/>
+          </a:solidFill>
+          <a:latin typeface="+mn-lt"/>
+          <a:ea typeface="+mn-ea"/>
+          <a:cs typeface="+mn-cs"/>
+        </a:defRPr>
+      </a:lvl2pPr>
+      <a:lvl3pPr marL="1143000" indent="-228600" algn="l" defTabSz="914400" rtl="0" eaLnBrk="1" latinLnBrk="0" hangingPunct="1">
+        <a:lnSpc>
+          <a:spcPct val="90000"/>
+        </a:lnSpc>
+        <a:spcBef>
+          <a:spcPts val="500"/>
+        </a:spcBef>
+        <a:buFont typeface="Arial" panose="020B0604020202020204" pitchFamily="34" charset="0"/>
+        <a:buChar char="•"/>
+        <a:defRPr sz="2000" kern="1200">
+          <a:solidFill>
+            <a:schemeClr val="tx1"/>
+          </a:solidFill>
+          <a:latin typeface="+mn-lt"/>
+          <a:ea typeface="+mn-ea"/>
+          <a:cs typeface="+mn-cs"/>
+        </a:defRPr>
+      </a:lvl3pPr>
+      <a:lvl4pPr marL="1600200" indent="-228600" algn="l" defTabSz="914400" rtl="0" eaLnBrk="1" latinLnBrk="0" hangingPunct="1">
+        <a:lnSpc>
+          <a:spcPct val="90000"/>
+        </a:lnSpc>
+        <a:spcBef>
+          <a:spcPts val="500"/>
+        </a:spcBef>
+        <a:buFont typeface="Arial" panose="020B0604020202020204" pitchFamily="34" charset="0"/>
+        <a:buChar char="•"/>
+        <a:defRPr sz="1800" kern="1200">
+          <a:solidFill>
+            <a:schemeClr val="tx1"/>
+          </a:solidFill>
+          <a:latin typeface="+mn-lt"/>
+          <a:ea typeface="+mn-ea"/>
+          <a:cs typeface="+mn-cs"/>
+        </a:defRPr>
+      </a:lvl4pPr>
+      <a:lvl5pPr marL="2057400" indent="-228600" algn="l" defTabSz="914400" rtl="0" eaLnBrk="1" latinLnBrk="0" hangingPunct="1">
+        <a:lnSpc>
+          <a:spcPct val="90000"/>
+        </a:lnSpc>
+        <a:spcBef>
+          <a:spcPts val="500"/>
+        </a:spcBef>
+        <a:buFont typeface="Arial" panose="020B0604020202020204" pitchFamily="34" charset="0"/>
+        <a:buChar char="•"/>
+        <a:defRPr sz="1800" kern="1200">
+          <a:solidFill>
+            <a:schemeClr val="tx1"/>
+          </a:solidFill>
+          <a:latin typeface="+mn-lt"/>
+          <a:ea typeface="+mn-ea"/>
+          <a:cs typeface="+mn-cs"/>
+        </a:defRPr>
+      </a:lvl5pPr>
+      <a:lvl6pPr marL="2514600" indent="-228600" algn="l" defTabSz="914400" rtl="0" eaLnBrk="1" latinLnBrk="0" hangingPunct="1">
+        <a:lnSpc>
+          <a:spcPct val="90000"/>
+        </a:lnSpc>
+        <a:spcBef>
+          <a:spcPts val="500"/>
+        </a:spcBef>
+        <a:buFont typeface="Arial" panose="020B0604020202020204" pitchFamily="34" charset="0"/>
+        <a:buChar char="•"/>
+        <a:defRPr sz="1800" kern="1200">
+          <a:solidFill>
+            <a:schemeClr val="tx1"/>
+          </a:solidFill>
+          <a:latin typeface="+mn-lt"/>
+          <a:ea typeface="+mn-ea"/>
+          <a:cs typeface="+mn-cs"/>
+        </a:defRPr>
+      </a:lvl6pPr>
+      <a:lvl7pPr marL="2971800" indent="-228600" algn="l" defTabSz="914400" rtl="0" eaLnBrk="1" latinLnBrk="0" hangingPunct="1">
+        <a:lnSpc>
+          <a:spcPct val="90000"/>
+        </a:lnSpc>
+        <a:spcBef>
+          <a:spcPts val="500"/>
+        </a:spcBef>
+        <a:buFont typeface="Arial" panose="020B0604020202020204" pitchFamily="34" charset="0"/>
+        <a:buChar char="•"/>
+        <a:defRPr sz="1800" kern="1200">
+          <a:solidFill>
+            <a:schemeClr val="tx1"/>
+          </a:solidFill>
+          <a:latin typeface="+mn-lt"/>
+          <a:ea typeface="+mn-ea"/>
+          <a:cs typeface="+mn-cs"/>
+        </a:defRPr>
+      </a:lvl7pPr>
+      <a:lvl8pPr marL="3429000" indent="-228600" algn="l" defTabSz="914400" rtl="0" eaLnBrk="1" latinLnBrk="0" hangingPunct="1">
+        <a:lnSpc>
+          <a:spcPct val="90000"/>
+        </a:lnSpc>
+        <a:spcBef>
+          <a:spcPts val="500"/>
+        </a:spcBef>
+        <a:buFont typeface="Arial" panose="020B0604020202020204" pitchFamily="34" charset="0"/>
+        <a:buChar char="•"/>
+        <a:defRPr sz="1800" kern="1200">
+          <a:solidFill>
+            <a:schemeClr val="tx1"/>
+          </a:solidFill>
+          <a:latin typeface="+mn-lt"/>
+          <a:ea typeface="+mn-ea"/>
+          <a:cs typeface="+mn-cs"/>
+        </a:defRPr>
+      </a:lvl8pPr>
+      <a:lvl9pPr marL="3886200" indent="-228600" algn="l" defTabSz="914400" rtl="0" eaLnBrk="1" latinLnBrk="0" hangingPunct="1">
+        <a:lnSpc>
+          <a:spcPct val="90000"/>
+        </a:lnSpc>
+        <a:spcBef>
+          <a:spcPts val="500"/>
+        </a:spcBef>
+        <a:buFont typeface="Arial" panose="020B0604020202020204" pitchFamily="34" charset="0"/>
+        <a:buChar char="•"/>
+        <a:defRPr sz="1800" kern="1200">
+          <a:solidFill>
+            <a:schemeClr val="tx1"/>
+          </a:solidFill>
+          <a:latin typeface="+mn-lt"/>
+          <a:ea typeface="+mn-ea"/>
+          <a:cs typeface="+mn-cs"/>
+        </a:defRPr>
+      </a:lvl9pPr>
+    </p:bodyStyle>
+    <p:otherStyle>
+      <a:defPPr>
+        <a:defRPr lang="es-MX"/>
+      </a:defPPr>
+      <a:lvl1pPr marL="0" algn="l" defTabSz="914400" rtl="0" eaLnBrk="1" latinLnBrk="0" hangingPunct="1">
+        <a:defRPr sz="1800" kern="1200">
+          <a:solidFill>
+            <a:schemeClr val="tx1"/>
+          </a:solidFill>
+          <a:latin typeface="+mn-lt"/>
+          <a:ea typeface="+mn-ea"/>
+          <a:cs typeface="+mn-cs"/>
+        </a:defRPr>
+      </a:lvl1pPr>
+      <a:lvl2pPr marL="457200" algn="l" defTabSz="914400" rtl="0" eaLnBrk="1" latinLnBrk="0" hangingPunct="1">
+        <a:defRPr sz="1800" kern="1200">
+          <a:solidFill>
+            <a:schemeClr val="tx1"/>
+          </a:solidFill>
+          <a:latin typeface="+mn-lt"/>
+          <a:ea typeface="+mn-ea"/>
+          <a:cs typeface="+mn-cs"/>
+        </a:defRPr>
+      </a:lvl2pPr>
+      <a:lvl3pPr marL="914400" algn="l" defTabSz="914400" rtl="0" eaLnBrk="1" latinLnBrk="0" hangingPunct="1">
+        <a:defRPr sz="1800" kern="1200">
+          <a:solidFill>
+            <a:schemeClr val="tx1"/>
+          </a:solidFill>
+          <a:latin typeface="+mn-lt"/>
+          <a:ea typeface="+mn-ea"/>
+          <a:cs typeface="+mn-cs"/>
+        </a:defRPr>
+      </a:lvl3pPr>
+      <a:lvl4pPr marL="1371600" algn="l" defTabSz="914400" rtl="0" eaLnBrk="1" latinLnBrk="0" hangingPunct="1">
+        <a:defRPr sz="1800" kern="1200">
+          <a:solidFill>
+            <a:schemeClr val="tx1"/>
+          </a:solidFill>
+          <a:latin typeface="+mn-lt"/>
+          <a:ea typeface="+mn-ea"/>
+          <a:cs typeface="+mn-cs"/>
+        </a:defRPr>
+      </a:lvl4pPr>
+      <a:lvl5pPr marL="1828800" algn="l" defTabSz="914400" rtl="0" eaLnBrk="1" latinLnBrk="0" hangingPunct="1">
+        <a:defRPr sz="1800" kern="1200">
+          <a:solidFill>
+            <a:schemeClr val="tx1"/>
+          </a:solidFill>
+          <a:latin typeface="+mn-lt"/>
+          <a:ea typeface="+mn-ea"/>
+          <a:cs typeface="+mn-cs"/>
+        </a:defRPr>
+      </a:lvl5pPr>
+      <a:lvl6pPr marL="2286000" algn="l" defTabSz="914400" rtl="0" eaLnBrk="1" latinLnBrk="0" hangingPunct="1">
+        <a:defRPr sz="1800" kern="1200">
+          <a:solidFill>
+            <a:schemeClr val="tx1"/>
+          </a:solidFill>
+          <a:latin typeface="+mn-lt"/>
+          <a:ea typeface="+mn-ea"/>
+          <a:cs typeface="+mn-cs"/>
+        </a:defRPr>
+      </a:lvl6pPr>
+      <a:lvl7pPr marL="2743200" algn="l" defTabSz="914400" rtl="0" eaLnBrk="1" latinLnBrk="0" hangingPunct="1">
+        <a:defRPr sz="1800" kern="1200">
+          <a:solidFill>
+            <a:schemeClr val="tx1"/>
+          </a:solidFill>
+          <a:latin typeface="+mn-lt"/>
+          <a:ea typeface="+mn-ea"/>
+          <a:cs typeface="+mn-cs"/>
+        </a:defRPr>
+      </a:lvl7pPr>
+      <a:lvl8pPr marL="3200400" algn="l" defTabSz="914400" rtl="0" eaLnBrk="1" latinLnBrk="0" hangingPunct="1">
+        <a:defRPr sz="1800" kern="1200">
+          <a:solidFill>
+            <a:schemeClr val="tx1"/>
+          </a:solidFill>
+          <a:latin typeface="+mn-lt"/>
+          <a:ea typeface="+mn-ea"/>
+          <a:cs typeface="+mn-cs"/>
+        </a:defRPr>
+      </a:lvl8pPr>
+      <a:lvl9pPr marL="3657600" algn="l" defTabSz="914400" rtl="0" eaLnBrk="1" latinLnBrk="0" hangingPunct="1">
+        <a:defRPr sz="1800" kern="1200">
+          <a:solidFill>
+            <a:schemeClr val="tx1"/>
+          </a:solidFill>
+          <a:latin typeface="+mn-lt"/>
+          <a:ea typeface="+mn-ea"/>
+          <a:cs typeface="+mn-cs"/>
+        </a:defRPr>
+      </a:lvl9pPr>
+    </p:otherStyle>
+  </p:txStyles>
 </p:sldMaster>
 </file>
 
 <file path=ppt/slides/slide1.xml><?xml version="1.0" encoding="utf-8"?>
-<p:sld xmlns:a="http://schemas.openxmlformats.org/drawingml/2006/main" xmlns:p="http://schemas.openxmlformats.org/presentationml/2006/main" xmlns:r="http://schemas.openxmlformats.org/officeDocument/2006/relationships" xmlns:p14="http://schemas.microsoft.com/office/powerpoint/2010/main" xmlns:p15="http://schemas.microsoft.com/office/powerpoint/2012/main" xmlns:mc="http://schemas.openxmlformats.org/markup-compatibility/2006">
+<p:sld xmlns:a="http://schemas.openxmlformats.org/drawingml/2006/main" xmlns:r="http://schemas.openxmlformats.org/officeDocument/2006/relationships" xmlns:p="http://schemas.openxmlformats.org/presentationml/2006/main">
   <p:cSld>
     <p:spTree>
       <p:nvGrpSpPr>
@@ -4669,25 +7184,32 @@
           </a:ln>
         </p:spPr>
         <p:style>
-          <a:lnRef idx="0"/>
-          <a:fillRef idx="0"/>
-          <a:effectRef idx="0"/>
+          <a:lnRef idx="0">
+            <a:scrgbClr r="0" g="0" b="0"/>
+          </a:lnRef>
+          <a:fillRef idx="0">
+            <a:scrgbClr r="0" g="0" b="0"/>
+          </a:fillRef>
+          <a:effectRef idx="0">
+            <a:scrgbClr r="0" g="0" b="0"/>
+          </a:effectRef>
           <a:fontRef idx="minor"/>
         </p:style>
         <p:txBody>
-          <a:bodyPr lIns="90000" rIns="90000" tIns="22320" bIns="22320" anchor="ctr">
+          <a:bodyPr lIns="90000" tIns="22320" rIns="90000" bIns="22320" anchor="ctr">
             <a:noAutofit/>
           </a:bodyPr>
+          <a:lstStyle/>
           <a:p>
             <a:pPr algn="ctr">
               <a:lnSpc>
                 <a:spcPct val="100000"/>
               </a:lnSpc>
               <a:tabLst>
-                <a:tab algn="l" pos="0"/>
+                <a:tab pos="0" algn="l"/>
               </a:tabLst>
             </a:pPr>
-            <a:endParaRPr b="1" lang="es-MX" sz="3200" strike="noStrike" u="none">
+            <a:endParaRPr lang="es-MX" sz="3200" b="1" u="none" strike="noStrike">
               <a:solidFill>
                 <a:srgbClr val="003765"/>
               </a:solidFill>
@@ -4718,26 +7240,33 @@
           </a:ln>
         </p:spPr>
         <p:style>
-          <a:lnRef idx="0"/>
-          <a:fillRef idx="0"/>
-          <a:effectRef idx="0"/>
+          <a:lnRef idx="0">
+            <a:scrgbClr r="0" g="0" b="0"/>
+          </a:lnRef>
+          <a:fillRef idx="0">
+            <a:scrgbClr r="0" g="0" b="0"/>
+          </a:fillRef>
+          <a:effectRef idx="0">
+            <a:scrgbClr r="0" g="0" b="0"/>
+          </a:effectRef>
           <a:fontRef idx="minor"/>
         </p:style>
         <p:txBody>
-          <a:bodyPr lIns="90000" rIns="90000" tIns="45000" bIns="45000" anchor="t">
-            <a:normAutofit fontScale="40000" lnSpcReduction="19999"/>
+          <a:bodyPr lIns="90000" tIns="45000" rIns="90000" bIns="45000" anchor="t">
+            <a:normAutofit fontScale="40000" lnSpcReduction="20000"/>
           </a:bodyPr>
+          <a:lstStyle/>
           <a:p>
             <a:pPr algn="ctr">
               <a:lnSpc>
                 <a:spcPct val="100000"/>
               </a:lnSpc>
               <a:tabLst>
-                <a:tab algn="l" pos="0"/>
+                <a:tab pos="0" algn="l"/>
               </a:tabLst>
             </a:pPr>
             <a:r>
-              <a:rPr b="1" lang="es-MX" sz="11400" strike="noStrike" u="none">
+              <a:rPr lang="es-MX" sz="11400" b="1" u="none" strike="noStrike" dirty="0">
                 <a:solidFill>
                   <a:srgbClr val="002060"/>
                 </a:solidFill>
@@ -4747,7 +7276,7 @@
               </a:rPr>
               <a:t>Delito de Violación</a:t>
             </a:r>
-            <a:endParaRPr b="0" lang="es-MX" sz="11400" strike="noStrike" u="none">
+            <a:endParaRPr lang="es-MX" sz="11400" b="0" u="none" strike="noStrike" dirty="0">
               <a:solidFill>
                 <a:srgbClr val="000000"/>
               </a:solidFill>
@@ -4761,11 +7290,11 @@
                 <a:spcPct val="100000"/>
               </a:lnSpc>
               <a:tabLst>
-                <a:tab algn="l" pos="0"/>
+                <a:tab pos="0" algn="l"/>
               </a:tabLst>
             </a:pPr>
             <a:r>
-              <a:rPr b="1" lang="es-ES" sz="8600" strike="noStrike" u="none">
+              <a:rPr lang="es-ES" sz="8600" b="1" u="none" strike="noStrike" dirty="0">
                 <a:solidFill>
                   <a:srgbClr val="002060"/>
                 </a:solidFill>
@@ -4773,9 +7302,9 @@
                 <a:latin typeface="Arial"/>
                 <a:ea typeface="Arial"/>
               </a:rPr>
-              <a:t>Actualización al 21 de noviembre de 2024</a:t>
+              <a:t>Actualización al 26 de enero de 2025</a:t>
             </a:r>
-            <a:endParaRPr b="0" lang="es-MX" sz="8600" strike="noStrike" u="none">
+            <a:endParaRPr lang="es-MX" sz="8600" b="0" u="none" strike="noStrike" dirty="0">
               <a:solidFill>
                 <a:srgbClr val="000000"/>
               </a:solidFill>
@@ -4805,26 +7334,33 @@
           </a:ln>
         </p:spPr>
         <p:style>
-          <a:lnRef idx="0"/>
-          <a:fillRef idx="0"/>
-          <a:effectRef idx="0"/>
+          <a:lnRef idx="0">
+            <a:scrgbClr r="0" g="0" b="0"/>
+          </a:lnRef>
+          <a:fillRef idx="0">
+            <a:scrgbClr r="0" g="0" b="0"/>
+          </a:fillRef>
+          <a:effectRef idx="0">
+            <a:scrgbClr r="0" g="0" b="0"/>
+          </a:effectRef>
           <a:fontRef idx="minor"/>
         </p:style>
         <p:txBody>
-          <a:bodyPr lIns="90000" rIns="90000" tIns="45000" bIns="45000" anchor="t">
+          <a:bodyPr lIns="90000" tIns="45000" rIns="90000" bIns="45000" anchor="t">
             <a:noAutofit/>
           </a:bodyPr>
+          <a:lstStyle/>
           <a:p>
             <a:pPr algn="ctr">
               <a:lnSpc>
                 <a:spcPct val="100000"/>
               </a:lnSpc>
               <a:tabLst>
-                <a:tab algn="l" pos="0"/>
+                <a:tab pos="0" algn="l"/>
               </a:tabLst>
             </a:pPr>
             <a:r>
-              <a:rPr b="0" lang="es-ES" sz="2400" strike="noStrike" u="none">
+              <a:rPr lang="es-ES" sz="2400" b="0" u="none" strike="noStrike">
                 <a:solidFill>
                   <a:srgbClr val="002060"/>
                 </a:solidFill>
@@ -4834,7 +7370,7 @@
               </a:rPr>
               <a:t>Coordinación General de Investigación de Delitos de Género y Atención a Víctimas</a:t>
             </a:r>
-            <a:endParaRPr b="0" lang="es-MX" sz="2400" strike="noStrike" u="none">
+            <a:endParaRPr lang="es-MX" sz="2400" b="0" u="none" strike="noStrike">
               <a:solidFill>
                 <a:srgbClr val="000000"/>
               </a:solidFill>
@@ -4846,66 +7382,61 @@
       </p:sp>
     </p:spTree>
   </p:cSld>
-  <mc:AlternateContent>
-    <mc:Choice Requires="p14">
-      <p:transition spd="slow" p14:dur="2000"/>
-    </mc:Choice>
-    <mc:Fallback>
-      <p:transition spd="slow"/>
-    </mc:Fallback>
-  </mc:AlternateContent>
+  <p:clrMapOvr>
+    <a:masterClrMapping/>
+  </p:clrMapOvr>
 </p:sld>
 </file>
 
 <file path=ppt/theme/theme1.xml><?xml version="1.0" encoding="utf-8"?>
-<a:theme xmlns:a="http://schemas.openxmlformats.org/drawingml/2006/main" xmlns:r="http://schemas.openxmlformats.org/officeDocument/2006/relationships" name="Tema de Office">
+<a:theme xmlns:a="http://schemas.openxmlformats.org/drawingml/2006/main" name="Tema de Office">
   <a:themeElements>
     <a:clrScheme name="Office">
       <a:dk1>
         <a:srgbClr val="000000"/>
       </a:dk1>
       <a:lt1>
-        <a:srgbClr val="ffffff"/>
+        <a:srgbClr val="FFFFFF"/>
       </a:lt1>
       <a:dk2>
-        <a:srgbClr val="44546a"/>
+        <a:srgbClr val="44546A"/>
       </a:dk2>
       <a:lt2>
-        <a:srgbClr val="e7e6e6"/>
+        <a:srgbClr val="E7E6E6"/>
       </a:lt2>
       <a:accent1>
-        <a:srgbClr val="5b9bd5"/>
+        <a:srgbClr val="5B9BD5"/>
       </a:accent1>
       <a:accent2>
-        <a:srgbClr val="ed7d31"/>
+        <a:srgbClr val="ED7D31"/>
       </a:accent2>
       <a:accent3>
-        <a:srgbClr val="a5a5a5"/>
+        <a:srgbClr val="A5A5A5"/>
       </a:accent3>
       <a:accent4>
-        <a:srgbClr val="ffc000"/>
+        <a:srgbClr val="FFC000"/>
       </a:accent4>
       <a:accent5>
-        <a:srgbClr val="4472c4"/>
+        <a:srgbClr val="4472C4"/>
       </a:accent5>
       <a:accent6>
-        <a:srgbClr val="70ad47"/>
+        <a:srgbClr val="70AD47"/>
       </a:accent6>
       <a:hlink>
-        <a:srgbClr val="0563c1"/>
+        <a:srgbClr val="0563C1"/>
       </a:hlink>
       <a:folHlink>
-        <a:srgbClr val="954f72"/>
+        <a:srgbClr val="954F72"/>
       </a:folHlink>
     </a:clrScheme>
     <a:fontScheme name="Office">
       <a:majorFont>
-        <a:latin typeface="Arial" pitchFamily="0" charset="1"/>
+        <a:latin typeface="Arial"/>
         <a:ea typeface=""/>
         <a:cs typeface=""/>
       </a:majorFont>
       <a:minorFont>
-        <a:latin typeface="Arial" pitchFamily="0" charset="1"/>
+        <a:latin typeface="Arial"/>
         <a:ea typeface=""/>
         <a:cs typeface=""/>
       </a:minorFont>
@@ -4934,7 +7465,7 @@
             </a:gs>
           </a:gsLst>
           <a:lin ang="16200000" scaled="1"/>
-          <a:tileRect l="0" t="0" r="0" b="0"/>
+          <a:tileRect/>
         </a:gradFill>
         <a:gradFill>
           <a:gsLst>
@@ -4952,7 +7483,7 @@
             </a:gs>
           </a:gsLst>
           <a:lin ang="16200000" scaled="0"/>
-          <a:tileRect l="0" t="0" r="0" b="0"/>
+          <a:tileRect/>
         </a:gradFill>
       </a:fillStyleLst>
       <a:lnStyleLst>
@@ -5003,7 +7534,7 @@
           <a:path path="circle">
             <a:fillToRect l="50000" t="-80000" r="50000" b="180000"/>
           </a:path>
-          <a:tileRect l="0" t="0" r="0" b="0"/>
+          <a:tileRect/>
         </a:gradFill>
         <a:gradFill>
           <a:gsLst>
@@ -5021,63 +7552,65 @@
           <a:path path="circle">
             <a:fillToRect l="50000" t="50000" r="50000" b="50000"/>
           </a:path>
-          <a:tileRect l="0" t="0" r="0" b="0"/>
+          <a:tileRect/>
         </a:gradFill>
       </a:bgFillStyleLst>
     </a:fmtScheme>
   </a:themeElements>
+  <a:objectDefaults/>
+  <a:extraClrSchemeLst/>
 </a:theme>
 </file>
 
 <file path=ppt/theme/theme2.xml><?xml version="1.0" encoding="utf-8"?>
-<a:theme xmlns:a="http://schemas.openxmlformats.org/drawingml/2006/main" xmlns:r="http://schemas.openxmlformats.org/officeDocument/2006/relationships" name="Tema de Office">
+<a:theme xmlns:a="http://schemas.openxmlformats.org/drawingml/2006/main" name="Tema de Office">
   <a:themeElements>
     <a:clrScheme name="Office">
       <a:dk1>
         <a:srgbClr val="000000"/>
       </a:dk1>
       <a:lt1>
-        <a:srgbClr val="ffffff"/>
+        <a:srgbClr val="FFFFFF"/>
       </a:lt1>
       <a:dk2>
-        <a:srgbClr val="44546a"/>
+        <a:srgbClr val="44546A"/>
       </a:dk2>
       <a:lt2>
-        <a:srgbClr val="e7e6e6"/>
+        <a:srgbClr val="E7E6E6"/>
       </a:lt2>
       <a:accent1>
-        <a:srgbClr val="5b9bd5"/>
+        <a:srgbClr val="5B9BD5"/>
       </a:accent1>
       <a:accent2>
-        <a:srgbClr val="ed7d31"/>
+        <a:srgbClr val="ED7D31"/>
       </a:accent2>
       <a:accent3>
-        <a:srgbClr val="a5a5a5"/>
+        <a:srgbClr val="A5A5A5"/>
       </a:accent3>
       <a:accent4>
-        <a:srgbClr val="ffc000"/>
+        <a:srgbClr val="FFC000"/>
       </a:accent4>
       <a:accent5>
-        <a:srgbClr val="4472c4"/>
+        <a:srgbClr val="4472C4"/>
       </a:accent5>
       <a:accent6>
-        <a:srgbClr val="70ad47"/>
+        <a:srgbClr val="70AD47"/>
       </a:accent6>
       <a:hlink>
-        <a:srgbClr val="0563c1"/>
+        <a:srgbClr val="0563C1"/>
       </a:hlink>
       <a:folHlink>
-        <a:srgbClr val="954f72"/>
+        <a:srgbClr val="954F72"/>
       </a:folHlink>
     </a:clrScheme>
     <a:fontScheme name="Office">
       <a:majorFont>
-        <a:latin typeface="Arial" pitchFamily="0" charset="1"/>
+        <a:latin typeface="Arial"/>
         <a:ea typeface=""/>
         <a:cs typeface=""/>
       </a:majorFont>
       <a:minorFont>
-        <a:latin typeface="Arial" pitchFamily="0" charset="1"/>
+        <a:latin typeface="Arial"/>
         <a:ea typeface=""/>
         <a:cs typeface=""/>
       </a:minorFont>
@@ -5106,7 +7639,7 @@
             </a:gs>
           </a:gsLst>
           <a:lin ang="16200000" scaled="1"/>
-          <a:tileRect l="0" t="0" r="0" b="0"/>
+          <a:tileRect/>
         </a:gradFill>
         <a:gradFill>
           <a:gsLst>
@@ -5124,7 +7657,7 @@
             </a:gs>
           </a:gsLst>
           <a:lin ang="16200000" scaled="0"/>
-          <a:tileRect l="0" t="0" r="0" b="0"/>
+          <a:tileRect/>
         </a:gradFill>
       </a:fillStyleLst>
       <a:lnStyleLst>
@@ -5175,7 +7708,7 @@
           <a:path path="circle">
             <a:fillToRect l="50000" t="-80000" r="50000" b="180000"/>
           </a:path>
-          <a:tileRect l="0" t="0" r="0" b="0"/>
+          <a:tileRect/>
         </a:gradFill>
         <a:gradFill>
           <a:gsLst>
@@ -5193,63 +7726,65 @@
           <a:path path="circle">
             <a:fillToRect l="50000" t="50000" r="50000" b="50000"/>
           </a:path>
-          <a:tileRect l="0" t="0" r="0" b="0"/>
+          <a:tileRect/>
         </a:gradFill>
       </a:bgFillStyleLst>
     </a:fmtScheme>
   </a:themeElements>
+  <a:objectDefaults/>
+  <a:extraClrSchemeLst/>
 </a:theme>
 </file>
 
 <file path=ppt/theme/theme3.xml><?xml version="1.0" encoding="utf-8"?>
-<a:theme xmlns:a="http://schemas.openxmlformats.org/drawingml/2006/main" xmlns:r="http://schemas.openxmlformats.org/officeDocument/2006/relationships" name="Tema de Office">
+<a:theme xmlns:a="http://schemas.openxmlformats.org/drawingml/2006/main" name="Tema de Office">
   <a:themeElements>
     <a:clrScheme name="Office">
       <a:dk1>
         <a:srgbClr val="000000"/>
       </a:dk1>
       <a:lt1>
-        <a:srgbClr val="ffffff"/>
+        <a:srgbClr val="FFFFFF"/>
       </a:lt1>
       <a:dk2>
-        <a:srgbClr val="44546a"/>
+        <a:srgbClr val="44546A"/>
       </a:dk2>
       <a:lt2>
-        <a:srgbClr val="e7e6e6"/>
+        <a:srgbClr val="E7E6E6"/>
       </a:lt2>
       <a:accent1>
-        <a:srgbClr val="5b9bd5"/>
+        <a:srgbClr val="5B9BD5"/>
       </a:accent1>
       <a:accent2>
-        <a:srgbClr val="ed7d31"/>
+        <a:srgbClr val="ED7D31"/>
       </a:accent2>
       <a:accent3>
-        <a:srgbClr val="a5a5a5"/>
+        <a:srgbClr val="A5A5A5"/>
       </a:accent3>
       <a:accent4>
-        <a:srgbClr val="ffc000"/>
+        <a:srgbClr val="FFC000"/>
       </a:accent4>
       <a:accent5>
-        <a:srgbClr val="4472c4"/>
+        <a:srgbClr val="4472C4"/>
       </a:accent5>
       <a:accent6>
-        <a:srgbClr val="70ad47"/>
+        <a:srgbClr val="70AD47"/>
       </a:accent6>
       <a:hlink>
-        <a:srgbClr val="0563c1"/>
+        <a:srgbClr val="0563C1"/>
       </a:hlink>
       <a:folHlink>
-        <a:srgbClr val="954f72"/>
+        <a:srgbClr val="954F72"/>
       </a:folHlink>
     </a:clrScheme>
     <a:fontScheme name="Office">
       <a:majorFont>
-        <a:latin typeface="Arial" pitchFamily="0" charset="1"/>
+        <a:latin typeface="Arial"/>
         <a:ea typeface=""/>
         <a:cs typeface=""/>
       </a:majorFont>
       <a:minorFont>
-        <a:latin typeface="Arial" pitchFamily="0" charset="1"/>
+        <a:latin typeface="Arial"/>
         <a:ea typeface=""/>
         <a:cs typeface=""/>
       </a:minorFont>
@@ -5278,7 +7813,7 @@
             </a:gs>
           </a:gsLst>
           <a:lin ang="16200000" scaled="1"/>
-          <a:tileRect l="0" t="0" r="0" b="0"/>
+          <a:tileRect/>
         </a:gradFill>
         <a:gradFill>
           <a:gsLst>
@@ -5296,7 +7831,7 @@
             </a:gs>
           </a:gsLst>
           <a:lin ang="16200000" scaled="0"/>
-          <a:tileRect l="0" t="0" r="0" b="0"/>
+          <a:tileRect/>
         </a:gradFill>
       </a:fillStyleLst>
       <a:lnStyleLst>
@@ -5347,7 +7882,7 @@
           <a:path path="circle">
             <a:fillToRect l="50000" t="-80000" r="50000" b="180000"/>
           </a:path>
-          <a:tileRect l="0" t="0" r="0" b="0"/>
+          <a:tileRect/>
         </a:gradFill>
         <a:gradFill>
           <a:gsLst>
@@ -5365,63 +7900,65 @@
           <a:path path="circle">
             <a:fillToRect l="50000" t="50000" r="50000" b="50000"/>
           </a:path>
-          <a:tileRect l="0" t="0" r="0" b="0"/>
+          <a:tileRect/>
         </a:gradFill>
       </a:bgFillStyleLst>
     </a:fmtScheme>
   </a:themeElements>
+  <a:objectDefaults/>
+  <a:extraClrSchemeLst/>
 </a:theme>
 </file>
 
 <file path=ppt/theme/theme4.xml><?xml version="1.0" encoding="utf-8"?>
-<a:theme xmlns:a="http://schemas.openxmlformats.org/drawingml/2006/main" xmlns:r="http://schemas.openxmlformats.org/officeDocument/2006/relationships" name="Tema de Office">
+<a:theme xmlns:a="http://schemas.openxmlformats.org/drawingml/2006/main" name="Tema de Office">
   <a:themeElements>
     <a:clrScheme name="Office">
       <a:dk1>
         <a:srgbClr val="000000"/>
       </a:dk1>
       <a:lt1>
-        <a:srgbClr val="ffffff"/>
+        <a:srgbClr val="FFFFFF"/>
       </a:lt1>
       <a:dk2>
-        <a:srgbClr val="44546a"/>
+        <a:srgbClr val="44546A"/>
       </a:dk2>
       <a:lt2>
-        <a:srgbClr val="e7e6e6"/>
+        <a:srgbClr val="E7E6E6"/>
       </a:lt2>
       <a:accent1>
-        <a:srgbClr val="5b9bd5"/>
+        <a:srgbClr val="5B9BD5"/>
       </a:accent1>
       <a:accent2>
-        <a:srgbClr val="ed7d31"/>
+        <a:srgbClr val="ED7D31"/>
       </a:accent2>
       <a:accent3>
-        <a:srgbClr val="a5a5a5"/>
+        <a:srgbClr val="A5A5A5"/>
       </a:accent3>
       <a:accent4>
-        <a:srgbClr val="ffc000"/>
+        <a:srgbClr val="FFC000"/>
       </a:accent4>
       <a:accent5>
-        <a:srgbClr val="4472c4"/>
+        <a:srgbClr val="4472C4"/>
       </a:accent5>
       <a:accent6>
-        <a:srgbClr val="70ad47"/>
+        <a:srgbClr val="70AD47"/>
       </a:accent6>
       <a:hlink>
-        <a:srgbClr val="0563c1"/>
+        <a:srgbClr val="0563C1"/>
       </a:hlink>
       <a:folHlink>
-        <a:srgbClr val="954f72"/>
+        <a:srgbClr val="954F72"/>
       </a:folHlink>
     </a:clrScheme>
     <a:fontScheme name="Office">
       <a:majorFont>
-        <a:latin typeface="Arial" pitchFamily="0" charset="1"/>
+        <a:latin typeface="Arial"/>
         <a:ea typeface=""/>
         <a:cs typeface=""/>
       </a:majorFont>
       <a:minorFont>
-        <a:latin typeface="Arial" pitchFamily="0" charset="1"/>
+        <a:latin typeface="Arial"/>
         <a:ea typeface=""/>
         <a:cs typeface=""/>
       </a:minorFont>
@@ -5450,7 +7987,7 @@
             </a:gs>
           </a:gsLst>
           <a:lin ang="16200000" scaled="1"/>
-          <a:tileRect l="0" t="0" r="0" b="0"/>
+          <a:tileRect/>
         </a:gradFill>
         <a:gradFill>
           <a:gsLst>
@@ -5468,7 +8005,7 @@
             </a:gs>
           </a:gsLst>
           <a:lin ang="16200000" scaled="0"/>
-          <a:tileRect l="0" t="0" r="0" b="0"/>
+          <a:tileRect/>
         </a:gradFill>
       </a:fillStyleLst>
       <a:lnStyleLst>
@@ -5519,7 +8056,7 @@
           <a:path path="circle">
             <a:fillToRect l="50000" t="-80000" r="50000" b="180000"/>
           </a:path>
-          <a:tileRect l="0" t="0" r="0" b="0"/>
+          <a:tileRect/>
         </a:gradFill>
         <a:gradFill>
           <a:gsLst>
@@ -5537,63 +8074,65 @@
           <a:path path="circle">
             <a:fillToRect l="50000" t="50000" r="50000" b="50000"/>
           </a:path>
-          <a:tileRect l="0" t="0" r="0" b="0"/>
+          <a:tileRect/>
         </a:gradFill>
       </a:bgFillStyleLst>
     </a:fmtScheme>
   </a:themeElements>
+  <a:objectDefaults/>
+  <a:extraClrSchemeLst/>
 </a:theme>
 </file>
 
 <file path=ppt/theme/theme5.xml><?xml version="1.0" encoding="utf-8"?>
-<a:theme xmlns:a="http://schemas.openxmlformats.org/drawingml/2006/main" xmlns:r="http://schemas.openxmlformats.org/officeDocument/2006/relationships" name="Tema de Office">
+<a:theme xmlns:a="http://schemas.openxmlformats.org/drawingml/2006/main" name="Tema de Office">
   <a:themeElements>
     <a:clrScheme name="Office">
       <a:dk1>
         <a:srgbClr val="000000"/>
       </a:dk1>
       <a:lt1>
-        <a:srgbClr val="ffffff"/>
+        <a:srgbClr val="FFFFFF"/>
       </a:lt1>
       <a:dk2>
-        <a:srgbClr val="44546a"/>
+        <a:srgbClr val="44546A"/>
       </a:dk2>
       <a:lt2>
-        <a:srgbClr val="e7e6e6"/>
+        <a:srgbClr val="E7E6E6"/>
       </a:lt2>
       <a:accent1>
-        <a:srgbClr val="5b9bd5"/>
+        <a:srgbClr val="5B9BD5"/>
       </a:accent1>
       <a:accent2>
-        <a:srgbClr val="ed7d31"/>
+        <a:srgbClr val="ED7D31"/>
       </a:accent2>
       <a:accent3>
-        <a:srgbClr val="a5a5a5"/>
+        <a:srgbClr val="A5A5A5"/>
       </a:accent3>
       <a:accent4>
-        <a:srgbClr val="ffc000"/>
+        <a:srgbClr val="FFC000"/>
       </a:accent4>
       <a:accent5>
-        <a:srgbClr val="4472c4"/>
+        <a:srgbClr val="4472C4"/>
       </a:accent5>
       <a:accent6>
-        <a:srgbClr val="70ad47"/>
+        <a:srgbClr val="70AD47"/>
       </a:accent6>
       <a:hlink>
-        <a:srgbClr val="0563c1"/>
+        <a:srgbClr val="0563C1"/>
       </a:hlink>
       <a:folHlink>
-        <a:srgbClr val="954f72"/>
+        <a:srgbClr val="954F72"/>
       </a:folHlink>
     </a:clrScheme>
     <a:fontScheme name="Office">
       <a:majorFont>
-        <a:latin typeface="Arial" pitchFamily="0" charset="1"/>
+        <a:latin typeface="Arial"/>
         <a:ea typeface=""/>
         <a:cs typeface=""/>
       </a:majorFont>
       <a:minorFont>
-        <a:latin typeface="Arial" pitchFamily="0" charset="1"/>
+        <a:latin typeface="Arial"/>
         <a:ea typeface=""/>
         <a:cs typeface=""/>
       </a:minorFont>
@@ -5622,7 +8161,7 @@
             </a:gs>
           </a:gsLst>
           <a:lin ang="16200000" scaled="1"/>
-          <a:tileRect l="0" t="0" r="0" b="0"/>
+          <a:tileRect/>
         </a:gradFill>
         <a:gradFill>
           <a:gsLst>
@@ -5640,7 +8179,7 @@
             </a:gs>
           </a:gsLst>
           <a:lin ang="16200000" scaled="0"/>
-          <a:tileRect l="0" t="0" r="0" b="0"/>
+          <a:tileRect/>
         </a:gradFill>
       </a:fillStyleLst>
       <a:lnStyleLst>
@@ -5691,7 +8230,7 @@
           <a:path path="circle">
             <a:fillToRect l="50000" t="-80000" r="50000" b="180000"/>
           </a:path>
-          <a:tileRect l="0" t="0" r="0" b="0"/>
+          <a:tileRect/>
         </a:gradFill>
         <a:gradFill>
           <a:gsLst>
@@ -5709,63 +8248,65 @@
           <a:path path="circle">
             <a:fillToRect l="50000" t="50000" r="50000" b="50000"/>
           </a:path>
-          <a:tileRect l="0" t="0" r="0" b="0"/>
+          <a:tileRect/>
         </a:gradFill>
       </a:bgFillStyleLst>
     </a:fmtScheme>
   </a:themeElements>
+  <a:objectDefaults/>
+  <a:extraClrSchemeLst/>
 </a:theme>
 </file>
 
 <file path=ppt/theme/theme6.xml><?xml version="1.0" encoding="utf-8"?>
-<a:theme xmlns:a="http://schemas.openxmlformats.org/drawingml/2006/main" xmlns:r="http://schemas.openxmlformats.org/officeDocument/2006/relationships" name="Tema de Office">
+<a:theme xmlns:a="http://schemas.openxmlformats.org/drawingml/2006/main" name="Tema de Office">
   <a:themeElements>
     <a:clrScheme name="Office">
       <a:dk1>
         <a:srgbClr val="000000"/>
       </a:dk1>
       <a:lt1>
-        <a:srgbClr val="ffffff"/>
+        <a:srgbClr val="FFFFFF"/>
       </a:lt1>
       <a:dk2>
-        <a:srgbClr val="44546a"/>
+        <a:srgbClr val="44546A"/>
       </a:dk2>
       <a:lt2>
-        <a:srgbClr val="e7e6e6"/>
+        <a:srgbClr val="E7E6E6"/>
       </a:lt2>
       <a:accent1>
-        <a:srgbClr val="5b9bd5"/>
+        <a:srgbClr val="5B9BD5"/>
       </a:accent1>
       <a:accent2>
-        <a:srgbClr val="ed7d31"/>
+        <a:srgbClr val="ED7D31"/>
       </a:accent2>
       <a:accent3>
-        <a:srgbClr val="a5a5a5"/>
+        <a:srgbClr val="A5A5A5"/>
       </a:accent3>
       <a:accent4>
-        <a:srgbClr val="ffc000"/>
+        <a:srgbClr val="FFC000"/>
       </a:accent4>
       <a:accent5>
-        <a:srgbClr val="4472c4"/>
+        <a:srgbClr val="4472C4"/>
       </a:accent5>
       <a:accent6>
-        <a:srgbClr val="70ad47"/>
+        <a:srgbClr val="70AD47"/>
       </a:accent6>
       <a:hlink>
-        <a:srgbClr val="0563c1"/>
+        <a:srgbClr val="0563C1"/>
       </a:hlink>
       <a:folHlink>
-        <a:srgbClr val="954f72"/>
+        <a:srgbClr val="954F72"/>
       </a:folHlink>
     </a:clrScheme>
     <a:fontScheme name="Office">
       <a:majorFont>
-        <a:latin typeface="Arial" pitchFamily="0" charset="1"/>
+        <a:latin typeface="Arial"/>
         <a:ea typeface=""/>
         <a:cs typeface=""/>
       </a:majorFont>
       <a:minorFont>
-        <a:latin typeface="Arial" pitchFamily="0" charset="1"/>
+        <a:latin typeface="Arial"/>
         <a:ea typeface=""/>
         <a:cs typeface=""/>
       </a:minorFont>
@@ -5794,7 +8335,7 @@
             </a:gs>
           </a:gsLst>
           <a:lin ang="16200000" scaled="1"/>
-          <a:tileRect l="0" t="0" r="0" b="0"/>
+          <a:tileRect/>
         </a:gradFill>
         <a:gradFill>
           <a:gsLst>
@@ -5812,7 +8353,7 @@
             </a:gs>
           </a:gsLst>
           <a:lin ang="16200000" scaled="0"/>
-          <a:tileRect l="0" t="0" r="0" b="0"/>
+          <a:tileRect/>
         </a:gradFill>
       </a:fillStyleLst>
       <a:lnStyleLst>
@@ -5863,7 +8404,7 @@
           <a:path path="circle">
             <a:fillToRect l="50000" t="-80000" r="50000" b="180000"/>
           </a:path>
-          <a:tileRect l="0" t="0" r="0" b="0"/>
+          <a:tileRect/>
         </a:gradFill>
         <a:gradFill>
           <a:gsLst>
@@ -5881,63 +8422,65 @@
           <a:path path="circle">
             <a:fillToRect l="50000" t="50000" r="50000" b="50000"/>
           </a:path>
-          <a:tileRect l="0" t="0" r="0" b="0"/>
+          <a:tileRect/>
         </a:gradFill>
       </a:bgFillStyleLst>
     </a:fmtScheme>
   </a:themeElements>
+  <a:objectDefaults/>
+  <a:extraClrSchemeLst/>
 </a:theme>
 </file>
 
 <file path=ppt/theme/theme7.xml><?xml version="1.0" encoding="utf-8"?>
-<a:theme xmlns:a="http://schemas.openxmlformats.org/drawingml/2006/main" xmlns:r="http://schemas.openxmlformats.org/officeDocument/2006/relationships" name="Tema de Office">
+<a:theme xmlns:a="http://schemas.openxmlformats.org/drawingml/2006/main" name="Tema de Office">
   <a:themeElements>
     <a:clrScheme name="Office">
       <a:dk1>
         <a:srgbClr val="000000"/>
       </a:dk1>
       <a:lt1>
-        <a:srgbClr val="ffffff"/>
+        <a:srgbClr val="FFFFFF"/>
       </a:lt1>
       <a:dk2>
-        <a:srgbClr val="44546a"/>
+        <a:srgbClr val="44546A"/>
       </a:dk2>
       <a:lt2>
-        <a:srgbClr val="e7e6e6"/>
+        <a:srgbClr val="E7E6E6"/>
       </a:lt2>
       <a:accent1>
-        <a:srgbClr val="5b9bd5"/>
+        <a:srgbClr val="5B9BD5"/>
       </a:accent1>
       <a:accent2>
-        <a:srgbClr val="ed7d31"/>
+        <a:srgbClr val="ED7D31"/>
       </a:accent2>
       <a:accent3>
-        <a:srgbClr val="a5a5a5"/>
+        <a:srgbClr val="A5A5A5"/>
       </a:accent3>
       <a:accent4>
-        <a:srgbClr val="ffc000"/>
+        <a:srgbClr val="FFC000"/>
       </a:accent4>
       <a:accent5>
-        <a:srgbClr val="4472c4"/>
+        <a:srgbClr val="4472C4"/>
       </a:accent5>
       <a:accent6>
-        <a:srgbClr val="70ad47"/>
+        <a:srgbClr val="70AD47"/>
       </a:accent6>
       <a:hlink>
-        <a:srgbClr val="0563c1"/>
+        <a:srgbClr val="0563C1"/>
       </a:hlink>
       <a:folHlink>
-        <a:srgbClr val="954f72"/>
+        <a:srgbClr val="954F72"/>
       </a:folHlink>
     </a:clrScheme>
     <a:fontScheme name="Office">
       <a:majorFont>
-        <a:latin typeface="Arial" pitchFamily="0" charset="1"/>
+        <a:latin typeface="Arial"/>
         <a:ea typeface=""/>
         <a:cs typeface=""/>
       </a:majorFont>
       <a:minorFont>
-        <a:latin typeface="Arial" pitchFamily="0" charset="1"/>
+        <a:latin typeface="Arial"/>
         <a:ea typeface=""/>
         <a:cs typeface=""/>
       </a:minorFont>
@@ -5966,7 +8509,7 @@
             </a:gs>
           </a:gsLst>
           <a:lin ang="16200000" scaled="1"/>
-          <a:tileRect l="0" t="0" r="0" b="0"/>
+          <a:tileRect/>
         </a:gradFill>
         <a:gradFill>
           <a:gsLst>
@@ -5984,7 +8527,7 @@
             </a:gs>
           </a:gsLst>
           <a:lin ang="16200000" scaled="0"/>
-          <a:tileRect l="0" t="0" r="0" b="0"/>
+          <a:tileRect/>
         </a:gradFill>
       </a:fillStyleLst>
       <a:lnStyleLst>
@@ -6035,7 +8578,7 @@
           <a:path path="circle">
             <a:fillToRect l="50000" t="-80000" r="50000" b="180000"/>
           </a:path>
-          <a:tileRect l="0" t="0" r="0" b="0"/>
+          <a:tileRect/>
         </a:gradFill>
         <a:gradFill>
           <a:gsLst>
@@ -6053,63 +8596,65 @@
           <a:path path="circle">
             <a:fillToRect l="50000" t="50000" r="50000" b="50000"/>
           </a:path>
-          <a:tileRect l="0" t="0" r="0" b="0"/>
+          <a:tileRect/>
         </a:gradFill>
       </a:bgFillStyleLst>
     </a:fmtScheme>
   </a:themeElements>
+  <a:objectDefaults/>
+  <a:extraClrSchemeLst/>
 </a:theme>
 </file>
 
 <file path=ppt/theme/theme8.xml><?xml version="1.0" encoding="utf-8"?>
-<a:theme xmlns:a="http://schemas.openxmlformats.org/drawingml/2006/main" xmlns:r="http://schemas.openxmlformats.org/officeDocument/2006/relationships" name="Tema de Office">
+<a:theme xmlns:a="http://schemas.openxmlformats.org/drawingml/2006/main" name="Tema de Office">
   <a:themeElements>
     <a:clrScheme name="Office">
       <a:dk1>
         <a:srgbClr val="000000"/>
       </a:dk1>
       <a:lt1>
-        <a:srgbClr val="ffffff"/>
+        <a:srgbClr val="FFFFFF"/>
       </a:lt1>
       <a:dk2>
-        <a:srgbClr val="44546a"/>
+        <a:srgbClr val="44546A"/>
       </a:dk2>
       <a:lt2>
-        <a:srgbClr val="e7e6e6"/>
+        <a:srgbClr val="E7E6E6"/>
       </a:lt2>
       <a:accent1>
-        <a:srgbClr val="5b9bd5"/>
+        <a:srgbClr val="5B9BD5"/>
       </a:accent1>
       <a:accent2>
-        <a:srgbClr val="ed7d31"/>
+        <a:srgbClr val="ED7D31"/>
       </a:accent2>
       <a:accent3>
-        <a:srgbClr val="a5a5a5"/>
+        <a:srgbClr val="A5A5A5"/>
       </a:accent3>
       <a:accent4>
-        <a:srgbClr val="ffc000"/>
+        <a:srgbClr val="FFC000"/>
       </a:accent4>
       <a:accent5>
-        <a:srgbClr val="4472c4"/>
+        <a:srgbClr val="4472C4"/>
       </a:accent5>
       <a:accent6>
-        <a:srgbClr val="70ad47"/>
+        <a:srgbClr val="70AD47"/>
       </a:accent6>
       <a:hlink>
-        <a:srgbClr val="0563c1"/>
+        <a:srgbClr val="0563C1"/>
       </a:hlink>
       <a:folHlink>
-        <a:srgbClr val="954f72"/>
+        <a:srgbClr val="954F72"/>
       </a:folHlink>
     </a:clrScheme>
     <a:fontScheme name="Office">
       <a:majorFont>
-        <a:latin typeface="Arial" pitchFamily="0" charset="1"/>
+        <a:latin typeface="Arial"/>
         <a:ea typeface=""/>
         <a:cs typeface=""/>
       </a:majorFont>
       <a:minorFont>
-        <a:latin typeface="Arial" pitchFamily="0" charset="1"/>
+        <a:latin typeface="Arial"/>
         <a:ea typeface=""/>
         <a:cs typeface=""/>
       </a:minorFont>
@@ -6138,7 +8683,7 @@
             </a:gs>
           </a:gsLst>
           <a:lin ang="16200000" scaled="1"/>
-          <a:tileRect l="0" t="0" r="0" b="0"/>
+          <a:tileRect/>
         </a:gradFill>
         <a:gradFill>
           <a:gsLst>
@@ -6156,7 +8701,7 @@
             </a:gs>
           </a:gsLst>
           <a:lin ang="16200000" scaled="0"/>
-          <a:tileRect l="0" t="0" r="0" b="0"/>
+          <a:tileRect/>
         </a:gradFill>
       </a:fillStyleLst>
       <a:lnStyleLst>
@@ -6207,7 +8752,7 @@
           <a:path path="circle">
             <a:fillToRect l="50000" t="-80000" r="50000" b="180000"/>
           </a:path>
-          <a:tileRect l="0" t="0" r="0" b="0"/>
+          <a:tileRect/>
         </a:gradFill>
         <a:gradFill>
           <a:gsLst>
@@ -6225,63 +8770,65 @@
           <a:path path="circle">
             <a:fillToRect l="50000" t="50000" r="50000" b="50000"/>
           </a:path>
-          <a:tileRect l="0" t="0" r="0" b="0"/>
+          <a:tileRect/>
         </a:gradFill>
       </a:bgFillStyleLst>
     </a:fmtScheme>
   </a:themeElements>
+  <a:objectDefaults/>
+  <a:extraClrSchemeLst/>
 </a:theme>
 </file>
 
 <file path=ppt/theme/theme9.xml><?xml version="1.0" encoding="utf-8"?>
-<a:theme xmlns:a="http://schemas.openxmlformats.org/drawingml/2006/main" xmlns:r="http://schemas.openxmlformats.org/officeDocument/2006/relationships" name="Tema de Office">
+<a:theme xmlns:a="http://schemas.openxmlformats.org/drawingml/2006/main" name="Tema de Office">
   <a:themeElements>
     <a:clrScheme name="Office">
       <a:dk1>
         <a:srgbClr val="000000"/>
       </a:dk1>
       <a:lt1>
-        <a:srgbClr val="ffffff"/>
+        <a:srgbClr val="FFFFFF"/>
       </a:lt1>
       <a:dk2>
-        <a:srgbClr val="44546a"/>
+        <a:srgbClr val="44546A"/>
       </a:dk2>
       <a:lt2>
-        <a:srgbClr val="e7e6e6"/>
+        <a:srgbClr val="E7E6E6"/>
       </a:lt2>
       <a:accent1>
-        <a:srgbClr val="5b9bd5"/>
+        <a:srgbClr val="5B9BD5"/>
       </a:accent1>
       <a:accent2>
-        <a:srgbClr val="ed7d31"/>
+        <a:srgbClr val="ED7D31"/>
       </a:accent2>
       <a:accent3>
-        <a:srgbClr val="a5a5a5"/>
+        <a:srgbClr val="A5A5A5"/>
       </a:accent3>
       <a:accent4>
-        <a:srgbClr val="ffc000"/>
+        <a:srgbClr val="FFC000"/>
       </a:accent4>
       <a:accent5>
-        <a:srgbClr val="4472c4"/>
+        <a:srgbClr val="4472C4"/>
       </a:accent5>
       <a:accent6>
-        <a:srgbClr val="70ad47"/>
+        <a:srgbClr val="70AD47"/>
       </a:accent6>
       <a:hlink>
-        <a:srgbClr val="0563c1"/>
+        <a:srgbClr val="0563C1"/>
       </a:hlink>
       <a:folHlink>
-        <a:srgbClr val="954f72"/>
+        <a:srgbClr val="954F72"/>
       </a:folHlink>
     </a:clrScheme>
     <a:fontScheme name="Office">
       <a:majorFont>
-        <a:latin typeface="Arial" pitchFamily="0" charset="1"/>
+        <a:latin typeface="Arial"/>
         <a:ea typeface=""/>
         <a:cs typeface=""/>
       </a:majorFont>
       <a:minorFont>
-        <a:latin typeface="Arial" pitchFamily="0" charset="1"/>
+        <a:latin typeface="Arial"/>
         <a:ea typeface=""/>
         <a:cs typeface=""/>
       </a:minorFont>
@@ -6310,7 +8857,7 @@
             </a:gs>
           </a:gsLst>
           <a:lin ang="16200000" scaled="1"/>
-          <a:tileRect l="0" t="0" r="0" b="0"/>
+          <a:tileRect/>
         </a:gradFill>
         <a:gradFill>
           <a:gsLst>
@@ -6328,7 +8875,7 @@
             </a:gs>
           </a:gsLst>
           <a:lin ang="16200000" scaled="0"/>
-          <a:tileRect l="0" t="0" r="0" b="0"/>
+          <a:tileRect/>
         </a:gradFill>
       </a:fillStyleLst>
       <a:lnStyleLst>
@@ -6379,7 +8926,7 @@
           <a:path path="circle">
             <a:fillToRect l="50000" t="-80000" r="50000" b="180000"/>
           </a:path>
-          <a:tileRect l="0" t="0" r="0" b="0"/>
+          <a:tileRect/>
         </a:gradFill>
         <a:gradFill>
           <a:gsLst>
@@ -6397,235 +8944,12 @@
           <a:path path="circle">
             <a:fillToRect l="50000" t="50000" r="50000" b="50000"/>
           </a:path>
-          <a:tileRect l="0" t="0" r="0" b="0"/>
+          <a:tileRect/>
         </a:gradFill>
       </a:bgFillStyleLst>
     </a:fmtScheme>
   </a:themeElements>
+  <a:objectDefaults/>
+  <a:extraClrSchemeLst/>
 </a:theme>
-</file>
-
-<file path=customXml/item1.xml><?xml version="1.0" encoding="utf-8"?>
-<ct:contentTypeSchema xmlns:ct="http://schemas.microsoft.com/office/2006/metadata/contentType" xmlns:ma="http://schemas.microsoft.com/office/2006/metadata/properties/metaAttributes" ct:_="" ma:_="" ma:contentTypeName="Documento" ma:contentTypeID="0x01010044B0CC94A944F640BC8BB27B2C4F09E5" ma:contentTypeVersion="8" ma:contentTypeDescription="Crear nuevo documento." ma:contentTypeScope="" ma:versionID="9ba759bb97755816b33d740e4baadd6e">
-  <xsd:schema xmlns:xsd="http://www.w3.org/2001/XMLSchema" xmlns:xs="http://www.w3.org/2001/XMLSchema" xmlns:p="http://schemas.microsoft.com/office/2006/metadata/properties" xmlns:ns2="dfd8b05c-5520-477e-82b5-f87c9afe3ad6" targetNamespace="http://schemas.microsoft.com/office/2006/metadata/properties" ma:root="true" ma:fieldsID="795933945d420103f7c2e6a02ca099e8" ns2:_="">
-    <xsd:import namespace="dfd8b05c-5520-477e-82b5-f87c9afe3ad6"/>
-    <xsd:element name="properties">
-      <xsd:complexType>
-        <xsd:sequence>
-          <xsd:element name="documentManagement">
-            <xsd:complexType>
-              <xsd:all>
-                <xsd:element ref="ns2:MediaServiceMetadata" minOccurs="0"/>
-                <xsd:element ref="ns2:MediaServiceFastMetadata" minOccurs="0"/>
-                <xsd:element ref="ns2:MediaServiceObjectDetectorVersions" minOccurs="0"/>
-                <xsd:element ref="ns2:MediaServiceSearchProperties" minOccurs="0"/>
-                <xsd:element ref="ns2:MediaServiceDateTaken" minOccurs="0"/>
-                <xsd:element ref="ns2:MediaServiceGenerationTime" minOccurs="0"/>
-                <xsd:element ref="ns2:MediaServiceEventHashCode" minOccurs="0"/>
-                <xsd:element ref="ns2:MediaLengthInSeconds" minOccurs="0"/>
-              </xsd:all>
-            </xsd:complexType>
-          </xsd:element>
-        </xsd:sequence>
-      </xsd:complexType>
-    </xsd:element>
-  </xsd:schema>
-  <xsd:schema xmlns:xsd="http://www.w3.org/2001/XMLSchema" xmlns:xs="http://www.w3.org/2001/XMLSchema" xmlns:dms="http://schemas.microsoft.com/office/2006/documentManagement/types" xmlns:pc="http://schemas.microsoft.com/office/infopath/2007/PartnerControls" targetNamespace="dfd8b05c-5520-477e-82b5-f87c9afe3ad6" elementFormDefault="qualified">
-    <xsd:import namespace="http://schemas.microsoft.com/office/2006/documentManagement/types"/>
-    <xsd:import namespace="http://schemas.microsoft.com/office/infopath/2007/PartnerControls"/>
-    <xsd:element name="MediaServiceMetadata" ma:index="8" nillable="true" ma:displayName="MediaServiceMetadata" ma:hidden="true" ma:internalName="MediaServiceMetadata" ma:readOnly="true">
-      <xsd:simpleType>
-        <xsd:restriction base="dms:Note"/>
-      </xsd:simpleType>
-    </xsd:element>
-    <xsd:element name="MediaServiceFastMetadata" ma:index="9" nillable="true" ma:displayName="MediaServiceFastMetadata" ma:hidden="true" ma:internalName="MediaServiceFastMetadata" ma:readOnly="true">
-      <xsd:simpleType>
-        <xsd:restriction base="dms:Note"/>
-      </xsd:simpleType>
-    </xsd:element>
-    <xsd:element name="MediaServiceObjectDetectorVersions" ma:index="10" nillable="true" ma:displayName="MediaServiceObjectDetectorVersions" ma:hidden="true" ma:indexed="true" ma:internalName="MediaServiceObjectDetectorVersions" ma:readOnly="true">
-      <xsd:simpleType>
-        <xsd:restriction base="dms:Text"/>
-      </xsd:simpleType>
-    </xsd:element>
-    <xsd:element name="MediaServiceSearchProperties" ma:index="11" nillable="true" ma:displayName="MediaServiceSearchProperties" ma:hidden="true" ma:internalName="MediaServiceSearchProperties" ma:readOnly="true">
-      <xsd:simpleType>
-        <xsd:restriction base="dms:Note"/>
-      </xsd:simpleType>
-    </xsd:element>
-    <xsd:element name="MediaServiceDateTaken" ma:index="12" nillable="true" ma:displayName="MediaServiceDateTaken" ma:hidden="true" ma:indexed="true" ma:internalName="MediaServiceDateTaken" ma:readOnly="true">
-      <xsd:simpleType>
-        <xsd:restriction base="dms:Text"/>
-      </xsd:simpleType>
-    </xsd:element>
-    <xsd:element name="MediaServiceGenerationTime" ma:index="13" nillable="true" ma:displayName="MediaServiceGenerationTime" ma:hidden="true" ma:internalName="MediaServiceGenerationTime" ma:readOnly="true">
-      <xsd:simpleType>
-        <xsd:restriction base="dms:Text"/>
-      </xsd:simpleType>
-    </xsd:element>
-    <xsd:element name="MediaServiceEventHashCode" ma:index="14" nillable="true" ma:displayName="MediaServiceEventHashCode" ma:hidden="true" ma:internalName="MediaServiceEventHashCode" ma:readOnly="true">
-      <xsd:simpleType>
-        <xsd:restriction base="dms:Text"/>
-      </xsd:simpleType>
-    </xsd:element>
-    <xsd:element name="MediaLengthInSeconds" ma:index="15" nillable="true" ma:displayName="MediaLengthInSeconds" ma:hidden="true" ma:internalName="MediaLengthInSeconds" ma:readOnly="true">
-      <xsd:simpleType>
-        <xsd:restriction base="dms:Unknown"/>
-      </xsd:simpleType>
-    </xsd:element>
-  </xsd:schema>
-  <xsd:schema xmlns="http://schemas.openxmlformats.org/package/2006/metadata/core-properties" xmlns:xsd="http://www.w3.org/2001/XMLSchema" xmlns:xsi="http://www.w3.org/2001/XMLSchema-instance" xmlns:dc="http://purl.org/dc/elements/1.1/" xmlns:dcterms="http://purl.org/dc/terms/" xmlns:odoc="http://schemas.microsoft.com/internal/obd" targetNamespace="http://schemas.openxmlformats.org/package/2006/metadata/core-properties" elementFormDefault="qualified" attributeFormDefault="unqualified" blockDefault="#all">
-    <xsd:import namespace="http://purl.org/dc/elements/1.1/" schemaLocation="http://dublincore.org/schemas/xmls/qdc/2003/04/02/dc.xsd"/>
-    <xsd:import namespace="http://purl.org/dc/terms/" schemaLocation="http://dublincore.org/schemas/xmls/qdc/2003/04/02/dcterms.xsd"/>
-    <xsd:element name="coreProperties" type="CT_coreProperties"/>
-    <xsd:complexType name="CT_coreProperties">
-      <xsd:all>
-        <xsd:element ref="dc:creator" minOccurs="0" maxOccurs="1"/>
-        <xsd:element ref="dcterms:created" minOccurs="0" maxOccurs="1"/>
-        <xsd:element ref="dc:identifier" minOccurs="0" maxOccurs="1"/>
-        <xsd:element name="contentType" minOccurs="0" maxOccurs="1" type="xsd:string" ma:index="0" ma:displayName="Tipo de contenido"/>
-        <xsd:element ref="dc:title" minOccurs="0" maxOccurs="1" ma:index="4" ma:displayName="Título"/>
-        <xsd:element ref="dc:subject" minOccurs="0" maxOccurs="1"/>
-        <xsd:element ref="dc:description" minOccurs="0" maxOccurs="1"/>
-        <xsd:element name="keywords" minOccurs="0" maxOccurs="1" type="xsd:string"/>
-        <xsd:element ref="dc:language" minOccurs="0" maxOccurs="1"/>
-        <xsd:element name="category" minOccurs="0" maxOccurs="1" type="xsd:string"/>
-        <xsd:element name="version" minOccurs="0" maxOccurs="1" type="xsd:string"/>
-        <xsd:element name="revision" minOccurs="0" maxOccurs="1" type="xsd:string">
-          <xsd:annotation>
-            <xsd:documentation>
-                        This value indicates the number of saves or revisions. The application is responsible for updating this value after each revision.
-                    </xsd:documentation>
-          </xsd:annotation>
-        </xsd:element>
-        <xsd:element name="lastModifiedBy" minOccurs="0" maxOccurs="1" type="xsd:string"/>
-        <xsd:element ref="dcterms:modified" minOccurs="0" maxOccurs="1"/>
-        <xsd:element name="contentStatus" minOccurs="0" maxOccurs="1" type="xsd:string"/>
-      </xsd:all>
-    </xsd:complexType>
-  </xsd:schema>
-  <xs:schema xmlns:pc="http://schemas.microsoft.com/office/infopath/2007/PartnerControls" xmlns:xs="http://www.w3.org/2001/XMLSchema" targetNamespace="http://schemas.microsoft.com/office/infopath/2007/PartnerControls" elementFormDefault="qualified" attributeFormDefault="unqualified">
-    <xs:element name="Person">
-      <xs:complexType>
-        <xs:sequence>
-          <xs:element ref="pc:DisplayName" minOccurs="0"/>
-          <xs:element ref="pc:AccountId" minOccurs="0"/>
-          <xs:element ref="pc:AccountType" minOccurs="0"/>
-        </xs:sequence>
-      </xs:complexType>
-    </xs:element>
-    <xs:element name="DisplayName" type="xs:string"/>
-    <xs:element name="AccountId" type="xs:string"/>
-    <xs:element name="AccountType" type="xs:string"/>
-    <xs:element name="BDCAssociatedEntity">
-      <xs:complexType>
-        <xs:sequence>
-          <xs:element ref="pc:BDCEntity" minOccurs="0" maxOccurs="unbounded"/>
-        </xs:sequence>
-        <xs:attribute ref="pc:EntityNamespace"/>
-        <xs:attribute ref="pc:EntityName"/>
-        <xs:attribute ref="pc:SystemInstanceName"/>
-        <xs:attribute ref="pc:AssociationName"/>
-      </xs:complexType>
-    </xs:element>
-    <xs:attribute name="EntityNamespace" type="xs:string"/>
-    <xs:attribute name="EntityName" type="xs:string"/>
-    <xs:attribute name="SystemInstanceName" type="xs:string"/>
-    <xs:attribute name="AssociationName" type="xs:string"/>
-    <xs:element name="BDCEntity">
-      <xs:complexType>
-        <xs:sequence>
-          <xs:element ref="pc:EntityDisplayName" minOccurs="0"/>
-          <xs:element ref="pc:EntityInstanceReference" minOccurs="0"/>
-          <xs:element ref="pc:EntityId1" minOccurs="0"/>
-          <xs:element ref="pc:EntityId2" minOccurs="0"/>
-          <xs:element ref="pc:EntityId3" minOccurs="0"/>
-          <xs:element ref="pc:EntityId4" minOccurs="0"/>
-          <xs:element ref="pc:EntityId5" minOccurs="0"/>
-        </xs:sequence>
-      </xs:complexType>
-    </xs:element>
-    <xs:element name="EntityDisplayName" type="xs:string"/>
-    <xs:element name="EntityInstanceReference" type="xs:string"/>
-    <xs:element name="EntityId1" type="xs:string"/>
-    <xs:element name="EntityId2" type="xs:string"/>
-    <xs:element name="EntityId3" type="xs:string"/>
-    <xs:element name="EntityId4" type="xs:string"/>
-    <xs:element name="EntityId5" type="xs:string"/>
-    <xs:element name="Terms">
-      <xs:complexType>
-        <xs:sequence>
-          <xs:element ref="pc:TermInfo" minOccurs="0" maxOccurs="unbounded"/>
-        </xs:sequence>
-      </xs:complexType>
-    </xs:element>
-    <xs:element name="TermInfo">
-      <xs:complexType>
-        <xs:sequence>
-          <xs:element ref="pc:TermName" minOccurs="0"/>
-          <xs:element ref="pc:TermId" minOccurs="0"/>
-        </xs:sequence>
-      </xs:complexType>
-    </xs:element>
-    <xs:element name="TermName" type="xs:string"/>
-    <xs:element name="TermId" type="xs:string"/>
-  </xs:schema>
-</ct:contentTypeSchema>
-</file>
-
-<file path=customXml/item2.xml><?xml version="1.0" encoding="utf-8"?>
-<p:properties xmlns:p="http://schemas.microsoft.com/office/2006/metadata/properties" xmlns:xsi="http://www.w3.org/2001/XMLSchema-instance" xmlns:pc="http://schemas.microsoft.com/office/infopath/2007/PartnerControls">
-  <documentManagement/>
-</p:properties>
-</file>
-
-<file path=customXml/item3.xml><?xml version="1.0" encoding="utf-8"?>
-<?mso-contentType ?>
-<FormTemplates xmlns="http://schemas.microsoft.com/sharepoint/v3/contenttype/forms">
-  <Display>DocumentLibraryForm</Display>
-  <Edit>DocumentLibraryForm</Edit>
-  <New>DocumentLibraryForm</New>
-</FormTemplates>
-</file>
-
-<file path=customXml/itemProps1.xml><?xml version="1.0" encoding="utf-8"?>
-<ds:datastoreItem xmlns:ds="http://schemas.openxmlformats.org/officeDocument/2006/customXml" ds:itemID="{0CB3EAF1-03A4-4203-AE17-369AE46698D5}">
-  <ds:schemaRefs>
-    <ds:schemaRef ds:uri="http://schemas.microsoft.com/office/2006/metadata/contentType"/>
-    <ds:schemaRef ds:uri="http://schemas.microsoft.com/office/2006/metadata/properties/metaAttributes"/>
-    <ds:schemaRef ds:uri="http://www.w3.org/2001/XMLSchema"/>
-    <ds:schemaRef ds:uri="http://schemas.microsoft.com/office/2006/metadata/properties"/>
-    <ds:schemaRef ds:uri="dfd8b05c-5520-477e-82b5-f87c9afe3ad6"/>
-    <ds:schemaRef ds:uri="http://schemas.microsoft.com/office/2006/documentManagement/types"/>
-    <ds:schemaRef ds:uri="http://schemas.microsoft.com/office/infopath/2007/PartnerControls"/>
-    <ds:schemaRef ds:uri="http://schemas.openxmlformats.org/package/2006/metadata/core-properties"/>
-    <ds:schemaRef ds:uri="http://purl.org/dc/elements/1.1/"/>
-    <ds:schemaRef ds:uri="http://purl.org/dc/terms/"/>
-    <ds:schemaRef ds:uri="http://schemas.microsoft.com/internal/obd"/>
-  </ds:schemaRefs>
-</ds:datastoreItem>
-</file>
-
-<file path=customXml/itemProps2.xml><?xml version="1.0" encoding="utf-8"?>
-<ds:datastoreItem xmlns:ds="http://schemas.openxmlformats.org/officeDocument/2006/customXml" ds:itemID="{B3B34520-C811-4C04-A9E2-E7B1C3ED120F}">
-  <ds:schemaRefs>
-    <ds:schemaRef ds:uri="http://schemas.microsoft.com/office/2006/metadata/properties"/>
-    <ds:schemaRef ds:uri="dfd8b05c-5520-477e-82b5-f87c9afe3ad6"/>
-    <ds:schemaRef ds:uri="http://purl.org/dc/dcmitype/"/>
-    <ds:schemaRef ds:uri="http://purl.org/dc/elements/1.1/"/>
-    <ds:schemaRef ds:uri="http://schemas.openxmlformats.org/package/2006/metadata/core-properties"/>
-    <ds:schemaRef ds:uri="http://schemas.microsoft.com/office/infopath/2007/PartnerControls"/>
-    <ds:schemaRef ds:uri="http://schemas.microsoft.com/office/2006/documentManagement/types"/>
-    <ds:schemaRef ds:uri="http://purl.org/dc/terms/"/>
-    <ds:schemaRef ds:uri="http://www.w3.org/XML/1998/namespace"/>
-  </ds:schemaRefs>
-</ds:datastoreItem>
-</file>
-
-<file path=customXml/itemProps3.xml><?xml version="1.0" encoding="utf-8"?>
-<ds:datastoreItem xmlns:ds="http://schemas.openxmlformats.org/officeDocument/2006/customXml" ds:itemID="{811884B1-A0F0-48E0-BF07-14BCB2C96199}">
-  <ds:schemaRefs>
-    <ds:schemaRef ds:uri="http://schemas.microsoft.com/sharepoint/v3/contenttype/forms"/>
-  </ds:schemaRefs>
-</ds:datastoreItem>
 </file>